--- a/CSCE658-S24/L14.pptx
+++ b/CSCE658-S24/L14.pptx
@@ -19,24 +19,26 @@
     <p:sldId id="999" r:id="rId13"/>
     <p:sldId id="1000" r:id="rId14"/>
     <p:sldId id="1001" r:id="rId15"/>
-    <p:sldId id="1002" r:id="rId16"/>
-    <p:sldId id="1003" r:id="rId17"/>
-    <p:sldId id="1007" r:id="rId18"/>
-    <p:sldId id="1006" r:id="rId19"/>
-    <p:sldId id="1009" r:id="rId20"/>
-    <p:sldId id="1008" r:id="rId21"/>
-    <p:sldId id="1010" r:id="rId22"/>
-    <p:sldId id="1011" r:id="rId23"/>
-    <p:sldId id="1012" r:id="rId24"/>
-    <p:sldId id="1013" r:id="rId25"/>
-    <p:sldId id="1015" r:id="rId26"/>
-    <p:sldId id="1014" r:id="rId27"/>
-    <p:sldId id="1005" r:id="rId28"/>
-    <p:sldId id="1004" r:id="rId29"/>
-    <p:sldId id="1016" r:id="rId30"/>
-    <p:sldId id="1017" r:id="rId31"/>
-    <p:sldId id="1018" r:id="rId32"/>
-    <p:sldId id="1019" r:id="rId33"/>
+    <p:sldId id="1020" r:id="rId16"/>
+    <p:sldId id="1002" r:id="rId17"/>
+    <p:sldId id="1003" r:id="rId18"/>
+    <p:sldId id="1007" r:id="rId19"/>
+    <p:sldId id="1006" r:id="rId20"/>
+    <p:sldId id="1021" r:id="rId21"/>
+    <p:sldId id="1009" r:id="rId22"/>
+    <p:sldId id="1008" r:id="rId23"/>
+    <p:sldId id="1010" r:id="rId24"/>
+    <p:sldId id="1011" r:id="rId25"/>
+    <p:sldId id="1012" r:id="rId26"/>
+    <p:sldId id="1013" r:id="rId27"/>
+    <p:sldId id="1015" r:id="rId28"/>
+    <p:sldId id="1014" r:id="rId29"/>
+    <p:sldId id="1005" r:id="rId30"/>
+    <p:sldId id="1004" r:id="rId31"/>
+    <p:sldId id="1016" r:id="rId32"/>
+    <p:sldId id="1017" r:id="rId33"/>
+    <p:sldId id="1018" r:id="rId34"/>
+    <p:sldId id="1019" r:id="rId35"/>
   </p:sldIdLst>
   <p:sldSz cx="12192000" cy="6858000"/>
   <p:notesSz cx="6858000" cy="9144000"/>
@@ -135,6 +137,11 @@
       </a:defRPr>
     </a:lvl9pPr>
   </p:defaultTextStyle>
+  <p:extLst>
+    <p:ext uri="{EFAFB233-063F-42B5-8137-9DF3F51BA10A}">
+      <p15:sldGuideLst xmlns:p15="http://schemas.microsoft.com/office/powerpoint/2012/main"/>
+    </p:ext>
+  </p:extLst>
 </p:presentation>
 </file>
 
@@ -946,7 +953,7 @@
           <a:p>
             <a:fld id="{BD513F5A-74D4-4F0D-9C58-A5322C13E101}" type="datetimeFigureOut">
               <a:rPr lang="en-US" smtClean="0"/>
-              <a:t>2/23/2024</a:t>
+              <a:t>3/7/2024</a:t>
             </a:fld>
             <a:endParaRPr lang="en-US"/>
           </a:p>
@@ -1144,7 +1151,7 @@
           <a:p>
             <a:fld id="{BD513F5A-74D4-4F0D-9C58-A5322C13E101}" type="datetimeFigureOut">
               <a:rPr lang="en-US" smtClean="0"/>
-              <a:t>2/23/2024</a:t>
+              <a:t>3/7/2024</a:t>
             </a:fld>
             <a:endParaRPr lang="en-US"/>
           </a:p>
@@ -1352,7 +1359,7 @@
           <a:p>
             <a:fld id="{BD513F5A-74D4-4F0D-9C58-A5322C13E101}" type="datetimeFigureOut">
               <a:rPr lang="en-US" smtClean="0"/>
-              <a:t>2/23/2024</a:t>
+              <a:t>3/7/2024</a:t>
             </a:fld>
             <a:endParaRPr lang="en-US"/>
           </a:p>
@@ -1550,7 +1557,7 @@
           <a:p>
             <a:fld id="{BD513F5A-74D4-4F0D-9C58-A5322C13E101}" type="datetimeFigureOut">
               <a:rPr lang="en-US" smtClean="0"/>
-              <a:t>2/23/2024</a:t>
+              <a:t>3/7/2024</a:t>
             </a:fld>
             <a:endParaRPr lang="en-US"/>
           </a:p>
@@ -1825,7 +1832,7 @@
           <a:p>
             <a:fld id="{BD513F5A-74D4-4F0D-9C58-A5322C13E101}" type="datetimeFigureOut">
               <a:rPr lang="en-US" smtClean="0"/>
-              <a:t>2/23/2024</a:t>
+              <a:t>3/7/2024</a:t>
             </a:fld>
             <a:endParaRPr lang="en-US"/>
           </a:p>
@@ -2090,7 +2097,7 @@
           <a:p>
             <a:fld id="{BD513F5A-74D4-4F0D-9C58-A5322C13E101}" type="datetimeFigureOut">
               <a:rPr lang="en-US" smtClean="0"/>
-              <a:t>2/23/2024</a:t>
+              <a:t>3/7/2024</a:t>
             </a:fld>
             <a:endParaRPr lang="en-US"/>
           </a:p>
@@ -2502,7 +2509,7 @@
           <a:p>
             <a:fld id="{BD513F5A-74D4-4F0D-9C58-A5322C13E101}" type="datetimeFigureOut">
               <a:rPr lang="en-US" smtClean="0"/>
-              <a:t>2/23/2024</a:t>
+              <a:t>3/7/2024</a:t>
             </a:fld>
             <a:endParaRPr lang="en-US"/>
           </a:p>
@@ -2643,7 +2650,7 @@
           <a:p>
             <a:fld id="{BD513F5A-74D4-4F0D-9C58-A5322C13E101}" type="datetimeFigureOut">
               <a:rPr lang="en-US" smtClean="0"/>
-              <a:t>2/23/2024</a:t>
+              <a:t>3/7/2024</a:t>
             </a:fld>
             <a:endParaRPr lang="en-US"/>
           </a:p>
@@ -2756,7 +2763,7 @@
           <a:p>
             <a:fld id="{BD513F5A-74D4-4F0D-9C58-A5322C13E101}" type="datetimeFigureOut">
               <a:rPr lang="en-US" smtClean="0"/>
-              <a:t>2/23/2024</a:t>
+              <a:t>3/7/2024</a:t>
             </a:fld>
             <a:endParaRPr lang="en-US"/>
           </a:p>
@@ -3067,7 +3074,7 @@
           <a:p>
             <a:fld id="{BD513F5A-74D4-4F0D-9C58-A5322C13E101}" type="datetimeFigureOut">
               <a:rPr lang="en-US" smtClean="0"/>
-              <a:t>2/23/2024</a:t>
+              <a:t>3/7/2024</a:t>
             </a:fld>
             <a:endParaRPr lang="en-US"/>
           </a:p>
@@ -3355,7 +3362,7 @@
           <a:p>
             <a:fld id="{BD513F5A-74D4-4F0D-9C58-A5322C13E101}" type="datetimeFigureOut">
               <a:rPr lang="en-US" smtClean="0"/>
-              <a:t>2/23/2024</a:t>
+              <a:t>3/7/2024</a:t>
             </a:fld>
             <a:endParaRPr lang="en-US"/>
           </a:p>
@@ -3596,7 +3603,7 @@
           <a:p>
             <a:fld id="{BD513F5A-74D4-4F0D-9C58-A5322C13E101}" type="datetimeFigureOut">
               <a:rPr lang="en-US" smtClean="0"/>
-              <a:t>2/23/2024</a:t>
+              <a:t>3/7/2024</a:t>
             </a:fld>
             <a:endParaRPr lang="en-US"/>
           </a:p>
@@ -4466,8 +4473,8 @@
           </a:p>
         </p:txBody>
       </p:sp>
-      <mc:AlternateContent xmlns:mc="http://schemas.openxmlformats.org/markup-compatibility/2006">
-        <mc:Choice xmlns:a14="http://schemas.microsoft.com/office/drawing/2010/main" Requires="a14">
+      <mc:AlternateContent xmlns:mc="http://schemas.openxmlformats.org/markup-compatibility/2006" xmlns:a14="http://schemas.microsoft.com/office/drawing/2010/main">
+        <mc:Choice Requires="a14">
           <p:sp>
             <p:nvSpPr>
               <p:cNvPr id="3" name="Content Placeholder 2">
@@ -4916,7 +4923,7 @@
             </p:txBody>
           </p:sp>
         </mc:Choice>
-        <mc:Fallback>
+        <mc:Fallback xmlns="">
           <p:sp>
             <p:nvSpPr>
               <p:cNvPr id="3" name="Content Placeholder 2">
@@ -5033,8 +5040,8 @@
           </a:p>
         </p:txBody>
       </p:sp>
-      <mc:AlternateContent xmlns:mc="http://schemas.openxmlformats.org/markup-compatibility/2006">
-        <mc:Choice xmlns:a14="http://schemas.microsoft.com/office/drawing/2010/main" Requires="a14">
+      <mc:AlternateContent xmlns:mc="http://schemas.openxmlformats.org/markup-compatibility/2006" xmlns:a14="http://schemas.microsoft.com/office/drawing/2010/main">
+        <mc:Choice Requires="a14">
           <p:sp>
             <p:nvSpPr>
               <p:cNvPr id="3" name="Content Placeholder 2">
@@ -5930,7 +5937,7 @@
             </p:txBody>
           </p:sp>
         </mc:Choice>
-        <mc:Fallback>
+        <mc:Fallback xmlns="">
           <p:sp>
             <p:nvSpPr>
               <p:cNvPr id="3" name="Content Placeholder 2">
@@ -6010,8 +6017,8 @@
           <a:chExt cx="0" cy="0"/>
         </a:xfrm>
       </p:grpSpPr>
-      <mc:AlternateContent xmlns:mc="http://schemas.openxmlformats.org/markup-compatibility/2006">
-        <mc:Choice xmlns:a14="http://schemas.microsoft.com/office/drawing/2010/main" Requires="a14">
+      <mc:AlternateContent xmlns:mc="http://schemas.openxmlformats.org/markup-compatibility/2006" xmlns:a14="http://schemas.microsoft.com/office/drawing/2010/main">
+        <mc:Choice Requires="a14">
           <p:sp>
             <p:nvSpPr>
               <p:cNvPr id="2" name="Title 1">
@@ -6063,7 +6070,7 @@
             </p:txBody>
           </p:sp>
         </mc:Choice>
-        <mc:Fallback>
+        <mc:Fallback xmlns="">
           <p:sp>
             <p:nvSpPr>
               <p:cNvPr id="2" name="Title 1">
@@ -6161,7 +6168,7 @@
                 </a14:m>
                 <a:r>
                   <a:rPr lang="en-US" sz="3200" dirty="0"/>
-                  <a:t>-SAT problem, we are given a CNF formula </a:t>
+                  <a:t>-SAT problem, we are given a conjunctive normal form (CNF) formula, i.e., an AND of OR’s, </a:t>
                 </a:r>
                 <a14:m>
                   <m:oMath xmlns:m="http://schemas.openxmlformats.org/officeDocument/2006/math">
@@ -6399,6 +6406,71 @@
                 </a:pPr>
                 <a:endParaRPr lang="en-US" sz="3200" dirty="0"/>
               </a:p>
+              <a:p>
+                <a:pPr>
+                  <a:buClr>
+                    <a:schemeClr val="tx1"/>
+                  </a:buClr>
+                </a:pPr>
+                <a:endParaRPr lang="en-US" sz="3200" dirty="0"/>
+              </a:p>
+              <a:p>
+                <a:pPr>
+                  <a:buClr>
+                    <a:schemeClr val="tx1"/>
+                  </a:buClr>
+                </a:pPr>
+                <a:r>
+                  <a:rPr lang="en-US" sz="3200" dirty="0">
+                    <a:solidFill>
+                      <a:srgbClr val="00B050"/>
+                    </a:solidFill>
+                  </a:rPr>
+                  <a:t>Example</a:t>
+                </a:r>
+                <a:r>
+                  <a:rPr lang="en-US" sz="3200" dirty="0"/>
+                  <a:t> </a:t>
+                </a:r>
+                <a:r>
+                  <a:rPr lang="en-US" sz="3200" dirty="0">
+                    <a:solidFill>
+                      <a:srgbClr val="00B050"/>
+                    </a:solidFill>
+                  </a:rPr>
+                  <a:t>for</a:t>
+                </a:r>
+                <a:r>
+                  <a:rPr lang="en-US" sz="3200" dirty="0"/>
+                  <a:t> </a:t>
+                </a:r>
+                <a14:m>
+                  <m:oMath xmlns:m="http://schemas.openxmlformats.org/officeDocument/2006/math">
+                    <m:r>
+                      <a:rPr lang="en-US" sz="3200" b="0" i="1" smtClean="0">
+                        <a:solidFill>
+                          <a:srgbClr val="C00000"/>
+                        </a:solidFill>
+                        <a:latin typeface="Cambria Math" panose="02040503050406030204" pitchFamily="18" charset="0"/>
+                      </a:rPr>
+                      <m:t>𝑘</m:t>
+                    </m:r>
+                    <m:r>
+                      <a:rPr lang="en-US" sz="3200" b="0" i="1" smtClean="0">
+                        <a:solidFill>
+                          <a:srgbClr val="C00000"/>
+                        </a:solidFill>
+                        <a:latin typeface="Cambria Math" panose="02040503050406030204" pitchFamily="18" charset="0"/>
+                      </a:rPr>
+                      <m:t>=4</m:t>
+                    </m:r>
+                  </m:oMath>
+                </a14:m>
+                <a:r>
+                  <a:rPr lang="en-US" sz="3200" dirty="0"/>
+                  <a:t>: </a:t>
+                </a:r>
+              </a:p>
             </p:txBody>
           </p:sp>
         </mc:Choice>
@@ -6446,6 +6518,454 @@
           </p:sp>
         </mc:Fallback>
       </mc:AlternateContent>
+      <mc:AlternateContent xmlns:mc="http://schemas.openxmlformats.org/markup-compatibility/2006">
+        <mc:Choice xmlns:a14="http://schemas.microsoft.com/office/drawing/2010/main" Requires="a14">
+          <p:sp>
+            <p:nvSpPr>
+              <p:cNvPr id="5" name="TextBox 4">
+                <a:extLst>
+                  <a:ext uri="{FF2B5EF4-FFF2-40B4-BE49-F238E27FC236}">
+                    <a16:creationId xmlns:a16="http://schemas.microsoft.com/office/drawing/2014/main" id="{A818FFF7-CCA2-09C2-BE95-F893F385CE18}"/>
+                  </a:ext>
+                </a:extLst>
+              </p:cNvPr>
+              <p:cNvSpPr txBox="1"/>
+              <p:nvPr/>
+            </p:nvSpPr>
+            <p:spPr>
+              <a:xfrm>
+                <a:off x="2263879" y="5115904"/>
+                <a:ext cx="9228065" cy="584775"/>
+              </a:xfrm>
+              <a:prstGeom prst="rect">
+                <a:avLst/>
+              </a:prstGeom>
+              <a:noFill/>
+            </p:spPr>
+            <p:txBody>
+              <a:bodyPr wrap="square">
+                <a:spAutoFit/>
+              </a:bodyPr>
+              <a:lstStyle/>
+              <a:p>
+                <a:pPr/>
+                <a14:m>
+                  <m:oMathPara xmlns:m="http://schemas.openxmlformats.org/officeDocument/2006/math">
+                    <m:oMathParaPr>
+                      <m:jc m:val="centerGroup"/>
+                    </m:oMathParaPr>
+                    <m:oMath xmlns:m="http://schemas.openxmlformats.org/officeDocument/2006/math">
+                      <m:d>
+                        <m:dPr>
+                          <m:ctrlPr>
+                            <a:rPr lang="en-US" sz="3200" b="0" i="1" smtClean="0">
+                              <a:solidFill>
+                                <a:srgbClr val="C00000"/>
+                              </a:solidFill>
+                              <a:latin typeface="Cambria Math" panose="02040503050406030204" pitchFamily="18" charset="0"/>
+                            </a:rPr>
+                          </m:ctrlPr>
+                        </m:dPr>
+                        <m:e>
+                          <m:sSub>
+                            <m:sSubPr>
+                              <m:ctrlPr>
+                                <a:rPr lang="en-US" sz="3200" b="0" i="1" smtClean="0">
+                                  <a:solidFill>
+                                    <a:srgbClr val="C00000"/>
+                                  </a:solidFill>
+                                  <a:latin typeface="Cambria Math" panose="02040503050406030204" pitchFamily="18" charset="0"/>
+                                </a:rPr>
+                              </m:ctrlPr>
+                            </m:sSubPr>
+                            <m:e>
+                              <m:r>
+                                <a:rPr lang="en-US" sz="3200" b="0" i="1" smtClean="0">
+                                  <a:solidFill>
+                                    <a:srgbClr val="C00000"/>
+                                  </a:solidFill>
+                                  <a:latin typeface="Cambria Math" panose="02040503050406030204" pitchFamily="18" charset="0"/>
+                                </a:rPr>
+                                <m:t>𝑥</m:t>
+                              </m:r>
+                            </m:e>
+                            <m:sub>
+                              <m:r>
+                                <a:rPr lang="en-US" sz="3200" b="0" i="1" smtClean="0">
+                                  <a:solidFill>
+                                    <a:srgbClr val="C00000"/>
+                                  </a:solidFill>
+                                  <a:latin typeface="Cambria Math" panose="02040503050406030204" pitchFamily="18" charset="0"/>
+                                </a:rPr>
+                                <m:t>2</m:t>
+                              </m:r>
+                            </m:sub>
+                          </m:sSub>
+                          <m:r>
+                            <a:rPr lang="en-US" sz="3200" b="0" i="1" smtClean="0">
+                              <a:solidFill>
+                                <a:srgbClr val="C00000"/>
+                              </a:solidFill>
+                              <a:latin typeface="Cambria Math" panose="02040503050406030204" pitchFamily="18" charset="0"/>
+                            </a:rPr>
+                            <m:t>∨¬</m:t>
+                          </m:r>
+                          <m:sSub>
+                            <m:sSubPr>
+                              <m:ctrlPr>
+                                <a:rPr lang="en-US" sz="3200" b="0" i="1" smtClean="0">
+                                  <a:solidFill>
+                                    <a:srgbClr val="C00000"/>
+                                  </a:solidFill>
+                                  <a:latin typeface="Cambria Math" panose="02040503050406030204" pitchFamily="18" charset="0"/>
+                                </a:rPr>
+                              </m:ctrlPr>
+                            </m:sSubPr>
+                            <m:e>
+                              <m:r>
+                                <a:rPr lang="en-US" sz="3200" b="0" i="1" smtClean="0">
+                                  <a:solidFill>
+                                    <a:srgbClr val="C00000"/>
+                                  </a:solidFill>
+                                  <a:latin typeface="Cambria Math" panose="02040503050406030204" pitchFamily="18" charset="0"/>
+                                </a:rPr>
+                                <m:t>𝑥</m:t>
+                              </m:r>
+                            </m:e>
+                            <m:sub>
+                              <m:r>
+                                <a:rPr lang="en-US" sz="3200" b="0" i="1" smtClean="0">
+                                  <a:solidFill>
+                                    <a:srgbClr val="C00000"/>
+                                  </a:solidFill>
+                                  <a:latin typeface="Cambria Math" panose="02040503050406030204" pitchFamily="18" charset="0"/>
+                                </a:rPr>
+                                <m:t>4</m:t>
+                              </m:r>
+                            </m:sub>
+                          </m:sSub>
+                          <m:r>
+                            <a:rPr lang="en-US" sz="3200" b="0" i="1" smtClean="0">
+                              <a:solidFill>
+                                <a:srgbClr val="C00000"/>
+                              </a:solidFill>
+                              <a:latin typeface="Cambria Math" panose="02040503050406030204" pitchFamily="18" charset="0"/>
+                            </a:rPr>
+                            <m:t>∨</m:t>
+                          </m:r>
+                          <m:sSub>
+                            <m:sSubPr>
+                              <m:ctrlPr>
+                                <a:rPr lang="en-US" sz="3200" b="0" i="1" smtClean="0">
+                                  <a:solidFill>
+                                    <a:srgbClr val="C00000"/>
+                                  </a:solidFill>
+                                  <a:latin typeface="Cambria Math" panose="02040503050406030204" pitchFamily="18" charset="0"/>
+                                </a:rPr>
+                              </m:ctrlPr>
+                            </m:sSubPr>
+                            <m:e>
+                              <m:r>
+                                <a:rPr lang="en-US" sz="3200" b="0" i="1" smtClean="0">
+                                  <a:solidFill>
+                                    <a:srgbClr val="C00000"/>
+                                  </a:solidFill>
+                                  <a:latin typeface="Cambria Math" panose="02040503050406030204" pitchFamily="18" charset="0"/>
+                                </a:rPr>
+                                <m:t>𝑥</m:t>
+                              </m:r>
+                            </m:e>
+                            <m:sub>
+                              <m:r>
+                                <a:rPr lang="en-US" sz="3200" b="0" i="1" smtClean="0">
+                                  <a:solidFill>
+                                    <a:srgbClr val="C00000"/>
+                                  </a:solidFill>
+                                  <a:latin typeface="Cambria Math" panose="02040503050406030204" pitchFamily="18" charset="0"/>
+                                </a:rPr>
+                                <m:t>5</m:t>
+                              </m:r>
+                            </m:sub>
+                          </m:sSub>
+                          <m:r>
+                            <a:rPr lang="en-US" sz="3200" b="0" i="1" smtClean="0">
+                              <a:solidFill>
+                                <a:srgbClr val="C00000"/>
+                              </a:solidFill>
+                              <a:latin typeface="Cambria Math" panose="02040503050406030204" pitchFamily="18" charset="0"/>
+                            </a:rPr>
+                            <m:t>∨</m:t>
+                          </m:r>
+                          <m:sSub>
+                            <m:sSubPr>
+                              <m:ctrlPr>
+                                <a:rPr lang="en-US" sz="3200" b="0" i="1" smtClean="0">
+                                  <a:solidFill>
+                                    <a:srgbClr val="C00000"/>
+                                  </a:solidFill>
+                                  <a:latin typeface="Cambria Math" panose="02040503050406030204" pitchFamily="18" charset="0"/>
+                                </a:rPr>
+                              </m:ctrlPr>
+                            </m:sSubPr>
+                            <m:e>
+                              <m:r>
+                                <a:rPr lang="en-US" sz="3200" b="0" i="1" smtClean="0">
+                                  <a:solidFill>
+                                    <a:srgbClr val="C00000"/>
+                                  </a:solidFill>
+                                  <a:latin typeface="Cambria Math" panose="02040503050406030204" pitchFamily="18" charset="0"/>
+                                </a:rPr>
+                                <m:t>𝑥</m:t>
+                              </m:r>
+                            </m:e>
+                            <m:sub>
+                              <m:r>
+                                <a:rPr lang="en-US" sz="3200" b="0" i="1" smtClean="0">
+                                  <a:solidFill>
+                                    <a:srgbClr val="C00000"/>
+                                  </a:solidFill>
+                                  <a:latin typeface="Cambria Math" panose="02040503050406030204" pitchFamily="18" charset="0"/>
+                                </a:rPr>
+                                <m:t>7</m:t>
+                              </m:r>
+                            </m:sub>
+                          </m:sSub>
+                        </m:e>
+                      </m:d>
+                      <m:r>
+                        <a:rPr lang="en-US" sz="3200" b="0" i="1" smtClean="0">
+                          <a:solidFill>
+                            <a:srgbClr val="C00000"/>
+                          </a:solidFill>
+                          <a:latin typeface="Cambria Math" panose="02040503050406030204" pitchFamily="18" charset="0"/>
+                        </a:rPr>
+                        <m:t>∧(</m:t>
+                      </m:r>
+                      <m:sSub>
+                        <m:sSubPr>
+                          <m:ctrlPr>
+                            <a:rPr lang="en-US" sz="3200" b="0" i="1" smtClean="0">
+                              <a:solidFill>
+                                <a:srgbClr val="C00000"/>
+                              </a:solidFill>
+                              <a:latin typeface="Cambria Math" panose="02040503050406030204" pitchFamily="18" charset="0"/>
+                            </a:rPr>
+                          </m:ctrlPr>
+                        </m:sSubPr>
+                        <m:e>
+                          <m:r>
+                            <a:rPr lang="en-US" sz="3200" b="0" i="1" smtClean="0">
+                              <a:solidFill>
+                                <a:srgbClr val="C00000"/>
+                              </a:solidFill>
+                              <a:latin typeface="Cambria Math" panose="02040503050406030204" pitchFamily="18" charset="0"/>
+                            </a:rPr>
+                            <m:t>𝑥</m:t>
+                          </m:r>
+                        </m:e>
+                        <m:sub>
+                          <m:r>
+                            <a:rPr lang="en-US" sz="3200" b="0" i="1" smtClean="0">
+                              <a:solidFill>
+                                <a:srgbClr val="C00000"/>
+                              </a:solidFill>
+                              <a:latin typeface="Cambria Math" panose="02040503050406030204" pitchFamily="18" charset="0"/>
+                            </a:rPr>
+                            <m:t>1</m:t>
+                          </m:r>
+                        </m:sub>
+                      </m:sSub>
+                      <m:r>
+                        <a:rPr lang="en-US" sz="3200" b="0" i="1" smtClean="0">
+                          <a:solidFill>
+                            <a:srgbClr val="C00000"/>
+                          </a:solidFill>
+                          <a:latin typeface="Cambria Math" panose="02040503050406030204" pitchFamily="18" charset="0"/>
+                        </a:rPr>
+                        <m:t>∨¬</m:t>
+                      </m:r>
+                      <m:sSub>
+                        <m:sSubPr>
+                          <m:ctrlPr>
+                            <a:rPr lang="en-US" sz="3200" b="0" i="1" smtClean="0">
+                              <a:solidFill>
+                                <a:srgbClr val="C00000"/>
+                              </a:solidFill>
+                              <a:latin typeface="Cambria Math" panose="02040503050406030204" pitchFamily="18" charset="0"/>
+                            </a:rPr>
+                          </m:ctrlPr>
+                        </m:sSubPr>
+                        <m:e>
+                          <m:r>
+                            <a:rPr lang="en-US" sz="3200" b="0" i="1" smtClean="0">
+                              <a:solidFill>
+                                <a:srgbClr val="C00000"/>
+                              </a:solidFill>
+                              <a:latin typeface="Cambria Math" panose="02040503050406030204" pitchFamily="18" charset="0"/>
+                            </a:rPr>
+                            <m:t>𝑥</m:t>
+                          </m:r>
+                        </m:e>
+                        <m:sub>
+                          <m:r>
+                            <a:rPr lang="en-US" sz="3200" b="0" i="1" smtClean="0">
+                              <a:solidFill>
+                                <a:srgbClr val="C00000"/>
+                              </a:solidFill>
+                              <a:latin typeface="Cambria Math" panose="02040503050406030204" pitchFamily="18" charset="0"/>
+                            </a:rPr>
+                            <m:t>3</m:t>
+                          </m:r>
+                        </m:sub>
+                      </m:sSub>
+                      <m:r>
+                        <a:rPr lang="en-US" sz="3200" b="0" i="1" smtClean="0">
+                          <a:solidFill>
+                            <a:srgbClr val="C00000"/>
+                          </a:solidFill>
+                          <a:latin typeface="Cambria Math" panose="02040503050406030204" pitchFamily="18" charset="0"/>
+                        </a:rPr>
+                        <m:t>∨</m:t>
+                      </m:r>
+                      <m:sSub>
+                        <m:sSubPr>
+                          <m:ctrlPr>
+                            <a:rPr lang="en-US" sz="3200" b="0" i="1" smtClean="0">
+                              <a:solidFill>
+                                <a:srgbClr val="C00000"/>
+                              </a:solidFill>
+                              <a:latin typeface="Cambria Math" panose="02040503050406030204" pitchFamily="18" charset="0"/>
+                            </a:rPr>
+                          </m:ctrlPr>
+                        </m:sSubPr>
+                        <m:e>
+                          <m:r>
+                            <a:rPr lang="en-US" sz="3200" b="0" i="1" smtClean="0">
+                              <a:solidFill>
+                                <a:srgbClr val="C00000"/>
+                              </a:solidFill>
+                              <a:latin typeface="Cambria Math" panose="02040503050406030204" pitchFamily="18" charset="0"/>
+                            </a:rPr>
+                            <m:t>𝑥</m:t>
+                          </m:r>
+                        </m:e>
+                        <m:sub>
+                          <m:r>
+                            <a:rPr lang="en-US" sz="3200" b="0" i="1" smtClean="0">
+                              <a:solidFill>
+                                <a:srgbClr val="C00000"/>
+                              </a:solidFill>
+                              <a:latin typeface="Cambria Math" panose="02040503050406030204" pitchFamily="18" charset="0"/>
+                            </a:rPr>
+                            <m:t>6</m:t>
+                          </m:r>
+                        </m:sub>
+                      </m:sSub>
+                      <m:r>
+                        <a:rPr lang="en-US" sz="3200" b="0" i="1" smtClean="0">
+                          <a:solidFill>
+                            <a:srgbClr val="C00000"/>
+                          </a:solidFill>
+                          <a:latin typeface="Cambria Math" panose="02040503050406030204" pitchFamily="18" charset="0"/>
+                        </a:rPr>
+                        <m:t>∨</m:t>
+                      </m:r>
+                      <m:sSub>
+                        <m:sSubPr>
+                          <m:ctrlPr>
+                            <a:rPr lang="en-US" sz="3200" b="0" i="1" smtClean="0">
+                              <a:solidFill>
+                                <a:srgbClr val="C00000"/>
+                              </a:solidFill>
+                              <a:latin typeface="Cambria Math" panose="02040503050406030204" pitchFamily="18" charset="0"/>
+                            </a:rPr>
+                          </m:ctrlPr>
+                        </m:sSubPr>
+                        <m:e>
+                          <m:r>
+                            <a:rPr lang="en-US" sz="3200" b="0" i="1" smtClean="0">
+                              <a:solidFill>
+                                <a:srgbClr val="C00000"/>
+                              </a:solidFill>
+                              <a:latin typeface="Cambria Math" panose="02040503050406030204" pitchFamily="18" charset="0"/>
+                            </a:rPr>
+                            <m:t>𝑥</m:t>
+                          </m:r>
+                        </m:e>
+                        <m:sub>
+                          <m:r>
+                            <a:rPr lang="en-US" sz="3200" b="0" i="1" smtClean="0">
+                              <a:solidFill>
+                                <a:srgbClr val="C00000"/>
+                              </a:solidFill>
+                              <a:latin typeface="Cambria Math" panose="02040503050406030204" pitchFamily="18" charset="0"/>
+                            </a:rPr>
+                            <m:t>8</m:t>
+                          </m:r>
+                        </m:sub>
+                      </m:sSub>
+                      <m:r>
+                        <a:rPr lang="en-US" sz="3200" b="0" i="1" smtClean="0">
+                          <a:solidFill>
+                            <a:srgbClr val="C00000"/>
+                          </a:solidFill>
+                          <a:latin typeface="Cambria Math" panose="02040503050406030204" pitchFamily="18" charset="0"/>
+                        </a:rPr>
+                        <m:t>)</m:t>
+                      </m:r>
+                    </m:oMath>
+                  </m:oMathPara>
+                </a14:m>
+                <a:endParaRPr lang="en-US" sz="3200" dirty="0"/>
+              </a:p>
+            </p:txBody>
+          </p:sp>
+        </mc:Choice>
+        <mc:Fallback>
+          <p:sp>
+            <p:nvSpPr>
+              <p:cNvPr id="5" name="TextBox 4">
+                <a:extLst>
+                  <a:ext uri="{FF2B5EF4-FFF2-40B4-BE49-F238E27FC236}">
+                    <a16:creationId xmlns:a16="http://schemas.microsoft.com/office/drawing/2014/main" id="{A818FFF7-CCA2-09C2-BE95-F893F385CE18}"/>
+                  </a:ext>
+                </a:extLst>
+              </p:cNvPr>
+              <p:cNvSpPr txBox="1">
+                <a:spLocks noRot="1" noChangeAspect="1" noMove="1" noResize="1" noEditPoints="1" noAdjustHandles="1" noChangeArrowheads="1" noChangeShapeType="1" noTextEdit="1"/>
+              </p:cNvSpPr>
+              <p:nvPr/>
+            </p:nvSpPr>
+            <p:spPr>
+              <a:xfrm>
+                <a:off x="2263879" y="5115904"/>
+                <a:ext cx="9228065" cy="584775"/>
+              </a:xfrm>
+              <a:prstGeom prst="rect">
+                <a:avLst/>
+              </a:prstGeom>
+              <a:blipFill>
+                <a:blip r:embed="rId4"/>
+                <a:stretch>
+                  <a:fillRect/>
+                </a:stretch>
+              </a:blipFill>
+            </p:spPr>
+            <p:txBody>
+              <a:bodyPr/>
+              <a:lstStyle/>
+              <a:p>
+                <a:r>
+                  <a:rPr lang="en-US">
+                    <a:noFill/>
+                  </a:rPr>
+                  <a:t> </a:t>
+                </a:r>
+              </a:p>
+            </p:txBody>
+          </p:sp>
+        </mc:Fallback>
+      </mc:AlternateContent>
     </p:spTree>
     <p:extLst>
       <p:ext uri="{BB962C8B-B14F-4D97-AF65-F5344CB8AC3E}">
@@ -6460,6 +6980,311 @@
 </file>
 
 <file path=ppt/slides/slide15.xml><?xml version="1.0" encoding="utf-8"?>
+<p:sld xmlns:a="http://schemas.openxmlformats.org/drawingml/2006/main" xmlns:r="http://schemas.openxmlformats.org/officeDocument/2006/relationships" xmlns:p="http://schemas.openxmlformats.org/presentationml/2006/main">
+  <p:cSld>
+    <p:spTree>
+      <p:nvGrpSpPr>
+        <p:cNvPr id="1" name="">
+          <a:extLst>
+            <a:ext uri="{FF2B5EF4-FFF2-40B4-BE49-F238E27FC236}">
+              <a16:creationId xmlns:a16="http://schemas.microsoft.com/office/drawing/2014/main" id="{BA53C6AE-CE9D-161A-76E1-A9A17B6C4501}"/>
+            </a:ext>
+          </a:extLst>
+        </p:cNvPr>
+        <p:cNvGrpSpPr/>
+        <p:nvPr/>
+      </p:nvGrpSpPr>
+      <p:grpSpPr>
+        <a:xfrm>
+          <a:off x="0" y="0"/>
+          <a:ext cx="0" cy="0"/>
+          <a:chOff x="0" y="0"/>
+          <a:chExt cx="0" cy="0"/>
+        </a:xfrm>
+      </p:grpSpPr>
+      <mc:AlternateContent xmlns:mc="http://schemas.openxmlformats.org/markup-compatibility/2006">
+        <mc:Choice xmlns:a14="http://schemas.microsoft.com/office/drawing/2010/main" Requires="a14">
+          <p:sp>
+            <p:nvSpPr>
+              <p:cNvPr id="2" name="Title 1">
+                <a:extLst>
+                  <a:ext uri="{FF2B5EF4-FFF2-40B4-BE49-F238E27FC236}">
+                    <a16:creationId xmlns:a16="http://schemas.microsoft.com/office/drawing/2014/main" id="{4DDE5E5D-4B64-82E7-251C-E92F87E3D2DD}"/>
+                  </a:ext>
+                </a:extLst>
+              </p:cNvPr>
+              <p:cNvSpPr>
+                <a:spLocks noGrp="1"/>
+              </p:cNvSpPr>
+              <p:nvPr>
+                <p:ph type="title"/>
+              </p:nvPr>
+            </p:nvSpPr>
+            <p:spPr>
+              <a:xfrm>
+                <a:off x="838199" y="365125"/>
+                <a:ext cx="10780059" cy="1325563"/>
+              </a:xfrm>
+            </p:spPr>
+            <p:txBody>
+              <a:bodyPr/>
+              <a:lstStyle/>
+              <a:p>
+                <a:r>
+                  <a:rPr lang="en-US" dirty="0">
+                    <a:solidFill>
+                      <a:srgbClr val="C00000"/>
+                    </a:solidFill>
+                  </a:rPr>
+                  <a:t>Probabilistic Method for </a:t>
+                </a:r>
+                <a14:m>
+                  <m:oMath xmlns:m="http://schemas.openxmlformats.org/officeDocument/2006/math">
+                    <m:r>
+                      <a:rPr lang="en-US" i="1">
+                        <a:solidFill>
+                          <a:srgbClr val="C00000"/>
+                        </a:solidFill>
+                        <a:latin typeface="Cambria Math" panose="02040503050406030204" pitchFamily="18" charset="0"/>
+                      </a:rPr>
+                      <m:t>𝑘</m:t>
+                    </m:r>
+                  </m:oMath>
+                </a14:m>
+                <a:r>
+                  <a:rPr lang="en-US" dirty="0">
+                    <a:solidFill>
+                      <a:srgbClr val="C00000"/>
+                    </a:solidFill>
+                  </a:rPr>
+                  <a:t>-SAT</a:t>
+                </a:r>
+              </a:p>
+            </p:txBody>
+          </p:sp>
+        </mc:Choice>
+        <mc:Fallback>
+          <p:sp>
+            <p:nvSpPr>
+              <p:cNvPr id="2" name="Title 1">
+                <a:extLst>
+                  <a:ext uri="{FF2B5EF4-FFF2-40B4-BE49-F238E27FC236}">
+                    <a16:creationId xmlns:a16="http://schemas.microsoft.com/office/drawing/2014/main" id="{4DDE5E5D-4B64-82E7-251C-E92F87E3D2DD}"/>
+                  </a:ext>
+                </a:extLst>
+              </p:cNvPr>
+              <p:cNvSpPr>
+                <a:spLocks noGrp="1" noRot="1" noChangeAspect="1" noMove="1" noResize="1" noEditPoints="1" noAdjustHandles="1" noChangeArrowheads="1" noChangeShapeType="1" noTextEdit="1"/>
+              </p:cNvSpPr>
+              <p:nvPr>
+                <p:ph type="title"/>
+              </p:nvPr>
+            </p:nvSpPr>
+            <p:spPr>
+              <a:xfrm>
+                <a:off x="838199" y="365125"/>
+                <a:ext cx="10780059" cy="1325563"/>
+              </a:xfrm>
+              <a:blipFill>
+                <a:blip r:embed="rId2"/>
+                <a:stretch>
+                  <a:fillRect l="-2261"/>
+                </a:stretch>
+              </a:blipFill>
+            </p:spPr>
+            <p:txBody>
+              <a:bodyPr/>
+              <a:lstStyle/>
+              <a:p>
+                <a:r>
+                  <a:rPr lang="en-US">
+                    <a:noFill/>
+                  </a:rPr>
+                  <a:t> </a:t>
+                </a:r>
+              </a:p>
+            </p:txBody>
+          </p:sp>
+        </mc:Fallback>
+      </mc:AlternateContent>
+      <mc:AlternateContent xmlns:mc="http://schemas.openxmlformats.org/markup-compatibility/2006">
+        <mc:Choice xmlns:a14="http://schemas.microsoft.com/office/drawing/2010/main" Requires="a14">
+          <p:sp>
+            <p:nvSpPr>
+              <p:cNvPr id="3" name="Content Placeholder 2">
+                <a:extLst>
+                  <a:ext uri="{FF2B5EF4-FFF2-40B4-BE49-F238E27FC236}">
+                    <a16:creationId xmlns:a16="http://schemas.microsoft.com/office/drawing/2014/main" id="{A31C88D0-248A-FDEE-7703-00F82088942F}"/>
+                  </a:ext>
+                </a:extLst>
+              </p:cNvPr>
+              <p:cNvSpPr>
+                <a:spLocks noGrp="1"/>
+              </p:cNvSpPr>
+              <p:nvPr>
+                <p:ph idx="1"/>
+              </p:nvPr>
+            </p:nvSpPr>
+            <p:spPr>
+              <a:xfrm>
+                <a:off x="838200" y="1825624"/>
+                <a:ext cx="10515600" cy="4422775"/>
+              </a:xfrm>
+            </p:spPr>
+            <p:txBody>
+              <a:bodyPr>
+                <a:normAutofit/>
+              </a:bodyPr>
+              <a:lstStyle/>
+              <a:p>
+                <a:pPr>
+                  <a:buClr>
+                    <a:schemeClr val="tx1"/>
+                  </a:buClr>
+                </a:pPr>
+                <a:r>
+                  <a:rPr lang="en-US" sz="3200" dirty="0"/>
+                  <a:t>Suppose </a:t>
+                </a:r>
+                <a14:m>
+                  <m:oMath xmlns:m="http://schemas.openxmlformats.org/officeDocument/2006/math">
+                    <m:r>
+                      <a:rPr lang="en-US" sz="3200" b="0" i="1" smtClean="0">
+                        <a:solidFill>
+                          <a:srgbClr val="C00000"/>
+                        </a:solidFill>
+                        <a:latin typeface="Cambria Math" panose="02040503050406030204" pitchFamily="18" charset="0"/>
+                      </a:rPr>
+                      <m:t>𝑚</m:t>
+                    </m:r>
+                    <m:r>
+                      <a:rPr lang="en-US" sz="3200" b="0" i="1" smtClean="0">
+                        <a:solidFill>
+                          <a:srgbClr val="C00000"/>
+                        </a:solidFill>
+                        <a:latin typeface="Cambria Math" panose="02040503050406030204" pitchFamily="18" charset="0"/>
+                      </a:rPr>
+                      <m:t>&lt;</m:t>
+                    </m:r>
+                    <m:sSup>
+                      <m:sSupPr>
+                        <m:ctrlPr>
+                          <a:rPr lang="en-US" sz="3200" b="0" i="1" smtClean="0">
+                            <a:solidFill>
+                              <a:srgbClr val="C00000"/>
+                            </a:solidFill>
+                            <a:latin typeface="Cambria Math" panose="02040503050406030204" pitchFamily="18" charset="0"/>
+                          </a:rPr>
+                        </m:ctrlPr>
+                      </m:sSupPr>
+                      <m:e>
+                        <m:r>
+                          <a:rPr lang="en-US" sz="3200" b="0" i="1" smtClean="0">
+                            <a:solidFill>
+                              <a:srgbClr val="C00000"/>
+                            </a:solidFill>
+                            <a:latin typeface="Cambria Math" panose="02040503050406030204" pitchFamily="18" charset="0"/>
+                          </a:rPr>
+                          <m:t>2</m:t>
+                        </m:r>
+                      </m:e>
+                      <m:sup>
+                        <m:r>
+                          <a:rPr lang="en-US" sz="3200" b="0" i="1" smtClean="0">
+                            <a:solidFill>
+                              <a:srgbClr val="C00000"/>
+                            </a:solidFill>
+                            <a:latin typeface="Cambria Math" panose="02040503050406030204" pitchFamily="18" charset="0"/>
+                          </a:rPr>
+                          <m:t>𝑘</m:t>
+                        </m:r>
+                      </m:sup>
+                    </m:sSup>
+                  </m:oMath>
+                </a14:m>
+                <a:r>
+                  <a:rPr lang="en-US" sz="3200" dirty="0"/>
+                  <a:t>, we claim </a:t>
+                </a:r>
+                <a14:m>
+                  <m:oMath xmlns:m="http://schemas.openxmlformats.org/officeDocument/2006/math">
+                    <m:r>
+                      <a:rPr lang="en-US" sz="3200" b="0" i="1" smtClean="0">
+                        <a:solidFill>
+                          <a:srgbClr val="C00000"/>
+                        </a:solidFill>
+                        <a:latin typeface="Cambria Math" panose="02040503050406030204" pitchFamily="18" charset="0"/>
+                      </a:rPr>
+                      <m:t>𝑓</m:t>
+                    </m:r>
+                  </m:oMath>
+                </a14:m>
+                <a:r>
+                  <a:rPr lang="en-US" sz="3200" dirty="0"/>
+                  <a:t> must be satisfiable!</a:t>
+                </a:r>
+              </a:p>
+            </p:txBody>
+          </p:sp>
+        </mc:Choice>
+        <mc:Fallback>
+          <p:sp>
+            <p:nvSpPr>
+              <p:cNvPr id="3" name="Content Placeholder 2">
+                <a:extLst>
+                  <a:ext uri="{FF2B5EF4-FFF2-40B4-BE49-F238E27FC236}">
+                    <a16:creationId xmlns:a16="http://schemas.microsoft.com/office/drawing/2014/main" id="{A31C88D0-248A-FDEE-7703-00F82088942F}"/>
+                  </a:ext>
+                </a:extLst>
+              </p:cNvPr>
+              <p:cNvSpPr>
+                <a:spLocks noGrp="1" noRot="1" noChangeAspect="1" noMove="1" noResize="1" noEditPoints="1" noAdjustHandles="1" noChangeArrowheads="1" noChangeShapeType="1" noTextEdit="1"/>
+              </p:cNvSpPr>
+              <p:nvPr>
+                <p:ph idx="1"/>
+              </p:nvPr>
+            </p:nvSpPr>
+            <p:spPr>
+              <a:xfrm>
+                <a:off x="838200" y="1825624"/>
+                <a:ext cx="10515600" cy="4422775"/>
+              </a:xfrm>
+              <a:blipFill>
+                <a:blip r:embed="rId3"/>
+                <a:stretch>
+                  <a:fillRect l="-1333" t="-2617"/>
+                </a:stretch>
+              </a:blipFill>
+            </p:spPr>
+            <p:txBody>
+              <a:bodyPr/>
+              <a:lstStyle/>
+              <a:p>
+                <a:r>
+                  <a:rPr lang="en-US">
+                    <a:noFill/>
+                  </a:rPr>
+                  <a:t> </a:t>
+                </a:r>
+              </a:p>
+            </p:txBody>
+          </p:sp>
+        </mc:Fallback>
+      </mc:AlternateContent>
+    </p:spTree>
+    <p:extLst>
+      <p:ext uri="{BB962C8B-B14F-4D97-AF65-F5344CB8AC3E}">
+        <p14:creationId xmlns:p14="http://schemas.microsoft.com/office/powerpoint/2010/main" val="2548115692"/>
+      </p:ext>
+    </p:extLst>
+  </p:cSld>
+  <p:clrMapOvr>
+    <a:masterClrMapping/>
+  </p:clrMapOvr>
+</p:sld>
+</file>
+
+<file path=ppt/slides/slide16.xml><?xml version="1.0" encoding="utf-8"?>
 <p:sld xmlns:a="http://schemas.openxmlformats.org/drawingml/2006/main" xmlns:r="http://schemas.openxmlformats.org/officeDocument/2006/relationships" xmlns:p="http://schemas.openxmlformats.org/presentationml/2006/main">
   <p:cSld>
     <p:spTree>
@@ -6482,8 +7307,8 @@
           <a:chExt cx="0" cy="0"/>
         </a:xfrm>
       </p:grpSpPr>
-      <mc:AlternateContent xmlns:mc="http://schemas.openxmlformats.org/markup-compatibility/2006">
-        <mc:Choice xmlns:a14="http://schemas.microsoft.com/office/drawing/2010/main" Requires="a14">
+      <mc:AlternateContent xmlns:mc="http://schemas.openxmlformats.org/markup-compatibility/2006" xmlns:a14="http://schemas.microsoft.com/office/drawing/2010/main">
+        <mc:Choice Requires="a14">
           <p:sp>
             <p:nvSpPr>
               <p:cNvPr id="2" name="Title 1">
@@ -6543,7 +7368,7 @@
             </p:txBody>
           </p:sp>
         </mc:Choice>
-        <mc:Fallback>
+        <mc:Fallback xmlns="">
           <p:sp>
             <p:nvSpPr>
               <p:cNvPr id="2" name="Title 1">
@@ -6754,7 +7579,31 @@
                 </a14:m>
                 <a:r>
                   <a:rPr lang="en-US" sz="3200" dirty="0"/>
-                  <a:t> a separate random TRUE/FALSE value</a:t>
+                  <a:t> a separate random </a:t>
+                </a:r>
+                <a:r>
+                  <a:rPr lang="en-US" sz="3200" dirty="0">
+                    <a:solidFill>
+                      <a:srgbClr val="00B050"/>
+                    </a:solidFill>
+                  </a:rPr>
+                  <a:t>TRUE</a:t>
+                </a:r>
+                <a:r>
+                  <a:rPr lang="en-US" sz="3200" dirty="0"/>
+                  <a:t>/</a:t>
+                </a:r>
+                <a:r>
+                  <a:rPr lang="en-US" sz="3200" dirty="0">
+                    <a:solidFill>
+                      <a:srgbClr val="FF0000"/>
+                    </a:solidFill>
+                  </a:rPr>
+                  <a:t>FALSE</a:t>
+                </a:r>
+                <a:r>
+                  <a:rPr lang="en-US" sz="3200" dirty="0"/>
+                  <a:t> value</a:t>
                 </a:r>
               </a:p>
               <a:p>
@@ -7406,8 +8255,8 @@
           </p:sp>
         </mc:Fallback>
       </mc:AlternateContent>
-      <mc:AlternateContent xmlns:mc="http://schemas.openxmlformats.org/markup-compatibility/2006">
-        <mc:Choice xmlns:a14="http://schemas.microsoft.com/office/drawing/2010/main" Requires="a14">
+      <mc:AlternateContent xmlns:mc="http://schemas.openxmlformats.org/markup-compatibility/2006" xmlns:a14="http://schemas.microsoft.com/office/drawing/2010/main">
+        <mc:Choice Requires="a14">
           <p:sp>
             <p:nvSpPr>
               <p:cNvPr id="5" name="TextBox 4">
@@ -7528,7 +8377,7 @@
             </p:txBody>
           </p:sp>
         </mc:Choice>
-        <mc:Fallback>
+        <mc:Fallback xmlns="">
           <p:sp>
             <p:nvSpPr>
               <p:cNvPr id="5" name="TextBox 4">
@@ -7586,7 +8435,7 @@
 </p:sld>
 </file>
 
-<file path=ppt/slides/slide16.xml><?xml version="1.0" encoding="utf-8"?>
+<file path=ppt/slides/slide17.xml><?xml version="1.0" encoding="utf-8"?>
 <p:sld xmlns:a="http://schemas.openxmlformats.org/drawingml/2006/main" xmlns:r="http://schemas.openxmlformats.org/officeDocument/2006/relationships" xmlns:p="http://schemas.openxmlformats.org/presentationml/2006/main">
   <p:cSld>
     <p:spTree>
@@ -7609,8 +8458,8 @@
           <a:chExt cx="0" cy="0"/>
         </a:xfrm>
       </p:grpSpPr>
-      <mc:AlternateContent xmlns:mc="http://schemas.openxmlformats.org/markup-compatibility/2006">
-        <mc:Choice xmlns:a14="http://schemas.microsoft.com/office/drawing/2010/main" Requires="a14">
+      <mc:AlternateContent xmlns:mc="http://schemas.openxmlformats.org/markup-compatibility/2006" xmlns:a14="http://schemas.microsoft.com/office/drawing/2010/main">
+        <mc:Choice Requires="a14">
           <p:sp>
             <p:nvSpPr>
               <p:cNvPr id="2" name="Title 1">
@@ -7670,7 +8519,7 @@
             </p:txBody>
           </p:sp>
         </mc:Choice>
-        <mc:Fallback>
+        <mc:Fallback xmlns="">
           <p:sp>
             <p:nvSpPr>
               <p:cNvPr id="2" name="Title 1">
@@ -7714,8 +8563,8 @@
           </p:sp>
         </mc:Fallback>
       </mc:AlternateContent>
-      <mc:AlternateContent xmlns:mc="http://schemas.openxmlformats.org/markup-compatibility/2006">
-        <mc:Choice xmlns:a14="http://schemas.microsoft.com/office/drawing/2010/main" Requires="a14">
+      <mc:AlternateContent xmlns:mc="http://schemas.openxmlformats.org/markup-compatibility/2006" xmlns:a14="http://schemas.microsoft.com/office/drawing/2010/main">
+        <mc:Choice Requires="a14">
           <p:sp>
             <p:nvSpPr>
               <p:cNvPr id="3" name="Content Placeholder 2">
@@ -8176,7 +9025,7 @@
             </p:txBody>
           </p:sp>
         </mc:Choice>
-        <mc:Fallback>
+        <mc:Fallback xmlns="">
           <p:sp>
             <p:nvSpPr>
               <p:cNvPr id="3" name="Content Placeholder 2">
@@ -8233,7 +9082,7 @@
 </p:sld>
 </file>
 
-<file path=ppt/slides/slide17.xml><?xml version="1.0" encoding="utf-8"?>
+<file path=ppt/slides/slide18.xml><?xml version="1.0" encoding="utf-8"?>
 <p:sld xmlns:a="http://schemas.openxmlformats.org/drawingml/2006/main" xmlns:r="http://schemas.openxmlformats.org/officeDocument/2006/relationships" xmlns:p="http://schemas.openxmlformats.org/presentationml/2006/main">
   <p:cSld>
     <p:spTree>
@@ -8668,7 +9517,7 @@
                             </a:solidFill>
                             <a:latin typeface="Cambria Math" panose="02040503050406030204" pitchFamily="18" charset="0"/>
                           </a:rPr>
-                          <m:t>𝐵</m:t>
+                          <m:t>𝐸</m:t>
                         </m:r>
                       </m:e>
                       <m:sub>
@@ -8931,7 +9780,7 @@
 </p:sld>
 </file>
 
-<file path=ppt/slides/slide18.xml><?xml version="1.0" encoding="utf-8"?>
+<file path=ppt/slides/slide19.xml><?xml version="1.0" encoding="utf-8"?>
 <p:sld xmlns:a="http://schemas.openxmlformats.org/drawingml/2006/main" xmlns:r="http://schemas.openxmlformats.org/officeDocument/2006/relationships" xmlns:p="http://schemas.openxmlformats.org/presentationml/2006/main">
   <p:cSld>
     <p:spTree>
@@ -9004,8 +9853,8 @@
           </a:p>
         </p:txBody>
       </p:sp>
-      <mc:AlternateContent xmlns:mc="http://schemas.openxmlformats.org/markup-compatibility/2006">
-        <mc:Choice xmlns:a14="http://schemas.microsoft.com/office/drawing/2010/main" Requires="a14">
+      <mc:AlternateContent xmlns:mc="http://schemas.openxmlformats.org/markup-compatibility/2006" xmlns:a14="http://schemas.microsoft.com/office/drawing/2010/main">
+        <mc:Choice Requires="a14">
           <p:sp>
             <p:nvSpPr>
               <p:cNvPr id="3" name="Content Placeholder 2">
@@ -9541,7 +10390,7 @@
             </p:txBody>
           </p:sp>
         </mc:Choice>
-        <mc:Fallback>
+        <mc:Fallback xmlns="">
           <p:sp>
             <p:nvSpPr>
               <p:cNvPr id="3" name="Content Placeholder 2">
@@ -9585,8 +10434,8 @@
           </p:sp>
         </mc:Fallback>
       </mc:AlternateContent>
-      <mc:AlternateContent xmlns:mc="http://schemas.openxmlformats.org/markup-compatibility/2006">
-        <mc:Choice xmlns:a14="http://schemas.microsoft.com/office/drawing/2010/main" Requires="a14">
+      <mc:AlternateContent xmlns:mc="http://schemas.openxmlformats.org/markup-compatibility/2006" xmlns:a14="http://schemas.microsoft.com/office/drawing/2010/main">
+        <mc:Choice Requires="a14">
           <p:sp>
             <p:nvSpPr>
               <p:cNvPr id="5" name="TextBox 4">
@@ -9848,7 +10697,7 @@
             </p:txBody>
           </p:sp>
         </mc:Choice>
-        <mc:Fallback>
+        <mc:Fallback xmlns="">
           <p:sp>
             <p:nvSpPr>
               <p:cNvPr id="5" name="TextBox 4">
@@ -9906,7 +10755,144 @@
 </p:sld>
 </file>
 
-<file path=ppt/slides/slide19.xml><?xml version="1.0" encoding="utf-8"?>
+<file path=ppt/slides/slide2.xml><?xml version="1.0" encoding="utf-8"?>
+<p:sld xmlns:a="http://schemas.openxmlformats.org/drawingml/2006/main" xmlns:r="http://schemas.openxmlformats.org/officeDocument/2006/relationships" xmlns:p="http://schemas.openxmlformats.org/presentationml/2006/main">
+  <p:cSld>
+    <p:spTree>
+      <p:nvGrpSpPr>
+        <p:cNvPr id="1" name=""/>
+        <p:cNvGrpSpPr/>
+        <p:nvPr/>
+      </p:nvGrpSpPr>
+      <p:grpSpPr>
+        <a:xfrm>
+          <a:off x="0" y="0"/>
+          <a:ext cx="0" cy="0"/>
+          <a:chOff x="0" y="0"/>
+          <a:chExt cx="0" cy="0"/>
+        </a:xfrm>
+      </p:grpSpPr>
+      <p:sp>
+        <p:nvSpPr>
+          <p:cNvPr id="2" name="Title 1">
+            <a:extLst>
+              <a:ext uri="{FF2B5EF4-FFF2-40B4-BE49-F238E27FC236}">
+                <a16:creationId xmlns:a16="http://schemas.microsoft.com/office/drawing/2014/main" id="{FCA5AC62-A5FD-2A5B-018F-859A378AA1D4}"/>
+              </a:ext>
+            </a:extLst>
+          </p:cNvPr>
+          <p:cNvSpPr>
+            <a:spLocks noGrp="1"/>
+          </p:cNvSpPr>
+          <p:nvPr>
+            <p:ph type="title"/>
+          </p:nvPr>
+        </p:nvSpPr>
+        <p:spPr>
+          <a:xfrm>
+            <a:off x="838199" y="365125"/>
+            <a:ext cx="10780059" cy="1325563"/>
+          </a:xfrm>
+        </p:spPr>
+        <p:txBody>
+          <a:bodyPr/>
+          <a:lstStyle/>
+          <a:p>
+            <a:r>
+              <a:rPr lang="en-US" dirty="0">
+                <a:solidFill>
+                  <a:srgbClr val="C00000"/>
+                </a:solidFill>
+              </a:rPr>
+              <a:t>Probabilistic Method</a:t>
+            </a:r>
+          </a:p>
+        </p:txBody>
+      </p:sp>
+      <p:sp>
+        <p:nvSpPr>
+          <p:cNvPr id="3" name="Content Placeholder 2">
+            <a:extLst>
+              <a:ext uri="{FF2B5EF4-FFF2-40B4-BE49-F238E27FC236}">
+                <a16:creationId xmlns:a16="http://schemas.microsoft.com/office/drawing/2014/main" id="{76F2126B-4AA6-302B-7E5A-170FFAAB8BD1}"/>
+              </a:ext>
+            </a:extLst>
+          </p:cNvPr>
+          <p:cNvSpPr>
+            <a:spLocks noGrp="1"/>
+          </p:cNvSpPr>
+          <p:nvPr>
+            <p:ph idx="1"/>
+          </p:nvPr>
+        </p:nvSpPr>
+        <p:spPr>
+          <a:xfrm>
+            <a:off x="838200" y="1825624"/>
+            <a:ext cx="10515600" cy="4422775"/>
+          </a:xfrm>
+        </p:spPr>
+        <p:txBody>
+          <a:bodyPr>
+            <a:normAutofit/>
+          </a:bodyPr>
+          <a:lstStyle/>
+          <a:p>
+            <a:pPr>
+              <a:buClr>
+                <a:schemeClr val="tx1"/>
+              </a:buClr>
+            </a:pPr>
+            <a:r>
+              <a:rPr lang="en-US" sz="3200" dirty="0"/>
+              <a:t>Suppose we want to argue the existence of a certain desirable object</a:t>
+            </a:r>
+          </a:p>
+          <a:p>
+            <a:pPr>
+              <a:buClr>
+                <a:schemeClr val="tx1"/>
+              </a:buClr>
+            </a:pPr>
+            <a:r>
+              <a:rPr lang="en-US" sz="3200" dirty="0"/>
+              <a:t>Existential argument, non-constructive</a:t>
+            </a:r>
+          </a:p>
+          <a:p>
+            <a:pPr>
+              <a:buClr>
+                <a:schemeClr val="tx1"/>
+              </a:buClr>
+            </a:pPr>
+            <a:endParaRPr lang="en-US" sz="3200" dirty="0"/>
+          </a:p>
+          <a:p>
+            <a:pPr>
+              <a:buClr>
+                <a:schemeClr val="tx1"/>
+              </a:buClr>
+            </a:pPr>
+            <a:r>
+              <a:rPr lang="en-US" sz="3200" dirty="0"/>
+              <a:t>If there is an algorithm that can find it, it must exist!</a:t>
+            </a:r>
+          </a:p>
+        </p:txBody>
+      </p:sp>
+    </p:spTree>
+    <p:extLst>
+      <p:ext uri="{BB962C8B-B14F-4D97-AF65-F5344CB8AC3E}">
+        <p14:creationId xmlns:p14="http://schemas.microsoft.com/office/powerpoint/2010/main" val="3156464587"/>
+      </p:ext>
+    </p:extLst>
+  </p:cSld>
+  <p:clrMapOvr>
+    <a:masterClrMapping/>
+  </p:clrMapOvr>
+</p:sld>
+</file>
+
+<file path=ppt/slides/slide20.xml><?xml version="1.0" encoding="utf-8"?>
 <p:sld xmlns:a="http://schemas.openxmlformats.org/drawingml/2006/main" xmlns:r="http://schemas.openxmlformats.org/officeDocument/2006/relationships" xmlns:p="http://schemas.openxmlformats.org/presentationml/2006/main">
   <p:cSld>
     <p:spTree>
@@ -9914,7 +10900,7 @@
         <p:cNvPr id="1" name="">
           <a:extLst>
             <a:ext uri="{FF2B5EF4-FFF2-40B4-BE49-F238E27FC236}">
-              <a16:creationId xmlns:a16="http://schemas.microsoft.com/office/drawing/2014/main" id="{A10A1E77-0328-3CDE-8DA4-35F3B6D6BA7C}"/>
+              <a16:creationId xmlns:a16="http://schemas.microsoft.com/office/drawing/2014/main" id="{CCC635BD-4EF8-CDA3-94A0-74FCCC783DFE}"/>
             </a:ext>
           </a:extLst>
         </p:cNvPr>
@@ -9934,7 +10920,7 @@
           <p:cNvPr id="2" name="Title 1">
             <a:extLst>
               <a:ext uri="{FF2B5EF4-FFF2-40B4-BE49-F238E27FC236}">
-                <a16:creationId xmlns:a16="http://schemas.microsoft.com/office/drawing/2014/main" id="{F6721BEA-63D4-A7F7-072D-54E6D4F27AB5}"/>
+                <a16:creationId xmlns:a16="http://schemas.microsoft.com/office/drawing/2014/main" id="{7CF8094D-61D2-2C43-38A0-E89AD1D2565A}"/>
               </a:ext>
             </a:extLst>
           </p:cNvPr>
@@ -9986,7 +10972,7 @@
               <p:cNvPr id="3" name="Content Placeholder 2">
                 <a:extLst>
                   <a:ext uri="{FF2B5EF4-FFF2-40B4-BE49-F238E27FC236}">
-                    <a16:creationId xmlns:a16="http://schemas.microsoft.com/office/drawing/2014/main" id="{35E4E4AB-2CC5-4DE1-DC72-A85EE588A570}"/>
+                    <a16:creationId xmlns:a16="http://schemas.microsoft.com/office/drawing/2014/main" id="{DB0A2CB0-C35E-914B-2079-FA7DDE2EA411}"/>
                   </a:ext>
                 </a:extLst>
               </p:cNvPr>
@@ -10559,6 +11545,719 @@
                   <a:t>.</a:t>
                 </a:r>
               </a:p>
+            </p:txBody>
+          </p:sp>
+        </mc:Choice>
+        <mc:Fallback>
+          <p:sp>
+            <p:nvSpPr>
+              <p:cNvPr id="3" name="Content Placeholder 2">
+                <a:extLst>
+                  <a:ext uri="{FF2B5EF4-FFF2-40B4-BE49-F238E27FC236}">
+                    <a16:creationId xmlns:a16="http://schemas.microsoft.com/office/drawing/2014/main" id="{DB0A2CB0-C35E-914B-2079-FA7DDE2EA411}"/>
+                  </a:ext>
+                </a:extLst>
+              </p:cNvPr>
+              <p:cNvSpPr>
+                <a:spLocks noGrp="1" noRot="1" noChangeAspect="1" noMove="1" noResize="1" noEditPoints="1" noAdjustHandles="1" noChangeArrowheads="1" noChangeShapeType="1" noTextEdit="1"/>
+              </p:cNvSpPr>
+              <p:nvPr>
+                <p:ph idx="1"/>
+              </p:nvPr>
+            </p:nvSpPr>
+            <p:spPr>
+              <a:xfrm>
+                <a:off x="838200" y="1825624"/>
+                <a:ext cx="10515600" cy="4422775"/>
+              </a:xfrm>
+              <a:blipFill>
+                <a:blip r:embed="rId2"/>
+                <a:stretch>
+                  <a:fillRect l="-1333" t="-1928"/>
+                </a:stretch>
+              </a:blipFill>
+            </p:spPr>
+            <p:txBody>
+              <a:bodyPr/>
+              <a:lstStyle/>
+              <a:p>
+                <a:r>
+                  <a:rPr lang="en-US">
+                    <a:noFill/>
+                  </a:rPr>
+                  <a:t> </a:t>
+                </a:r>
+              </a:p>
+            </p:txBody>
+          </p:sp>
+        </mc:Fallback>
+      </mc:AlternateContent>
+    </p:spTree>
+    <p:extLst>
+      <p:ext uri="{BB962C8B-B14F-4D97-AF65-F5344CB8AC3E}">
+        <p14:creationId xmlns:p14="http://schemas.microsoft.com/office/powerpoint/2010/main" val="1783512350"/>
+      </p:ext>
+    </p:extLst>
+  </p:cSld>
+  <p:clrMapOvr>
+    <a:masterClrMapping/>
+  </p:clrMapOvr>
+</p:sld>
+</file>
+
+<file path=ppt/slides/slide21.xml><?xml version="1.0" encoding="utf-8"?>
+<p:sld xmlns:a="http://schemas.openxmlformats.org/drawingml/2006/main" xmlns:r="http://schemas.openxmlformats.org/officeDocument/2006/relationships" xmlns:p="http://schemas.openxmlformats.org/presentationml/2006/main">
+  <p:cSld>
+    <p:spTree>
+      <p:nvGrpSpPr>
+        <p:cNvPr id="1" name="">
+          <a:extLst>
+            <a:ext uri="{FF2B5EF4-FFF2-40B4-BE49-F238E27FC236}">
+              <a16:creationId xmlns:a16="http://schemas.microsoft.com/office/drawing/2014/main" id="{A10A1E77-0328-3CDE-8DA4-35F3B6D6BA7C}"/>
+            </a:ext>
+          </a:extLst>
+        </p:cNvPr>
+        <p:cNvGrpSpPr/>
+        <p:nvPr/>
+      </p:nvGrpSpPr>
+      <p:grpSpPr>
+        <a:xfrm>
+          <a:off x="0" y="0"/>
+          <a:ext cx="0" cy="0"/>
+          <a:chOff x="0" y="0"/>
+          <a:chExt cx="0" cy="0"/>
+        </a:xfrm>
+      </p:grpSpPr>
+      <p:sp>
+        <p:nvSpPr>
+          <p:cNvPr id="2" name="Title 1">
+            <a:extLst>
+              <a:ext uri="{FF2B5EF4-FFF2-40B4-BE49-F238E27FC236}">
+                <a16:creationId xmlns:a16="http://schemas.microsoft.com/office/drawing/2014/main" id="{F6721BEA-63D4-A7F7-072D-54E6D4F27AB5}"/>
+              </a:ext>
+            </a:extLst>
+          </p:cNvPr>
+          <p:cNvSpPr>
+            <a:spLocks noGrp="1"/>
+          </p:cNvSpPr>
+          <p:nvPr>
+            <p:ph type="title"/>
+          </p:nvPr>
+        </p:nvSpPr>
+        <p:spPr>
+          <a:xfrm>
+            <a:off x="838199" y="365125"/>
+            <a:ext cx="10780059" cy="1325563"/>
+          </a:xfrm>
+        </p:spPr>
+        <p:txBody>
+          <a:bodyPr/>
+          <a:lstStyle/>
+          <a:p>
+            <a:r>
+              <a:rPr lang="en-US" sz="4400" b="0" dirty="0" err="1">
+                <a:solidFill>
+                  <a:srgbClr val="C00000"/>
+                </a:solidFill>
+              </a:rPr>
+              <a:t>Lovász</a:t>
+            </a:r>
+            <a:r>
+              <a:rPr lang="en-US" sz="4400" b="0" dirty="0">
+                <a:solidFill>
+                  <a:srgbClr val="C00000"/>
+                </a:solidFill>
+              </a:rPr>
+              <a:t> Local Lemma</a:t>
+            </a:r>
+            <a:endParaRPr lang="en-US" dirty="0">
+              <a:solidFill>
+                <a:srgbClr val="C00000"/>
+              </a:solidFill>
+            </a:endParaRPr>
+          </a:p>
+        </p:txBody>
+      </p:sp>
+      <mc:AlternateContent xmlns:mc="http://schemas.openxmlformats.org/markup-compatibility/2006" xmlns:a14="http://schemas.microsoft.com/office/drawing/2010/main">
+        <mc:Choice Requires="a14">
+          <p:sp>
+            <p:nvSpPr>
+              <p:cNvPr id="3" name="Content Placeholder 2">
+                <a:extLst>
+                  <a:ext uri="{FF2B5EF4-FFF2-40B4-BE49-F238E27FC236}">
+                    <a16:creationId xmlns:a16="http://schemas.microsoft.com/office/drawing/2014/main" id="{35E4E4AB-2CC5-4DE1-DC72-A85EE588A570}"/>
+                  </a:ext>
+                </a:extLst>
+              </p:cNvPr>
+              <p:cNvSpPr>
+                <a:spLocks noGrp="1"/>
+              </p:cNvSpPr>
+              <p:nvPr>
+                <p:ph idx="1"/>
+              </p:nvPr>
+            </p:nvSpPr>
+            <p:spPr>
+              <a:xfrm>
+                <a:off x="838200" y="1825624"/>
+                <a:ext cx="10515600" cy="4422775"/>
+              </a:xfrm>
+            </p:spPr>
+            <p:txBody>
+              <a:bodyPr>
+                <a:normAutofit/>
+              </a:bodyPr>
+              <a:lstStyle/>
+              <a:p>
+                <a:pPr>
+                  <a:buClr>
+                    <a:schemeClr val="tx1"/>
+                  </a:buClr>
+                </a:pPr>
+                <a:r>
+                  <a:rPr lang="en-US" sz="3200" dirty="0"/>
+                  <a:t>To show </a:t>
+                </a:r>
+                <a14:m>
+                  <m:oMath xmlns:m="http://schemas.openxmlformats.org/officeDocument/2006/math">
+                    <m:func>
+                      <m:funcPr>
+                        <m:ctrlPr>
+                          <a:rPr lang="en-US" sz="3200" b="0" i="1" smtClean="0">
+                            <a:solidFill>
+                              <a:srgbClr val="C00000"/>
+                            </a:solidFill>
+                            <a:latin typeface="Cambria Math" panose="02040503050406030204" pitchFamily="18" charset="0"/>
+                          </a:rPr>
+                        </m:ctrlPr>
+                      </m:funcPr>
+                      <m:fName>
+                        <m:r>
+                          <m:rPr>
+                            <m:sty m:val="p"/>
+                          </m:rPr>
+                          <a:rPr lang="en-US" sz="3200" b="0" i="0" smtClean="0">
+                            <a:solidFill>
+                              <a:srgbClr val="C00000"/>
+                            </a:solidFill>
+                            <a:latin typeface="Cambria Math" panose="02040503050406030204" pitchFamily="18" charset="0"/>
+                          </a:rPr>
+                          <m:t>Pr</m:t>
+                        </m:r>
+                      </m:fName>
+                      <m:e>
+                        <m:d>
+                          <m:dPr>
+                            <m:begChr m:val="["/>
+                            <m:endChr m:val="]"/>
+                            <m:ctrlPr>
+                              <a:rPr lang="en-US" sz="3200" b="0" i="1" smtClean="0">
+                                <a:solidFill>
+                                  <a:srgbClr val="C00000"/>
+                                </a:solidFill>
+                                <a:latin typeface="Cambria Math" panose="02040503050406030204" pitchFamily="18" charset="0"/>
+                              </a:rPr>
+                            </m:ctrlPr>
+                          </m:dPr>
+                          <m:e>
+                            <m:sSubSup>
+                              <m:sSubSupPr>
+                                <m:ctrlPr>
+                                  <a:rPr lang="en-US" sz="3200" b="0" i="1" smtClean="0">
+                                    <a:solidFill>
+                                      <a:srgbClr val="C00000"/>
+                                    </a:solidFill>
+                                    <a:latin typeface="Cambria Math" panose="02040503050406030204" pitchFamily="18" charset="0"/>
+                                  </a:rPr>
+                                </m:ctrlPr>
+                              </m:sSubSupPr>
+                              <m:e>
+                                <m:r>
+                                  <a:rPr lang="en-US" sz="3200" b="0" i="1" smtClean="0">
+                                    <a:solidFill>
+                                      <a:srgbClr val="C00000"/>
+                                    </a:solidFill>
+                                    <a:latin typeface="Cambria Math" panose="02040503050406030204" pitchFamily="18" charset="0"/>
+                                  </a:rPr>
+                                  <m:t>𝐸</m:t>
+                                </m:r>
+                              </m:e>
+                              <m:sub>
+                                <m:r>
+                                  <a:rPr lang="en-US" sz="3200" b="0" i="1" smtClean="0">
+                                    <a:solidFill>
+                                      <a:srgbClr val="C00000"/>
+                                    </a:solidFill>
+                                    <a:latin typeface="Cambria Math" panose="02040503050406030204" pitchFamily="18" charset="0"/>
+                                  </a:rPr>
+                                  <m:t>1</m:t>
+                                </m:r>
+                              </m:sub>
+                              <m:sup>
+                                <m:r>
+                                  <a:rPr lang="en-US" sz="3200" b="0" i="1" smtClean="0">
+                                    <a:solidFill>
+                                      <a:srgbClr val="C00000"/>
+                                    </a:solidFill>
+                                    <a:latin typeface="Cambria Math" panose="02040503050406030204" pitchFamily="18" charset="0"/>
+                                  </a:rPr>
+                                  <m:t>𝐶</m:t>
+                                </m:r>
+                              </m:sup>
+                            </m:sSubSup>
+                            <m:r>
+                              <a:rPr lang="en-US" sz="3200" b="0" i="1" smtClean="0">
+                                <a:solidFill>
+                                  <a:srgbClr val="C00000"/>
+                                </a:solidFill>
+                                <a:latin typeface="Cambria Math" panose="02040503050406030204" pitchFamily="18" charset="0"/>
+                              </a:rPr>
+                              <m:t>∩</m:t>
+                            </m:r>
+                            <m:sSubSup>
+                              <m:sSubSupPr>
+                                <m:ctrlPr>
+                                  <a:rPr lang="en-US" sz="3200" b="0" i="1" smtClean="0">
+                                    <a:solidFill>
+                                      <a:srgbClr val="C00000"/>
+                                    </a:solidFill>
+                                    <a:latin typeface="Cambria Math" panose="02040503050406030204" pitchFamily="18" charset="0"/>
+                                  </a:rPr>
+                                </m:ctrlPr>
+                              </m:sSubSupPr>
+                              <m:e>
+                                <m:r>
+                                  <a:rPr lang="en-US" sz="3200" b="0" i="1" smtClean="0">
+                                    <a:solidFill>
+                                      <a:srgbClr val="C00000"/>
+                                    </a:solidFill>
+                                    <a:latin typeface="Cambria Math" panose="02040503050406030204" pitchFamily="18" charset="0"/>
+                                  </a:rPr>
+                                  <m:t>𝐸</m:t>
+                                </m:r>
+                              </m:e>
+                              <m:sub>
+                                <m:r>
+                                  <a:rPr lang="en-US" sz="3200" b="0" i="1" smtClean="0">
+                                    <a:solidFill>
+                                      <a:srgbClr val="C00000"/>
+                                    </a:solidFill>
+                                    <a:latin typeface="Cambria Math" panose="02040503050406030204" pitchFamily="18" charset="0"/>
+                                  </a:rPr>
+                                  <m:t>2</m:t>
+                                </m:r>
+                              </m:sub>
+                              <m:sup>
+                                <m:r>
+                                  <a:rPr lang="en-US" sz="3200" b="0" i="1" smtClean="0">
+                                    <a:solidFill>
+                                      <a:srgbClr val="C00000"/>
+                                    </a:solidFill>
+                                    <a:latin typeface="Cambria Math" panose="02040503050406030204" pitchFamily="18" charset="0"/>
+                                  </a:rPr>
+                                  <m:t>𝑐</m:t>
+                                </m:r>
+                              </m:sup>
+                            </m:sSubSup>
+                            <m:r>
+                              <a:rPr lang="en-US" sz="3200" b="0" i="1" smtClean="0">
+                                <a:solidFill>
+                                  <a:srgbClr val="C00000"/>
+                                </a:solidFill>
+                                <a:latin typeface="Cambria Math" panose="02040503050406030204" pitchFamily="18" charset="0"/>
+                              </a:rPr>
+                              <m:t>∩…∩</m:t>
+                            </m:r>
+                            <m:sSubSup>
+                              <m:sSubSupPr>
+                                <m:ctrlPr>
+                                  <a:rPr lang="en-US" sz="3200" b="0" i="1" smtClean="0">
+                                    <a:solidFill>
+                                      <a:srgbClr val="C00000"/>
+                                    </a:solidFill>
+                                    <a:latin typeface="Cambria Math" panose="02040503050406030204" pitchFamily="18" charset="0"/>
+                                  </a:rPr>
+                                </m:ctrlPr>
+                              </m:sSubSupPr>
+                              <m:e>
+                                <m:r>
+                                  <a:rPr lang="en-US" sz="3200" b="0" i="1" smtClean="0">
+                                    <a:solidFill>
+                                      <a:srgbClr val="C00000"/>
+                                    </a:solidFill>
+                                    <a:latin typeface="Cambria Math" panose="02040503050406030204" pitchFamily="18" charset="0"/>
+                                  </a:rPr>
+                                  <m:t>𝐸</m:t>
+                                </m:r>
+                              </m:e>
+                              <m:sub>
+                                <m:r>
+                                  <a:rPr lang="en-US" sz="3200" b="0" i="1" smtClean="0">
+                                    <a:solidFill>
+                                      <a:srgbClr val="C00000"/>
+                                    </a:solidFill>
+                                    <a:latin typeface="Cambria Math" panose="02040503050406030204" pitchFamily="18" charset="0"/>
+                                  </a:rPr>
+                                  <m:t>𝑛</m:t>
+                                </m:r>
+                              </m:sub>
+                              <m:sup>
+                                <m:r>
+                                  <a:rPr lang="en-US" sz="3200" b="0" i="1" smtClean="0">
+                                    <a:solidFill>
+                                      <a:srgbClr val="C00000"/>
+                                    </a:solidFill>
+                                    <a:latin typeface="Cambria Math" panose="02040503050406030204" pitchFamily="18" charset="0"/>
+                                  </a:rPr>
+                                  <m:t>𝑐</m:t>
+                                </m:r>
+                              </m:sup>
+                            </m:sSubSup>
+                          </m:e>
+                        </m:d>
+                      </m:e>
+                    </m:func>
+                    <m:r>
+                      <a:rPr lang="en-US" sz="3200" b="0" i="1" smtClean="0">
+                        <a:solidFill>
+                          <a:srgbClr val="C00000"/>
+                        </a:solidFill>
+                        <a:latin typeface="Cambria Math" panose="02040503050406030204" pitchFamily="18" charset="0"/>
+                      </a:rPr>
+                      <m:t>&gt;0</m:t>
+                    </m:r>
+                  </m:oMath>
+                </a14:m>
+                <a:r>
+                  <a:rPr lang="en-US" sz="3200" dirty="0"/>
+                  <a:t>, it suffices to show </a:t>
+                </a:r>
+                <a14:m>
+                  <m:oMath xmlns:m="http://schemas.openxmlformats.org/officeDocument/2006/math">
+                    <m:func>
+                      <m:funcPr>
+                        <m:ctrlPr>
+                          <a:rPr lang="en-US" sz="3200" b="0" i="1" smtClean="0">
+                            <a:solidFill>
+                              <a:srgbClr val="C00000"/>
+                            </a:solidFill>
+                            <a:latin typeface="Cambria Math" panose="02040503050406030204" pitchFamily="18" charset="0"/>
+                          </a:rPr>
+                        </m:ctrlPr>
+                      </m:funcPr>
+                      <m:fName>
+                        <m:r>
+                          <m:rPr>
+                            <m:sty m:val="p"/>
+                          </m:rPr>
+                          <a:rPr lang="en-US" sz="3200" b="0" i="0" smtClean="0">
+                            <a:solidFill>
+                              <a:srgbClr val="C00000"/>
+                            </a:solidFill>
+                            <a:latin typeface="Cambria Math" panose="02040503050406030204" pitchFamily="18" charset="0"/>
+                          </a:rPr>
+                          <m:t>Pr</m:t>
+                        </m:r>
+                      </m:fName>
+                      <m:e>
+                        <m:d>
+                          <m:dPr>
+                            <m:begChr m:val="["/>
+                            <m:endChr m:val="]"/>
+                            <m:ctrlPr>
+                              <a:rPr lang="en-US" sz="3200" b="0" i="1" smtClean="0">
+                                <a:solidFill>
+                                  <a:srgbClr val="C00000"/>
+                                </a:solidFill>
+                                <a:latin typeface="Cambria Math" panose="02040503050406030204" pitchFamily="18" charset="0"/>
+                              </a:rPr>
+                            </m:ctrlPr>
+                          </m:dPr>
+                          <m:e>
+                            <m:sSub>
+                              <m:sSubPr>
+                                <m:ctrlPr>
+                                  <a:rPr lang="en-US" sz="3200" b="0" i="1" smtClean="0">
+                                    <a:solidFill>
+                                      <a:srgbClr val="C00000"/>
+                                    </a:solidFill>
+                                    <a:latin typeface="Cambria Math" panose="02040503050406030204" pitchFamily="18" charset="0"/>
+                                  </a:rPr>
+                                </m:ctrlPr>
+                              </m:sSubPr>
+                              <m:e>
+                                <m:r>
+                                  <a:rPr lang="en-US" sz="3200" b="0" i="1" smtClean="0">
+                                    <a:solidFill>
+                                      <a:srgbClr val="C00000"/>
+                                    </a:solidFill>
+                                    <a:latin typeface="Cambria Math" panose="02040503050406030204" pitchFamily="18" charset="0"/>
+                                  </a:rPr>
+                                  <m:t>𝐸</m:t>
+                                </m:r>
+                              </m:e>
+                              <m:sub>
+                                <m:r>
+                                  <a:rPr lang="en-US" sz="3200" b="0" i="1" smtClean="0">
+                                    <a:solidFill>
+                                      <a:srgbClr val="C00000"/>
+                                    </a:solidFill>
+                                    <a:latin typeface="Cambria Math" panose="02040503050406030204" pitchFamily="18" charset="0"/>
+                                  </a:rPr>
+                                  <m:t>𝑖</m:t>
+                                </m:r>
+                              </m:sub>
+                            </m:sSub>
+                            <m:r>
+                              <a:rPr lang="en-US" sz="3200" b="0" i="1" smtClean="0">
+                                <a:solidFill>
+                                  <a:srgbClr val="C00000"/>
+                                </a:solidFill>
+                                <a:latin typeface="Cambria Math" panose="02040503050406030204" pitchFamily="18" charset="0"/>
+                              </a:rPr>
+                              <m:t> | </m:t>
+                            </m:r>
+                            <m:sSubSup>
+                              <m:sSubSupPr>
+                                <m:ctrlPr>
+                                  <a:rPr lang="en-US" sz="3200" b="0" i="1" smtClean="0">
+                                    <a:solidFill>
+                                      <a:srgbClr val="C00000"/>
+                                    </a:solidFill>
+                                    <a:latin typeface="Cambria Math" panose="02040503050406030204" pitchFamily="18" charset="0"/>
+                                  </a:rPr>
+                                </m:ctrlPr>
+                              </m:sSubSupPr>
+                              <m:e>
+                                <m:r>
+                                  <a:rPr lang="en-US" sz="3200" b="0" i="1" smtClean="0">
+                                    <a:solidFill>
+                                      <a:srgbClr val="C00000"/>
+                                    </a:solidFill>
+                                    <a:latin typeface="Cambria Math" panose="02040503050406030204" pitchFamily="18" charset="0"/>
+                                  </a:rPr>
+                                  <m:t>𝐸</m:t>
+                                </m:r>
+                              </m:e>
+                              <m:sub>
+                                <m:r>
+                                  <a:rPr lang="en-US" sz="3200" b="0" i="1" smtClean="0">
+                                    <a:solidFill>
+                                      <a:srgbClr val="C00000"/>
+                                    </a:solidFill>
+                                    <a:latin typeface="Cambria Math" panose="02040503050406030204" pitchFamily="18" charset="0"/>
+                                  </a:rPr>
+                                  <m:t>1</m:t>
+                                </m:r>
+                              </m:sub>
+                              <m:sup>
+                                <m:r>
+                                  <a:rPr lang="en-US" sz="3200" b="0" i="1" smtClean="0">
+                                    <a:solidFill>
+                                      <a:srgbClr val="C00000"/>
+                                    </a:solidFill>
+                                    <a:latin typeface="Cambria Math" panose="02040503050406030204" pitchFamily="18" charset="0"/>
+                                  </a:rPr>
+                                  <m:t>𝐶</m:t>
+                                </m:r>
+                              </m:sup>
+                            </m:sSubSup>
+                            <m:r>
+                              <a:rPr lang="en-US" sz="3200" b="0" i="1" smtClean="0">
+                                <a:solidFill>
+                                  <a:srgbClr val="C00000"/>
+                                </a:solidFill>
+                                <a:latin typeface="Cambria Math" panose="02040503050406030204" pitchFamily="18" charset="0"/>
+                              </a:rPr>
+                              <m:t>∩</m:t>
+                            </m:r>
+                            <m:sSubSup>
+                              <m:sSubSupPr>
+                                <m:ctrlPr>
+                                  <a:rPr lang="en-US" sz="3200" b="0" i="1" smtClean="0">
+                                    <a:solidFill>
+                                      <a:srgbClr val="C00000"/>
+                                    </a:solidFill>
+                                    <a:latin typeface="Cambria Math" panose="02040503050406030204" pitchFamily="18" charset="0"/>
+                                  </a:rPr>
+                                </m:ctrlPr>
+                              </m:sSubSupPr>
+                              <m:e>
+                                <m:r>
+                                  <a:rPr lang="en-US" sz="3200" b="0" i="1" smtClean="0">
+                                    <a:solidFill>
+                                      <a:srgbClr val="C00000"/>
+                                    </a:solidFill>
+                                    <a:latin typeface="Cambria Math" panose="02040503050406030204" pitchFamily="18" charset="0"/>
+                                  </a:rPr>
+                                  <m:t>𝐸</m:t>
+                                </m:r>
+                              </m:e>
+                              <m:sub>
+                                <m:r>
+                                  <a:rPr lang="en-US" sz="3200" b="0" i="1" smtClean="0">
+                                    <a:solidFill>
+                                      <a:srgbClr val="C00000"/>
+                                    </a:solidFill>
+                                    <a:latin typeface="Cambria Math" panose="02040503050406030204" pitchFamily="18" charset="0"/>
+                                  </a:rPr>
+                                  <m:t>2</m:t>
+                                </m:r>
+                              </m:sub>
+                              <m:sup>
+                                <m:r>
+                                  <a:rPr lang="en-US" sz="3200" b="0" i="1" smtClean="0">
+                                    <a:solidFill>
+                                      <a:srgbClr val="C00000"/>
+                                    </a:solidFill>
+                                    <a:latin typeface="Cambria Math" panose="02040503050406030204" pitchFamily="18" charset="0"/>
+                                  </a:rPr>
+                                  <m:t>𝑐</m:t>
+                                </m:r>
+                              </m:sup>
+                            </m:sSubSup>
+                            <m:r>
+                              <a:rPr lang="en-US" sz="3200" b="0" i="1" smtClean="0">
+                                <a:solidFill>
+                                  <a:srgbClr val="C00000"/>
+                                </a:solidFill>
+                                <a:latin typeface="Cambria Math" panose="02040503050406030204" pitchFamily="18" charset="0"/>
+                              </a:rPr>
+                              <m:t>∩…∩</m:t>
+                            </m:r>
+                            <m:sSubSup>
+                              <m:sSubSupPr>
+                                <m:ctrlPr>
+                                  <a:rPr lang="en-US" sz="3200" b="0" i="1" smtClean="0">
+                                    <a:solidFill>
+                                      <a:srgbClr val="C00000"/>
+                                    </a:solidFill>
+                                    <a:latin typeface="Cambria Math" panose="02040503050406030204" pitchFamily="18" charset="0"/>
+                                  </a:rPr>
+                                </m:ctrlPr>
+                              </m:sSubSupPr>
+                              <m:e>
+                                <m:r>
+                                  <a:rPr lang="en-US" sz="3200" b="0" i="1" smtClean="0">
+                                    <a:solidFill>
+                                      <a:srgbClr val="C00000"/>
+                                    </a:solidFill>
+                                    <a:latin typeface="Cambria Math" panose="02040503050406030204" pitchFamily="18" charset="0"/>
+                                  </a:rPr>
+                                  <m:t>𝐸</m:t>
+                                </m:r>
+                              </m:e>
+                              <m:sub>
+                                <m:r>
+                                  <a:rPr lang="en-US" sz="3200" b="0" i="1" smtClean="0">
+                                    <a:solidFill>
+                                      <a:srgbClr val="C00000"/>
+                                    </a:solidFill>
+                                    <a:latin typeface="Cambria Math" panose="02040503050406030204" pitchFamily="18" charset="0"/>
+                                  </a:rPr>
+                                  <m:t>𝑖</m:t>
+                                </m:r>
+                                <m:r>
+                                  <a:rPr lang="en-US" sz="3200" b="0" i="1" smtClean="0">
+                                    <a:solidFill>
+                                      <a:srgbClr val="C00000"/>
+                                    </a:solidFill>
+                                    <a:latin typeface="Cambria Math" panose="02040503050406030204" pitchFamily="18" charset="0"/>
+                                  </a:rPr>
+                                  <m:t>−1</m:t>
+                                </m:r>
+                              </m:sub>
+                              <m:sup>
+                                <m:r>
+                                  <a:rPr lang="en-US" sz="3200" b="0" i="1" smtClean="0">
+                                    <a:solidFill>
+                                      <a:srgbClr val="C00000"/>
+                                    </a:solidFill>
+                                    <a:latin typeface="Cambria Math" panose="02040503050406030204" pitchFamily="18" charset="0"/>
+                                  </a:rPr>
+                                  <m:t>𝑐</m:t>
+                                </m:r>
+                              </m:sup>
+                            </m:sSubSup>
+                          </m:e>
+                        </m:d>
+                      </m:e>
+                    </m:func>
+                    <m:r>
+                      <a:rPr lang="en-US" sz="3200" b="0" i="1" smtClean="0">
+                        <a:solidFill>
+                          <a:srgbClr val="C00000"/>
+                        </a:solidFill>
+                        <a:latin typeface="Cambria Math" panose="02040503050406030204" pitchFamily="18" charset="0"/>
+                      </a:rPr>
+                      <m:t>≤2</m:t>
+                    </m:r>
+                    <m:r>
+                      <a:rPr lang="en-US" sz="3200" b="0" i="1" smtClean="0">
+                        <a:solidFill>
+                          <a:srgbClr val="C00000"/>
+                        </a:solidFill>
+                        <a:latin typeface="Cambria Math" panose="02040503050406030204" pitchFamily="18" charset="0"/>
+                      </a:rPr>
+                      <m:t>𝑝</m:t>
+                    </m:r>
+                  </m:oMath>
+                </a14:m>
+                <a:r>
+                  <a:rPr lang="en-US" sz="3200" dirty="0"/>
+                  <a:t> for all </a:t>
+                </a:r>
+                <a14:m>
+                  <m:oMath xmlns:m="http://schemas.openxmlformats.org/officeDocument/2006/math">
+                    <m:r>
+                      <a:rPr lang="en-US" sz="3200" b="0" i="1" smtClean="0">
+                        <a:solidFill>
+                          <a:srgbClr val="C00000"/>
+                        </a:solidFill>
+                        <a:latin typeface="Cambria Math" panose="02040503050406030204" pitchFamily="18" charset="0"/>
+                      </a:rPr>
+                      <m:t>𝑖</m:t>
+                    </m:r>
+                    <m:r>
+                      <a:rPr lang="en-US" sz="3200" b="0" i="1" smtClean="0">
+                        <a:solidFill>
+                          <a:srgbClr val="C00000"/>
+                        </a:solidFill>
+                        <a:latin typeface="Cambria Math" panose="02040503050406030204" pitchFamily="18" charset="0"/>
+                      </a:rPr>
+                      <m:t>∈</m:t>
+                    </m:r>
+                    <m:d>
+                      <m:dPr>
+                        <m:begChr m:val="["/>
+                        <m:endChr m:val="]"/>
+                        <m:ctrlPr>
+                          <a:rPr lang="en-US" sz="3200" b="0" i="1" smtClean="0">
+                            <a:solidFill>
+                              <a:srgbClr val="C00000"/>
+                            </a:solidFill>
+                            <a:latin typeface="Cambria Math" panose="02040503050406030204" pitchFamily="18" charset="0"/>
+                          </a:rPr>
+                        </m:ctrlPr>
+                      </m:dPr>
+                      <m:e>
+                        <m:r>
+                          <a:rPr lang="en-US" sz="3200" b="0" i="1" smtClean="0">
+                            <a:solidFill>
+                              <a:srgbClr val="C00000"/>
+                            </a:solidFill>
+                            <a:latin typeface="Cambria Math" panose="02040503050406030204" pitchFamily="18" charset="0"/>
+                          </a:rPr>
+                          <m:t>𝑛</m:t>
+                        </m:r>
+                      </m:e>
+                    </m:d>
+                  </m:oMath>
+                </a14:m>
+                <a:r>
+                  <a:rPr lang="en-US" sz="3200" dirty="0"/>
+                  <a:t>.</a:t>
+                </a:r>
+              </a:p>
               <a:p>
                 <a:pPr>
                   <a:buClr>
@@ -10581,7 +12280,7 @@
             </p:txBody>
           </p:sp>
         </mc:Choice>
-        <mc:Fallback>
+        <mc:Fallback xmlns="">
           <p:sp>
             <p:nvSpPr>
               <p:cNvPr id="3" name="Content Placeholder 2">
@@ -10625,8 +12324,8 @@
           </p:sp>
         </mc:Fallback>
       </mc:AlternateContent>
-      <mc:AlternateContent xmlns:mc="http://schemas.openxmlformats.org/markup-compatibility/2006">
-        <mc:Choice xmlns:a14="http://schemas.microsoft.com/office/drawing/2010/main" Requires="a14">
+      <mc:AlternateContent xmlns:mc="http://schemas.openxmlformats.org/markup-compatibility/2006" xmlns:a14="http://schemas.microsoft.com/office/drawing/2010/main">
+        <mc:Choice Requires="a14">
           <p:sp>
             <p:nvSpPr>
               <p:cNvPr id="6" name="TextBox 5">
@@ -11182,7 +12881,7 @@
             </p:txBody>
           </p:sp>
         </mc:Choice>
-        <mc:Fallback>
+        <mc:Fallback xmlns="">
           <p:sp>
             <p:nvSpPr>
               <p:cNvPr id="6" name="TextBox 5">
@@ -11227,8 +12926,8 @@
           </p:sp>
         </mc:Fallback>
       </mc:AlternateContent>
-      <mc:AlternateContent xmlns:mc="http://schemas.openxmlformats.org/markup-compatibility/2006">
-        <mc:Choice xmlns:a14="http://schemas.microsoft.com/office/drawing/2010/main" Requires="a14">
+      <mc:AlternateContent xmlns:mc="http://schemas.openxmlformats.org/markup-compatibility/2006" xmlns:a14="http://schemas.microsoft.com/office/drawing/2010/main">
+        <mc:Choice Requires="a14">
           <p:sp>
             <p:nvSpPr>
               <p:cNvPr id="8" name="TextBox 7">
@@ -11379,7 +13078,7 @@
             </p:txBody>
           </p:sp>
         </mc:Choice>
-        <mc:Fallback>
+        <mc:Fallback xmlns="">
           <p:sp>
             <p:nvSpPr>
               <p:cNvPr id="8" name="TextBox 7">
@@ -11437,144 +13136,7 @@
 </p:sld>
 </file>
 
-<file path=ppt/slides/slide2.xml><?xml version="1.0" encoding="utf-8"?>
-<p:sld xmlns:a="http://schemas.openxmlformats.org/drawingml/2006/main" xmlns:r="http://schemas.openxmlformats.org/officeDocument/2006/relationships" xmlns:p="http://schemas.openxmlformats.org/presentationml/2006/main">
-  <p:cSld>
-    <p:spTree>
-      <p:nvGrpSpPr>
-        <p:cNvPr id="1" name=""/>
-        <p:cNvGrpSpPr/>
-        <p:nvPr/>
-      </p:nvGrpSpPr>
-      <p:grpSpPr>
-        <a:xfrm>
-          <a:off x="0" y="0"/>
-          <a:ext cx="0" cy="0"/>
-          <a:chOff x="0" y="0"/>
-          <a:chExt cx="0" cy="0"/>
-        </a:xfrm>
-      </p:grpSpPr>
-      <p:sp>
-        <p:nvSpPr>
-          <p:cNvPr id="2" name="Title 1">
-            <a:extLst>
-              <a:ext uri="{FF2B5EF4-FFF2-40B4-BE49-F238E27FC236}">
-                <a16:creationId xmlns:a16="http://schemas.microsoft.com/office/drawing/2014/main" id="{FCA5AC62-A5FD-2A5B-018F-859A378AA1D4}"/>
-              </a:ext>
-            </a:extLst>
-          </p:cNvPr>
-          <p:cNvSpPr>
-            <a:spLocks noGrp="1"/>
-          </p:cNvSpPr>
-          <p:nvPr>
-            <p:ph type="title"/>
-          </p:nvPr>
-        </p:nvSpPr>
-        <p:spPr>
-          <a:xfrm>
-            <a:off x="838199" y="365125"/>
-            <a:ext cx="10780059" cy="1325563"/>
-          </a:xfrm>
-        </p:spPr>
-        <p:txBody>
-          <a:bodyPr/>
-          <a:lstStyle/>
-          <a:p>
-            <a:r>
-              <a:rPr lang="en-US" dirty="0">
-                <a:solidFill>
-                  <a:srgbClr val="C00000"/>
-                </a:solidFill>
-              </a:rPr>
-              <a:t>Probabilistic Method</a:t>
-            </a:r>
-          </a:p>
-        </p:txBody>
-      </p:sp>
-      <p:sp>
-        <p:nvSpPr>
-          <p:cNvPr id="3" name="Content Placeholder 2">
-            <a:extLst>
-              <a:ext uri="{FF2B5EF4-FFF2-40B4-BE49-F238E27FC236}">
-                <a16:creationId xmlns:a16="http://schemas.microsoft.com/office/drawing/2014/main" id="{76F2126B-4AA6-302B-7E5A-170FFAAB8BD1}"/>
-              </a:ext>
-            </a:extLst>
-          </p:cNvPr>
-          <p:cNvSpPr>
-            <a:spLocks noGrp="1"/>
-          </p:cNvSpPr>
-          <p:nvPr>
-            <p:ph idx="1"/>
-          </p:nvPr>
-        </p:nvSpPr>
-        <p:spPr>
-          <a:xfrm>
-            <a:off x="838200" y="1825624"/>
-            <a:ext cx="10515600" cy="4422775"/>
-          </a:xfrm>
-        </p:spPr>
-        <p:txBody>
-          <a:bodyPr>
-            <a:normAutofit/>
-          </a:bodyPr>
-          <a:lstStyle/>
-          <a:p>
-            <a:pPr>
-              <a:buClr>
-                <a:schemeClr val="tx1"/>
-              </a:buClr>
-            </a:pPr>
-            <a:r>
-              <a:rPr lang="en-US" sz="3200" dirty="0"/>
-              <a:t>Suppose we want to argue the existence of a certain desirable object</a:t>
-            </a:r>
-          </a:p>
-          <a:p>
-            <a:pPr>
-              <a:buClr>
-                <a:schemeClr val="tx1"/>
-              </a:buClr>
-            </a:pPr>
-            <a:r>
-              <a:rPr lang="en-US" sz="3200" dirty="0"/>
-              <a:t>Existential argument, non-constructive</a:t>
-            </a:r>
-          </a:p>
-          <a:p>
-            <a:pPr>
-              <a:buClr>
-                <a:schemeClr val="tx1"/>
-              </a:buClr>
-            </a:pPr>
-            <a:endParaRPr lang="en-US" sz="3200" dirty="0"/>
-          </a:p>
-          <a:p>
-            <a:pPr>
-              <a:buClr>
-                <a:schemeClr val="tx1"/>
-              </a:buClr>
-            </a:pPr>
-            <a:r>
-              <a:rPr lang="en-US" sz="3200" dirty="0"/>
-              <a:t>If there is an algorithm that can find it, it must exist!</a:t>
-            </a:r>
-          </a:p>
-        </p:txBody>
-      </p:sp>
-    </p:spTree>
-    <p:extLst>
-      <p:ext uri="{BB962C8B-B14F-4D97-AF65-F5344CB8AC3E}">
-        <p14:creationId xmlns:p14="http://schemas.microsoft.com/office/powerpoint/2010/main" val="3156464587"/>
-      </p:ext>
-    </p:extLst>
-  </p:cSld>
-  <p:clrMapOvr>
-    <a:masterClrMapping/>
-  </p:clrMapOvr>
-</p:sld>
-</file>
-
-<file path=ppt/slides/slide20.xml><?xml version="1.0" encoding="utf-8"?>
+<file path=ppt/slides/slide22.xml><?xml version="1.0" encoding="utf-8"?>
 <p:sld xmlns:a="http://schemas.openxmlformats.org/drawingml/2006/main" xmlns:r="http://schemas.openxmlformats.org/officeDocument/2006/relationships" xmlns:p="http://schemas.openxmlformats.org/presentationml/2006/main">
   <p:cSld>
     <p:spTree>
@@ -11647,8 +13209,8 @@
           </a:p>
         </p:txBody>
       </p:sp>
-      <mc:AlternateContent xmlns:mc="http://schemas.openxmlformats.org/markup-compatibility/2006">
-        <mc:Choice xmlns:a14="http://schemas.microsoft.com/office/drawing/2010/main" Requires="a14">
+      <mc:AlternateContent xmlns:mc="http://schemas.openxmlformats.org/markup-compatibility/2006" xmlns:a14="http://schemas.microsoft.com/office/drawing/2010/main">
+        <mc:Choice Requires="a14">
           <p:sp>
             <p:nvSpPr>
               <p:cNvPr id="3" name="Content Placeholder 2">
@@ -12412,7 +13974,7 @@
             </p:txBody>
           </p:sp>
         </mc:Choice>
-        <mc:Fallback>
+        <mc:Fallback xmlns="">
           <p:sp>
             <p:nvSpPr>
               <p:cNvPr id="3" name="Content Placeholder 2">
@@ -12456,8 +14018,8 @@
           </p:sp>
         </mc:Fallback>
       </mc:AlternateContent>
-      <mc:AlternateContent xmlns:mc="http://schemas.openxmlformats.org/markup-compatibility/2006">
-        <mc:Choice xmlns:a14="http://schemas.microsoft.com/office/drawing/2010/main" Requires="a14">
+      <mc:AlternateContent xmlns:mc="http://schemas.openxmlformats.org/markup-compatibility/2006" xmlns:a14="http://schemas.microsoft.com/office/drawing/2010/main">
+        <mc:Choice Requires="a14">
           <p:sp>
             <p:nvSpPr>
               <p:cNvPr id="9" name="TextBox 8">
@@ -12719,7 +14281,7 @@
             </p:txBody>
           </p:sp>
         </mc:Choice>
-        <mc:Fallback>
+        <mc:Fallback xmlns="">
           <p:sp>
             <p:nvSpPr>
               <p:cNvPr id="9" name="TextBox 8">
@@ -12777,7 +14339,7 @@
 </p:sld>
 </file>
 
-<file path=ppt/slides/slide21.xml><?xml version="1.0" encoding="utf-8"?>
+<file path=ppt/slides/slide23.xml><?xml version="1.0" encoding="utf-8"?>
 <p:sld xmlns:a="http://schemas.openxmlformats.org/drawingml/2006/main" xmlns:r="http://schemas.openxmlformats.org/officeDocument/2006/relationships" xmlns:p="http://schemas.openxmlformats.org/presentationml/2006/main">
   <p:cSld>
     <p:spTree>
@@ -13243,8 +14805,12 @@
                   </a:buClr>
                 </a:pPr>
                 <a:r>
+                  <a:rPr lang="en-US" sz="3200" b="0"/>
+                  <a:t>By joint </a:t>
+                </a:r>
+                <a:r>
                   <a:rPr lang="en-US" sz="3200" b="0" dirty="0"/>
-                  <a:t>By conditional probability, </a:t>
+                  <a:t>probability, </a:t>
                 </a:r>
                 <a:endParaRPr lang="en-US" sz="3200" b="0" dirty="0">
                   <a:solidFill>
@@ -13299,8 +14865,8 @@
           </p:sp>
         </mc:Fallback>
       </mc:AlternateContent>
-      <mc:AlternateContent xmlns:mc="http://schemas.openxmlformats.org/markup-compatibility/2006">
-        <mc:Choice xmlns:a14="http://schemas.microsoft.com/office/drawing/2010/main" Requires="a14">
+      <mc:AlternateContent xmlns:mc="http://schemas.openxmlformats.org/markup-compatibility/2006" xmlns:a14="http://schemas.microsoft.com/office/drawing/2010/main">
+        <mc:Choice Requires="a14">
           <p:sp>
             <p:nvSpPr>
               <p:cNvPr id="5" name="TextBox 4">
@@ -14132,7 +15698,7 @@
             </p:txBody>
           </p:sp>
         </mc:Choice>
-        <mc:Fallback>
+        <mc:Fallback xmlns="">
           <p:sp>
             <p:nvSpPr>
               <p:cNvPr id="5" name="TextBox 4">
@@ -14190,7 +15756,7 @@
 </p:sld>
 </file>
 
-<file path=ppt/slides/slide22.xml><?xml version="1.0" encoding="utf-8"?>
+<file path=ppt/slides/slide24.xml><?xml version="1.0" encoding="utf-8"?>
 <p:sld xmlns:a="http://schemas.openxmlformats.org/drawingml/2006/main" xmlns:r="http://schemas.openxmlformats.org/officeDocument/2006/relationships" xmlns:p="http://schemas.openxmlformats.org/presentationml/2006/main">
   <p:cSld>
     <p:spTree>
@@ -14263,8 +15829,8 @@
           </a:p>
         </p:txBody>
       </p:sp>
-      <mc:AlternateContent xmlns:mc="http://schemas.openxmlformats.org/markup-compatibility/2006">
-        <mc:Choice xmlns:a14="http://schemas.microsoft.com/office/drawing/2010/main" Requires="a14">
+      <mc:AlternateContent xmlns:mc="http://schemas.openxmlformats.org/markup-compatibility/2006" xmlns:a14="http://schemas.microsoft.com/office/drawing/2010/main">
+        <mc:Choice Requires="a14">
           <p:sp>
             <p:nvSpPr>
               <p:cNvPr id="3" name="Content Placeholder 2">
@@ -15675,7 +17241,7 @@
             </p:txBody>
           </p:sp>
         </mc:Choice>
-        <mc:Fallback>
+        <mc:Fallback xmlns="">
           <p:sp>
             <p:nvSpPr>
               <p:cNvPr id="3" name="Content Placeholder 2">
@@ -15732,7 +17298,7 @@
 </p:sld>
 </file>
 
-<file path=ppt/slides/slide23.xml><?xml version="1.0" encoding="utf-8"?>
+<file path=ppt/slides/slide25.xml><?xml version="1.0" encoding="utf-8"?>
 <p:sld xmlns:a="http://schemas.openxmlformats.org/drawingml/2006/main" xmlns:r="http://schemas.openxmlformats.org/officeDocument/2006/relationships" xmlns:p="http://schemas.openxmlformats.org/presentationml/2006/main">
   <p:cSld>
     <p:spTree>
@@ -15805,8 +17371,8 @@
           </a:p>
         </p:txBody>
       </p:sp>
-      <mc:AlternateContent xmlns:mc="http://schemas.openxmlformats.org/markup-compatibility/2006">
-        <mc:Choice xmlns:a14="http://schemas.microsoft.com/office/drawing/2010/main" Requires="a14">
+      <mc:AlternateContent xmlns:mc="http://schemas.openxmlformats.org/markup-compatibility/2006" xmlns:a14="http://schemas.microsoft.com/office/drawing/2010/main">
+        <mc:Choice Requires="a14">
           <p:sp>
             <p:nvSpPr>
               <p:cNvPr id="3" name="Content Placeholder 2">
@@ -16231,7 +17797,7 @@
             </p:txBody>
           </p:sp>
         </mc:Choice>
-        <mc:Fallback>
+        <mc:Fallback xmlns="">
           <p:sp>
             <p:nvSpPr>
               <p:cNvPr id="3" name="Content Placeholder 2">
@@ -16275,8 +17841,8 @@
           </p:sp>
         </mc:Fallback>
       </mc:AlternateContent>
-      <mc:AlternateContent xmlns:mc="http://schemas.openxmlformats.org/markup-compatibility/2006">
-        <mc:Choice xmlns:a14="http://schemas.microsoft.com/office/drawing/2010/main" Requires="a14">
+      <mc:AlternateContent xmlns:mc="http://schemas.openxmlformats.org/markup-compatibility/2006" xmlns:a14="http://schemas.microsoft.com/office/drawing/2010/main">
+        <mc:Choice Requires="a14">
           <p:sp>
             <p:nvSpPr>
               <p:cNvPr id="4" name="TextBox 3">
@@ -16538,7 +18104,7 @@
             </p:txBody>
           </p:sp>
         </mc:Choice>
-        <mc:Fallback>
+        <mc:Fallback xmlns="">
           <p:sp>
             <p:nvSpPr>
               <p:cNvPr id="4" name="TextBox 3">
@@ -16583,8 +18149,8 @@
           </p:sp>
         </mc:Fallback>
       </mc:AlternateContent>
-      <mc:AlternateContent xmlns:mc="http://schemas.openxmlformats.org/markup-compatibility/2006">
-        <mc:Choice xmlns:a14="http://schemas.microsoft.com/office/drawing/2010/main" Requires="a14">
+      <mc:AlternateContent xmlns:mc="http://schemas.openxmlformats.org/markup-compatibility/2006" xmlns:a14="http://schemas.microsoft.com/office/drawing/2010/main">
+        <mc:Choice Requires="a14">
           <p:sp>
             <p:nvSpPr>
               <p:cNvPr id="6" name="TextBox 5">
@@ -17162,7 +18728,7 @@
             </p:txBody>
           </p:sp>
         </mc:Choice>
-        <mc:Fallback>
+        <mc:Fallback xmlns="">
           <p:sp>
             <p:nvSpPr>
               <p:cNvPr id="6" name="TextBox 5">
@@ -17207,8 +18773,8 @@
           </p:sp>
         </mc:Fallback>
       </mc:AlternateContent>
-      <mc:AlternateContent xmlns:mc="http://schemas.openxmlformats.org/markup-compatibility/2006">
-        <mc:Choice xmlns:a14="http://schemas.microsoft.com/office/drawing/2010/main" Requires="a14">
+      <mc:AlternateContent xmlns:mc="http://schemas.openxmlformats.org/markup-compatibility/2006" xmlns:a14="http://schemas.microsoft.com/office/drawing/2010/main">
+        <mc:Choice Requires="a14">
           <p:sp>
             <p:nvSpPr>
               <p:cNvPr id="7" name="TextBox 6">
@@ -17389,7 +18955,7 @@
             </p:txBody>
           </p:sp>
         </mc:Choice>
-        <mc:Fallback>
+        <mc:Fallback xmlns="">
           <p:sp>
             <p:nvSpPr>
               <p:cNvPr id="7" name="TextBox 6">
@@ -17447,7 +19013,7 @@
 </p:sld>
 </file>
 
-<file path=ppt/slides/slide24.xml><?xml version="1.0" encoding="utf-8"?>
+<file path=ppt/slides/slide26.xml><?xml version="1.0" encoding="utf-8"?>
 <p:sld xmlns:a="http://schemas.openxmlformats.org/drawingml/2006/main" xmlns:r="http://schemas.openxmlformats.org/officeDocument/2006/relationships" xmlns:p="http://schemas.openxmlformats.org/presentationml/2006/main">
   <p:cSld>
     <p:spTree>
@@ -17520,8 +19086,8 @@
           </a:p>
         </p:txBody>
       </p:sp>
-      <mc:AlternateContent xmlns:mc="http://schemas.openxmlformats.org/markup-compatibility/2006">
-        <mc:Choice xmlns:a14="http://schemas.microsoft.com/office/drawing/2010/main" Requires="a14">
+      <mc:AlternateContent xmlns:mc="http://schemas.openxmlformats.org/markup-compatibility/2006" xmlns:a14="http://schemas.microsoft.com/office/drawing/2010/main">
+        <mc:Choice Requires="a14">
           <p:sp>
             <p:nvSpPr>
               <p:cNvPr id="3" name="Content Placeholder 2">
@@ -17925,7 +19491,7 @@
             </p:txBody>
           </p:sp>
         </mc:Choice>
-        <mc:Fallback>
+        <mc:Fallback xmlns="">
           <p:sp>
             <p:nvSpPr>
               <p:cNvPr id="3" name="Content Placeholder 2">
@@ -17969,8 +19535,8 @@
           </p:sp>
         </mc:Fallback>
       </mc:AlternateContent>
-      <mc:AlternateContent xmlns:mc="http://schemas.openxmlformats.org/markup-compatibility/2006">
-        <mc:Choice xmlns:a14="http://schemas.microsoft.com/office/drawing/2010/main" Requires="a14">
+      <mc:AlternateContent xmlns:mc="http://schemas.openxmlformats.org/markup-compatibility/2006" xmlns:a14="http://schemas.microsoft.com/office/drawing/2010/main">
+        <mc:Choice Requires="a14">
           <p:sp>
             <p:nvSpPr>
               <p:cNvPr id="5" name="TextBox 4">
@@ -18877,7 +20443,7 @@
             </p:txBody>
           </p:sp>
         </mc:Choice>
-        <mc:Fallback>
+        <mc:Fallback xmlns="">
           <p:sp>
             <p:nvSpPr>
               <p:cNvPr id="5" name="TextBox 4">
@@ -18935,7 +20501,7 @@
 </p:sld>
 </file>
 
-<file path=ppt/slides/slide25.xml><?xml version="1.0" encoding="utf-8"?>
+<file path=ppt/slides/slide27.xml><?xml version="1.0" encoding="utf-8"?>
 <p:sld xmlns:a="http://schemas.openxmlformats.org/drawingml/2006/main" xmlns:r="http://schemas.openxmlformats.org/officeDocument/2006/relationships" xmlns:p="http://schemas.openxmlformats.org/presentationml/2006/main">
   <p:cSld>
     <p:spTree>
@@ -19008,8 +20574,8 @@
           </a:p>
         </p:txBody>
       </p:sp>
-      <mc:AlternateContent xmlns:mc="http://schemas.openxmlformats.org/markup-compatibility/2006">
-        <mc:Choice xmlns:a14="http://schemas.microsoft.com/office/drawing/2010/main" Requires="a14">
+      <mc:AlternateContent xmlns:mc="http://schemas.openxmlformats.org/markup-compatibility/2006" xmlns:a14="http://schemas.microsoft.com/office/drawing/2010/main">
+        <mc:Choice Requires="a14">
           <p:sp>
             <p:nvSpPr>
               <p:cNvPr id="3" name="Content Placeholder 2">
@@ -19545,7 +21111,7 @@
             </p:txBody>
           </p:sp>
         </mc:Choice>
-        <mc:Fallback>
+        <mc:Fallback xmlns="">
           <p:sp>
             <p:nvSpPr>
               <p:cNvPr id="3" name="Content Placeholder 2">
@@ -19589,8 +21155,8 @@
           </p:sp>
         </mc:Fallback>
       </mc:AlternateContent>
-      <mc:AlternateContent xmlns:mc="http://schemas.openxmlformats.org/markup-compatibility/2006">
-        <mc:Choice xmlns:a14="http://schemas.microsoft.com/office/drawing/2010/main" Requires="a14">
+      <mc:AlternateContent xmlns:mc="http://schemas.openxmlformats.org/markup-compatibility/2006" xmlns:a14="http://schemas.microsoft.com/office/drawing/2010/main">
+        <mc:Choice Requires="a14">
           <p:sp>
             <p:nvSpPr>
               <p:cNvPr id="5" name="TextBox 4">
@@ -19852,7 +21418,7 @@
             </p:txBody>
           </p:sp>
         </mc:Choice>
-        <mc:Fallback>
+        <mc:Fallback xmlns="">
           <p:sp>
             <p:nvSpPr>
               <p:cNvPr id="5" name="TextBox 4">
@@ -19910,7 +21476,7 @@
 </p:sld>
 </file>
 
-<file path=ppt/slides/slide26.xml><?xml version="1.0" encoding="utf-8"?>
+<file path=ppt/slides/slide28.xml><?xml version="1.0" encoding="utf-8"?>
 <p:sld xmlns:a="http://schemas.openxmlformats.org/drawingml/2006/main" xmlns:r="http://schemas.openxmlformats.org/officeDocument/2006/relationships" xmlns:p="http://schemas.openxmlformats.org/presentationml/2006/main">
   <p:cSld>
     <p:spTree>
@@ -19933,8 +21499,8 @@
           <a:chExt cx="0" cy="0"/>
         </a:xfrm>
       </p:grpSpPr>
-      <mc:AlternateContent xmlns:mc="http://schemas.openxmlformats.org/markup-compatibility/2006">
-        <mc:Choice xmlns:a14="http://schemas.microsoft.com/office/drawing/2010/main" Requires="a14">
+      <mc:AlternateContent xmlns:mc="http://schemas.openxmlformats.org/markup-compatibility/2006" xmlns:a14="http://schemas.microsoft.com/office/drawing/2010/main">
+        <mc:Choice Requires="a14">
           <p:sp>
             <p:nvSpPr>
               <p:cNvPr id="2" name="Title 1">
@@ -19994,7 +21560,7 @@
             </p:txBody>
           </p:sp>
         </mc:Choice>
-        <mc:Fallback>
+        <mc:Fallback xmlns="">
           <p:sp>
             <p:nvSpPr>
               <p:cNvPr id="2" name="Title 1">
@@ -20038,8 +21604,8 @@
           </p:sp>
         </mc:Fallback>
       </mc:AlternateContent>
-      <mc:AlternateContent xmlns:mc="http://schemas.openxmlformats.org/markup-compatibility/2006">
-        <mc:Choice xmlns:a14="http://schemas.microsoft.com/office/drawing/2010/main" Requires="a14">
+      <mc:AlternateContent xmlns:mc="http://schemas.openxmlformats.org/markup-compatibility/2006" xmlns:a14="http://schemas.microsoft.com/office/drawing/2010/main">
+        <mc:Choice Requires="a14">
           <p:sp>
             <p:nvSpPr>
               <p:cNvPr id="3" name="Content Placeholder 2">
@@ -20500,7 +22066,7 @@
             </p:txBody>
           </p:sp>
         </mc:Choice>
-        <mc:Fallback>
+        <mc:Fallback xmlns="">
           <p:sp>
             <p:nvSpPr>
               <p:cNvPr id="3" name="Content Placeholder 2">
@@ -20557,7 +22123,7 @@
 </p:sld>
 </file>
 
-<file path=ppt/slides/slide27.xml><?xml version="1.0" encoding="utf-8"?>
+<file path=ppt/slides/slide29.xml><?xml version="1.0" encoding="utf-8"?>
 <p:sld xmlns:a="http://schemas.openxmlformats.org/drawingml/2006/main" xmlns:r="http://schemas.openxmlformats.org/officeDocument/2006/relationships" xmlns:p="http://schemas.openxmlformats.org/presentationml/2006/main">
   <p:cSld>
     <p:spTree>
@@ -20580,8 +22146,8 @@
           <a:chExt cx="0" cy="0"/>
         </a:xfrm>
       </p:grpSpPr>
-      <mc:AlternateContent xmlns:mc="http://schemas.openxmlformats.org/markup-compatibility/2006">
-        <mc:Choice xmlns:a14="http://schemas.microsoft.com/office/drawing/2010/main" Requires="a14">
+      <mc:AlternateContent xmlns:mc="http://schemas.openxmlformats.org/markup-compatibility/2006" xmlns:a14="http://schemas.microsoft.com/office/drawing/2010/main">
+        <mc:Choice Requires="a14">
           <p:sp>
             <p:nvSpPr>
               <p:cNvPr id="2" name="Title 1">
@@ -20641,7 +22207,7 @@
             </p:txBody>
           </p:sp>
         </mc:Choice>
-        <mc:Fallback>
+        <mc:Fallback xmlns="">
           <p:sp>
             <p:nvSpPr>
               <p:cNvPr id="2" name="Title 1">
@@ -20685,8 +22251,8 @@
           </p:sp>
         </mc:Fallback>
       </mc:AlternateContent>
-      <mc:AlternateContent xmlns:mc="http://schemas.openxmlformats.org/markup-compatibility/2006">
-        <mc:Choice xmlns:a14="http://schemas.microsoft.com/office/drawing/2010/main" Requires="a14">
+      <mc:AlternateContent xmlns:mc="http://schemas.openxmlformats.org/markup-compatibility/2006" xmlns:a14="http://schemas.microsoft.com/office/drawing/2010/main">
+        <mc:Choice Requires="a14">
           <p:sp>
             <p:nvSpPr>
               <p:cNvPr id="3" name="Content Placeholder 2">
@@ -21085,7 +22651,7 @@
             </p:txBody>
           </p:sp>
         </mc:Choice>
-        <mc:Fallback>
+        <mc:Fallback xmlns="">
           <p:sp>
             <p:nvSpPr>
               <p:cNvPr id="3" name="Content Placeholder 2">
@@ -21142,7 +22708,393 @@
 </p:sld>
 </file>
 
-<file path=ppt/slides/slide28.xml><?xml version="1.0" encoding="utf-8"?>
+<file path=ppt/slides/slide3.xml><?xml version="1.0" encoding="utf-8"?>
+<p:sld xmlns:a="http://schemas.openxmlformats.org/drawingml/2006/main" xmlns:r="http://schemas.openxmlformats.org/officeDocument/2006/relationships" xmlns:p="http://schemas.openxmlformats.org/presentationml/2006/main">
+  <p:cSld>
+    <p:spTree>
+      <p:nvGrpSpPr>
+        <p:cNvPr id="1" name="">
+          <a:extLst>
+            <a:ext uri="{FF2B5EF4-FFF2-40B4-BE49-F238E27FC236}">
+              <a16:creationId xmlns:a16="http://schemas.microsoft.com/office/drawing/2014/main" id="{3538B8EB-D26E-FD50-832A-24C73FEDB486}"/>
+            </a:ext>
+          </a:extLst>
+        </p:cNvPr>
+        <p:cNvGrpSpPr/>
+        <p:nvPr/>
+      </p:nvGrpSpPr>
+      <p:grpSpPr>
+        <a:xfrm>
+          <a:off x="0" y="0"/>
+          <a:ext cx="0" cy="0"/>
+          <a:chOff x="0" y="0"/>
+          <a:chExt cx="0" cy="0"/>
+        </a:xfrm>
+      </p:grpSpPr>
+      <p:sp>
+        <p:nvSpPr>
+          <p:cNvPr id="2" name="Title 1">
+            <a:extLst>
+              <a:ext uri="{FF2B5EF4-FFF2-40B4-BE49-F238E27FC236}">
+                <a16:creationId xmlns:a16="http://schemas.microsoft.com/office/drawing/2014/main" id="{63ECC8DD-EE3C-551F-0502-67837A9937CD}"/>
+              </a:ext>
+            </a:extLst>
+          </p:cNvPr>
+          <p:cNvSpPr>
+            <a:spLocks noGrp="1"/>
+          </p:cNvSpPr>
+          <p:nvPr>
+            <p:ph type="title"/>
+          </p:nvPr>
+        </p:nvSpPr>
+        <p:spPr>
+          <a:xfrm>
+            <a:off x="838199" y="365125"/>
+            <a:ext cx="10780059" cy="1325563"/>
+          </a:xfrm>
+        </p:spPr>
+        <p:txBody>
+          <a:bodyPr/>
+          <a:lstStyle/>
+          <a:p>
+            <a:r>
+              <a:rPr lang="en-US" dirty="0">
+                <a:solidFill>
+                  <a:srgbClr val="C00000"/>
+                </a:solidFill>
+              </a:rPr>
+              <a:t>Ramsey Numbers</a:t>
+            </a:r>
+          </a:p>
+        </p:txBody>
+      </p:sp>
+      <mc:AlternateContent xmlns:mc="http://schemas.openxmlformats.org/markup-compatibility/2006" xmlns:a14="http://schemas.microsoft.com/office/drawing/2010/main">
+        <mc:Choice Requires="a14">
+          <p:sp>
+            <p:nvSpPr>
+              <p:cNvPr id="3" name="Content Placeholder 2">
+                <a:extLst>
+                  <a:ext uri="{FF2B5EF4-FFF2-40B4-BE49-F238E27FC236}">
+                    <a16:creationId xmlns:a16="http://schemas.microsoft.com/office/drawing/2014/main" id="{4C4AF9DF-7763-2638-1728-DBD0CACD2E3D}"/>
+                  </a:ext>
+                </a:extLst>
+              </p:cNvPr>
+              <p:cNvSpPr>
+                <a:spLocks noGrp="1"/>
+              </p:cNvSpPr>
+              <p:nvPr>
+                <p:ph idx="1"/>
+              </p:nvPr>
+            </p:nvSpPr>
+            <p:spPr>
+              <a:xfrm>
+                <a:off x="838200" y="1825624"/>
+                <a:ext cx="10515600" cy="4422775"/>
+              </a:xfrm>
+            </p:spPr>
+            <p:txBody>
+              <a:bodyPr>
+                <a:normAutofit/>
+              </a:bodyPr>
+              <a:lstStyle/>
+              <a:p>
+                <a:pPr>
+                  <a:buClr>
+                    <a:schemeClr val="tx1"/>
+                  </a:buClr>
+                </a:pPr>
+                <a:r>
+                  <a:rPr lang="en-US" sz="3200" dirty="0"/>
+                  <a:t>What is the smallest number </a:t>
+                </a:r>
+                <a14:m>
+                  <m:oMath xmlns:m="http://schemas.openxmlformats.org/officeDocument/2006/math">
+                    <m:r>
+                      <a:rPr lang="en-US" sz="3200" b="0" i="1" smtClean="0">
+                        <a:solidFill>
+                          <a:srgbClr val="C00000"/>
+                        </a:solidFill>
+                        <a:latin typeface="Cambria Math" panose="02040503050406030204" pitchFamily="18" charset="0"/>
+                      </a:rPr>
+                      <m:t>𝑛</m:t>
+                    </m:r>
+                    <m:r>
+                      <a:rPr lang="en-US" sz="3200" b="0" i="1" smtClean="0">
+                        <a:solidFill>
+                          <a:srgbClr val="C00000"/>
+                        </a:solidFill>
+                        <a:latin typeface="Cambria Math" panose="02040503050406030204" pitchFamily="18" charset="0"/>
+                      </a:rPr>
+                      <m:t>=</m:t>
+                    </m:r>
+                    <m:r>
+                      <a:rPr lang="en-US" sz="3200" b="0" i="1" smtClean="0">
+                        <a:solidFill>
+                          <a:srgbClr val="C00000"/>
+                        </a:solidFill>
+                        <a:latin typeface="Cambria Math" panose="02040503050406030204" pitchFamily="18" charset="0"/>
+                      </a:rPr>
+                      <m:t>𝑅</m:t>
+                    </m:r>
+                    <m:r>
+                      <a:rPr lang="en-US" sz="3200" b="0" i="1" smtClean="0">
+                        <a:solidFill>
+                          <a:srgbClr val="C00000"/>
+                        </a:solidFill>
+                        <a:latin typeface="Cambria Math" panose="02040503050406030204" pitchFamily="18" charset="0"/>
+                      </a:rPr>
+                      <m:t>(</m:t>
+                    </m:r>
+                    <m:r>
+                      <a:rPr lang="en-US" sz="3200" b="0" i="1" smtClean="0">
+                        <a:solidFill>
+                          <a:srgbClr val="C00000"/>
+                        </a:solidFill>
+                        <a:latin typeface="Cambria Math" panose="02040503050406030204" pitchFamily="18" charset="0"/>
+                      </a:rPr>
+                      <m:t>𝑎</m:t>
+                    </m:r>
+                    <m:r>
+                      <a:rPr lang="en-US" sz="3200" b="0" i="1" smtClean="0">
+                        <a:solidFill>
+                          <a:srgbClr val="C00000"/>
+                        </a:solidFill>
+                        <a:latin typeface="Cambria Math" panose="02040503050406030204" pitchFamily="18" charset="0"/>
+                      </a:rPr>
+                      <m:t>,</m:t>
+                    </m:r>
+                    <m:r>
+                      <a:rPr lang="en-US" sz="3200" b="0" i="1" smtClean="0">
+                        <a:solidFill>
+                          <a:srgbClr val="C00000"/>
+                        </a:solidFill>
+                        <a:latin typeface="Cambria Math" panose="02040503050406030204" pitchFamily="18" charset="0"/>
+                      </a:rPr>
+                      <m:t>𝑏</m:t>
+                    </m:r>
+                    <m:r>
+                      <a:rPr lang="en-US" sz="3200" b="0" i="1" smtClean="0">
+                        <a:solidFill>
+                          <a:srgbClr val="C00000"/>
+                        </a:solidFill>
+                        <a:latin typeface="Cambria Math" panose="02040503050406030204" pitchFamily="18" charset="0"/>
+                      </a:rPr>
+                      <m:t>)</m:t>
+                    </m:r>
+                  </m:oMath>
+                </a14:m>
+                <a:r>
+                  <a:rPr lang="en-US" sz="3200" dirty="0"/>
+                  <a:t> such that in any set of </a:t>
+                </a:r>
+                <a14:m>
+                  <m:oMath xmlns:m="http://schemas.openxmlformats.org/officeDocument/2006/math">
+                    <m:r>
+                      <a:rPr lang="en-US" sz="3200" b="0" i="1" smtClean="0">
+                        <a:solidFill>
+                          <a:srgbClr val="C00000"/>
+                        </a:solidFill>
+                        <a:latin typeface="Cambria Math" panose="02040503050406030204" pitchFamily="18" charset="0"/>
+                      </a:rPr>
+                      <m:t>𝑛</m:t>
+                    </m:r>
+                  </m:oMath>
+                </a14:m>
+                <a:r>
+                  <a:rPr lang="en-US" sz="3200" dirty="0"/>
+                  <a:t> people, there must be either:</a:t>
+                </a:r>
+              </a:p>
+              <a:p>
+                <a:pPr lvl="1">
+                  <a:buClr>
+                    <a:schemeClr val="tx1"/>
+                  </a:buClr>
+                </a:pPr>
+                <a14:m>
+                  <m:oMath xmlns:m="http://schemas.openxmlformats.org/officeDocument/2006/math">
+                    <m:r>
+                      <a:rPr lang="en-US" sz="3200" b="0" i="1" smtClean="0">
+                        <a:solidFill>
+                          <a:srgbClr val="C00000"/>
+                        </a:solidFill>
+                        <a:latin typeface="Cambria Math" panose="02040503050406030204" pitchFamily="18" charset="0"/>
+                      </a:rPr>
+                      <m:t>𝑎</m:t>
+                    </m:r>
+                  </m:oMath>
+                </a14:m>
+                <a:r>
+                  <a:rPr lang="en-US" sz="3200" dirty="0"/>
+                  <a:t> mutual acquaintances</a:t>
+                </a:r>
+              </a:p>
+              <a:p>
+                <a:pPr lvl="1">
+                  <a:buClr>
+                    <a:schemeClr val="tx1"/>
+                  </a:buClr>
+                </a:pPr>
+                <a14:m>
+                  <m:oMath xmlns:m="http://schemas.openxmlformats.org/officeDocument/2006/math">
+                    <m:r>
+                      <a:rPr lang="en-US" sz="3200" b="0" i="1" smtClean="0">
+                        <a:solidFill>
+                          <a:srgbClr val="C00000"/>
+                        </a:solidFill>
+                        <a:latin typeface="Cambria Math" panose="02040503050406030204" pitchFamily="18" charset="0"/>
+                      </a:rPr>
+                      <m:t>𝑏</m:t>
+                    </m:r>
+                  </m:oMath>
+                </a14:m>
+                <a:r>
+                  <a:rPr lang="en-US" sz="3200" dirty="0"/>
+                  <a:t> mutual strangers</a:t>
+                </a:r>
+              </a:p>
+              <a:p>
+                <a:pPr lvl="1">
+                  <a:buClr>
+                    <a:schemeClr val="tx1"/>
+                  </a:buClr>
+                </a:pPr>
+                <a:endParaRPr lang="en-US" sz="2800" dirty="0"/>
+              </a:p>
+              <a:p>
+                <a:pPr>
+                  <a:buClr>
+                    <a:schemeClr val="tx1"/>
+                  </a:buClr>
+                </a:pPr>
+                <a:r>
+                  <a:rPr lang="en-US" sz="3200" dirty="0"/>
+                  <a:t> </a:t>
+                </a:r>
+                <a14:m>
+                  <m:oMath xmlns:m="http://schemas.openxmlformats.org/officeDocument/2006/math">
+                    <m:r>
+                      <a:rPr lang="en-US" sz="3200" b="0" i="1" smtClean="0">
+                        <a:solidFill>
+                          <a:srgbClr val="C00000"/>
+                        </a:solidFill>
+                        <a:latin typeface="Cambria Math" panose="02040503050406030204" pitchFamily="18" charset="0"/>
+                      </a:rPr>
+                      <m:t>𝑅</m:t>
+                    </m:r>
+                    <m:r>
+                      <a:rPr lang="en-US" sz="3200" b="0" i="1" smtClean="0">
+                        <a:solidFill>
+                          <a:srgbClr val="C00000"/>
+                        </a:solidFill>
+                        <a:latin typeface="Cambria Math" panose="02040503050406030204" pitchFamily="18" charset="0"/>
+                      </a:rPr>
+                      <m:t>(</m:t>
+                    </m:r>
+                    <m:r>
+                      <a:rPr lang="en-US" sz="3200" b="0" i="1" smtClean="0">
+                        <a:solidFill>
+                          <a:srgbClr val="C00000"/>
+                        </a:solidFill>
+                        <a:latin typeface="Cambria Math" panose="02040503050406030204" pitchFamily="18" charset="0"/>
+                      </a:rPr>
+                      <m:t>𝑎</m:t>
+                    </m:r>
+                    <m:r>
+                      <a:rPr lang="en-US" sz="3200" b="0" i="1" smtClean="0">
+                        <a:solidFill>
+                          <a:srgbClr val="C00000"/>
+                        </a:solidFill>
+                        <a:latin typeface="Cambria Math" panose="02040503050406030204" pitchFamily="18" charset="0"/>
+                      </a:rPr>
+                      <m:t>,</m:t>
+                    </m:r>
+                    <m:r>
+                      <a:rPr lang="en-US" sz="3200" b="0" i="1" smtClean="0">
+                        <a:solidFill>
+                          <a:srgbClr val="C00000"/>
+                        </a:solidFill>
+                        <a:latin typeface="Cambria Math" panose="02040503050406030204" pitchFamily="18" charset="0"/>
+                      </a:rPr>
+                      <m:t>𝑏</m:t>
+                    </m:r>
+                    <m:r>
+                      <a:rPr lang="en-US" sz="3200" b="0" i="1" smtClean="0">
+                        <a:solidFill>
+                          <a:srgbClr val="C00000"/>
+                        </a:solidFill>
+                        <a:latin typeface="Cambria Math" panose="02040503050406030204" pitchFamily="18" charset="0"/>
+                      </a:rPr>
+                      <m:t>)</m:t>
+                    </m:r>
+                  </m:oMath>
+                </a14:m>
+                <a:r>
+                  <a:rPr lang="en-US" sz="3200" dirty="0"/>
+                  <a:t> are the Ramsey numbers</a:t>
+                </a:r>
+              </a:p>
+            </p:txBody>
+          </p:sp>
+        </mc:Choice>
+        <mc:Fallback xmlns="">
+          <p:sp>
+            <p:nvSpPr>
+              <p:cNvPr id="3" name="Content Placeholder 2">
+                <a:extLst>
+                  <a:ext uri="{FF2B5EF4-FFF2-40B4-BE49-F238E27FC236}">
+                    <a16:creationId xmlns:a16="http://schemas.microsoft.com/office/drawing/2014/main" id="{4C4AF9DF-7763-2638-1728-DBD0CACD2E3D}"/>
+                  </a:ext>
+                </a:extLst>
+              </p:cNvPr>
+              <p:cNvSpPr>
+                <a:spLocks noGrp="1" noRot="1" noChangeAspect="1" noMove="1" noResize="1" noEditPoints="1" noAdjustHandles="1" noChangeArrowheads="1" noChangeShapeType="1" noTextEdit="1"/>
+              </p:cNvSpPr>
+              <p:nvPr>
+                <p:ph idx="1"/>
+              </p:nvPr>
+            </p:nvSpPr>
+            <p:spPr>
+              <a:xfrm>
+                <a:off x="838200" y="1825624"/>
+                <a:ext cx="10515600" cy="4422775"/>
+              </a:xfrm>
+              <a:blipFill>
+                <a:blip r:embed="rId2"/>
+                <a:stretch>
+                  <a:fillRect l="-1333" t="-2755"/>
+                </a:stretch>
+              </a:blipFill>
+            </p:spPr>
+            <p:txBody>
+              <a:bodyPr/>
+              <a:lstStyle/>
+              <a:p>
+                <a:r>
+                  <a:rPr lang="en-US">
+                    <a:noFill/>
+                  </a:rPr>
+                  <a:t> </a:t>
+                </a:r>
+              </a:p>
+            </p:txBody>
+          </p:sp>
+        </mc:Fallback>
+      </mc:AlternateContent>
+    </p:spTree>
+    <p:extLst>
+      <p:ext uri="{BB962C8B-B14F-4D97-AF65-F5344CB8AC3E}">
+        <p14:creationId xmlns:p14="http://schemas.microsoft.com/office/powerpoint/2010/main" val="174375115"/>
+      </p:ext>
+    </p:extLst>
+  </p:cSld>
+  <p:clrMapOvr>
+    <a:masterClrMapping/>
+  </p:clrMapOvr>
+</p:sld>
+</file>
+
+<file path=ppt/slides/slide30.xml><?xml version="1.0" encoding="utf-8"?>
 <p:sld xmlns:a="http://schemas.openxmlformats.org/drawingml/2006/main" xmlns:r="http://schemas.openxmlformats.org/officeDocument/2006/relationships" xmlns:p="http://schemas.openxmlformats.org/presentationml/2006/main">
   <p:cSld>
     <p:spTree>
@@ -21165,8 +23117,8 @@
           <a:chExt cx="0" cy="0"/>
         </a:xfrm>
       </p:grpSpPr>
-      <mc:AlternateContent xmlns:mc="http://schemas.openxmlformats.org/markup-compatibility/2006">
-        <mc:Choice xmlns:a14="http://schemas.microsoft.com/office/drawing/2010/main" Requires="a14">
+      <mc:AlternateContent xmlns:mc="http://schemas.openxmlformats.org/markup-compatibility/2006" xmlns:a14="http://schemas.microsoft.com/office/drawing/2010/main">
+        <mc:Choice Requires="a14">
           <p:sp>
             <p:nvSpPr>
               <p:cNvPr id="2" name="Title 1">
@@ -21226,7 +23178,7 @@
             </p:txBody>
           </p:sp>
         </mc:Choice>
-        <mc:Fallback>
+        <mc:Fallback xmlns="">
           <p:sp>
             <p:nvSpPr>
               <p:cNvPr id="2" name="Title 1">
@@ -21270,8 +23222,8 @@
           </p:sp>
         </mc:Fallback>
       </mc:AlternateContent>
-      <mc:AlternateContent xmlns:mc="http://schemas.openxmlformats.org/markup-compatibility/2006">
-        <mc:Choice xmlns:a14="http://schemas.microsoft.com/office/drawing/2010/main" Requires="a14">
+      <mc:AlternateContent xmlns:mc="http://schemas.openxmlformats.org/markup-compatibility/2006" xmlns:a14="http://schemas.microsoft.com/office/drawing/2010/main">
+        <mc:Choice Requires="a14">
           <p:sp>
             <p:nvSpPr>
               <p:cNvPr id="3" name="Content Placeholder 2">
@@ -21693,7 +23645,7 @@
             </p:txBody>
           </p:sp>
         </mc:Choice>
-        <mc:Fallback>
+        <mc:Fallback xmlns="">
           <p:sp>
             <p:nvSpPr>
               <p:cNvPr id="3" name="Content Placeholder 2">
@@ -21750,7 +23702,7 @@
 </p:sld>
 </file>
 
-<file path=ppt/slides/slide29.xml><?xml version="1.0" encoding="utf-8"?>
+<file path=ppt/slides/slide31.xml><?xml version="1.0" encoding="utf-8"?>
 <p:sld xmlns:a="http://schemas.openxmlformats.org/drawingml/2006/main" xmlns:r="http://schemas.openxmlformats.org/officeDocument/2006/relationships" xmlns:p="http://schemas.openxmlformats.org/presentationml/2006/main">
   <p:cSld>
     <p:spTree>
@@ -21773,8 +23725,8 @@
           <a:chExt cx="0" cy="0"/>
         </a:xfrm>
       </p:grpSpPr>
-      <mc:AlternateContent xmlns:mc="http://schemas.openxmlformats.org/markup-compatibility/2006">
-        <mc:Choice xmlns:a14="http://schemas.microsoft.com/office/drawing/2010/main" Requires="a14">
+      <mc:AlternateContent xmlns:mc="http://schemas.openxmlformats.org/markup-compatibility/2006" xmlns:a14="http://schemas.microsoft.com/office/drawing/2010/main">
+        <mc:Choice Requires="a14">
           <p:sp>
             <p:nvSpPr>
               <p:cNvPr id="2" name="Title 1">
@@ -21834,7 +23786,7 @@
             </p:txBody>
           </p:sp>
         </mc:Choice>
-        <mc:Fallback>
+        <mc:Fallback xmlns="">
           <p:sp>
             <p:nvSpPr>
               <p:cNvPr id="2" name="Title 1">
@@ -21878,8 +23830,8 @@
           </p:sp>
         </mc:Fallback>
       </mc:AlternateContent>
-      <mc:AlternateContent xmlns:mc="http://schemas.openxmlformats.org/markup-compatibility/2006">
-        <mc:Choice xmlns:a14="http://schemas.microsoft.com/office/drawing/2010/main" Requires="a14">
+      <mc:AlternateContent xmlns:mc="http://schemas.openxmlformats.org/markup-compatibility/2006" xmlns:a14="http://schemas.microsoft.com/office/drawing/2010/main">
+        <mc:Choice Requires="a14">
           <p:sp>
             <p:nvSpPr>
               <p:cNvPr id="3" name="Content Placeholder 2">
@@ -22104,7 +24056,7 @@
             </p:txBody>
           </p:sp>
         </mc:Choice>
-        <mc:Fallback>
+        <mc:Fallback xmlns="">
           <p:sp>
             <p:nvSpPr>
               <p:cNvPr id="3" name="Content Placeholder 2">
@@ -22161,393 +24113,7 @@
 </p:sld>
 </file>
 
-<file path=ppt/slides/slide3.xml><?xml version="1.0" encoding="utf-8"?>
-<p:sld xmlns:a="http://schemas.openxmlformats.org/drawingml/2006/main" xmlns:r="http://schemas.openxmlformats.org/officeDocument/2006/relationships" xmlns:p="http://schemas.openxmlformats.org/presentationml/2006/main">
-  <p:cSld>
-    <p:spTree>
-      <p:nvGrpSpPr>
-        <p:cNvPr id="1" name="">
-          <a:extLst>
-            <a:ext uri="{FF2B5EF4-FFF2-40B4-BE49-F238E27FC236}">
-              <a16:creationId xmlns:a16="http://schemas.microsoft.com/office/drawing/2014/main" id="{3538B8EB-D26E-FD50-832A-24C73FEDB486}"/>
-            </a:ext>
-          </a:extLst>
-        </p:cNvPr>
-        <p:cNvGrpSpPr/>
-        <p:nvPr/>
-      </p:nvGrpSpPr>
-      <p:grpSpPr>
-        <a:xfrm>
-          <a:off x="0" y="0"/>
-          <a:ext cx="0" cy="0"/>
-          <a:chOff x="0" y="0"/>
-          <a:chExt cx="0" cy="0"/>
-        </a:xfrm>
-      </p:grpSpPr>
-      <p:sp>
-        <p:nvSpPr>
-          <p:cNvPr id="2" name="Title 1">
-            <a:extLst>
-              <a:ext uri="{FF2B5EF4-FFF2-40B4-BE49-F238E27FC236}">
-                <a16:creationId xmlns:a16="http://schemas.microsoft.com/office/drawing/2014/main" id="{63ECC8DD-EE3C-551F-0502-67837A9937CD}"/>
-              </a:ext>
-            </a:extLst>
-          </p:cNvPr>
-          <p:cNvSpPr>
-            <a:spLocks noGrp="1"/>
-          </p:cNvSpPr>
-          <p:nvPr>
-            <p:ph type="title"/>
-          </p:nvPr>
-        </p:nvSpPr>
-        <p:spPr>
-          <a:xfrm>
-            <a:off x="838199" y="365125"/>
-            <a:ext cx="10780059" cy="1325563"/>
-          </a:xfrm>
-        </p:spPr>
-        <p:txBody>
-          <a:bodyPr/>
-          <a:lstStyle/>
-          <a:p>
-            <a:r>
-              <a:rPr lang="en-US" dirty="0">
-                <a:solidFill>
-                  <a:srgbClr val="C00000"/>
-                </a:solidFill>
-              </a:rPr>
-              <a:t>Ramsey Numbers</a:t>
-            </a:r>
-          </a:p>
-        </p:txBody>
-      </p:sp>
-      <mc:AlternateContent xmlns:mc="http://schemas.openxmlformats.org/markup-compatibility/2006">
-        <mc:Choice xmlns:a14="http://schemas.microsoft.com/office/drawing/2010/main" Requires="a14">
-          <p:sp>
-            <p:nvSpPr>
-              <p:cNvPr id="3" name="Content Placeholder 2">
-                <a:extLst>
-                  <a:ext uri="{FF2B5EF4-FFF2-40B4-BE49-F238E27FC236}">
-                    <a16:creationId xmlns:a16="http://schemas.microsoft.com/office/drawing/2014/main" id="{4C4AF9DF-7763-2638-1728-DBD0CACD2E3D}"/>
-                  </a:ext>
-                </a:extLst>
-              </p:cNvPr>
-              <p:cNvSpPr>
-                <a:spLocks noGrp="1"/>
-              </p:cNvSpPr>
-              <p:nvPr>
-                <p:ph idx="1"/>
-              </p:nvPr>
-            </p:nvSpPr>
-            <p:spPr>
-              <a:xfrm>
-                <a:off x="838200" y="1825624"/>
-                <a:ext cx="10515600" cy="4422775"/>
-              </a:xfrm>
-            </p:spPr>
-            <p:txBody>
-              <a:bodyPr>
-                <a:normAutofit/>
-              </a:bodyPr>
-              <a:lstStyle/>
-              <a:p>
-                <a:pPr>
-                  <a:buClr>
-                    <a:schemeClr val="tx1"/>
-                  </a:buClr>
-                </a:pPr>
-                <a:r>
-                  <a:rPr lang="en-US" sz="3200" dirty="0"/>
-                  <a:t>What is the smallest number </a:t>
-                </a:r>
-                <a14:m>
-                  <m:oMath xmlns:m="http://schemas.openxmlformats.org/officeDocument/2006/math">
-                    <m:r>
-                      <a:rPr lang="en-US" sz="3200" b="0" i="1" smtClean="0">
-                        <a:solidFill>
-                          <a:srgbClr val="C00000"/>
-                        </a:solidFill>
-                        <a:latin typeface="Cambria Math" panose="02040503050406030204" pitchFamily="18" charset="0"/>
-                      </a:rPr>
-                      <m:t>𝑛</m:t>
-                    </m:r>
-                    <m:r>
-                      <a:rPr lang="en-US" sz="3200" b="0" i="1" smtClean="0">
-                        <a:solidFill>
-                          <a:srgbClr val="C00000"/>
-                        </a:solidFill>
-                        <a:latin typeface="Cambria Math" panose="02040503050406030204" pitchFamily="18" charset="0"/>
-                      </a:rPr>
-                      <m:t>=</m:t>
-                    </m:r>
-                    <m:r>
-                      <a:rPr lang="en-US" sz="3200" b="0" i="1" smtClean="0">
-                        <a:solidFill>
-                          <a:srgbClr val="C00000"/>
-                        </a:solidFill>
-                        <a:latin typeface="Cambria Math" panose="02040503050406030204" pitchFamily="18" charset="0"/>
-                      </a:rPr>
-                      <m:t>𝑅</m:t>
-                    </m:r>
-                    <m:r>
-                      <a:rPr lang="en-US" sz="3200" b="0" i="1" smtClean="0">
-                        <a:solidFill>
-                          <a:srgbClr val="C00000"/>
-                        </a:solidFill>
-                        <a:latin typeface="Cambria Math" panose="02040503050406030204" pitchFamily="18" charset="0"/>
-                      </a:rPr>
-                      <m:t>(</m:t>
-                    </m:r>
-                    <m:r>
-                      <a:rPr lang="en-US" sz="3200" b="0" i="1" smtClean="0">
-                        <a:solidFill>
-                          <a:srgbClr val="C00000"/>
-                        </a:solidFill>
-                        <a:latin typeface="Cambria Math" panose="02040503050406030204" pitchFamily="18" charset="0"/>
-                      </a:rPr>
-                      <m:t>𝑎</m:t>
-                    </m:r>
-                    <m:r>
-                      <a:rPr lang="en-US" sz="3200" b="0" i="1" smtClean="0">
-                        <a:solidFill>
-                          <a:srgbClr val="C00000"/>
-                        </a:solidFill>
-                        <a:latin typeface="Cambria Math" panose="02040503050406030204" pitchFamily="18" charset="0"/>
-                      </a:rPr>
-                      <m:t>,</m:t>
-                    </m:r>
-                    <m:r>
-                      <a:rPr lang="en-US" sz="3200" b="0" i="1" smtClean="0">
-                        <a:solidFill>
-                          <a:srgbClr val="C00000"/>
-                        </a:solidFill>
-                        <a:latin typeface="Cambria Math" panose="02040503050406030204" pitchFamily="18" charset="0"/>
-                      </a:rPr>
-                      <m:t>𝑏</m:t>
-                    </m:r>
-                    <m:r>
-                      <a:rPr lang="en-US" sz="3200" b="0" i="1" smtClean="0">
-                        <a:solidFill>
-                          <a:srgbClr val="C00000"/>
-                        </a:solidFill>
-                        <a:latin typeface="Cambria Math" panose="02040503050406030204" pitchFamily="18" charset="0"/>
-                      </a:rPr>
-                      <m:t>)</m:t>
-                    </m:r>
-                  </m:oMath>
-                </a14:m>
-                <a:r>
-                  <a:rPr lang="en-US" sz="3200" dirty="0"/>
-                  <a:t> such that in any set of </a:t>
-                </a:r>
-                <a14:m>
-                  <m:oMath xmlns:m="http://schemas.openxmlformats.org/officeDocument/2006/math">
-                    <m:r>
-                      <a:rPr lang="en-US" sz="3200" b="0" i="1" smtClean="0">
-                        <a:solidFill>
-                          <a:srgbClr val="C00000"/>
-                        </a:solidFill>
-                        <a:latin typeface="Cambria Math" panose="02040503050406030204" pitchFamily="18" charset="0"/>
-                      </a:rPr>
-                      <m:t>𝑛</m:t>
-                    </m:r>
-                  </m:oMath>
-                </a14:m>
-                <a:r>
-                  <a:rPr lang="en-US" sz="3200" dirty="0"/>
-                  <a:t> people, there must be either:</a:t>
-                </a:r>
-              </a:p>
-              <a:p>
-                <a:pPr lvl="1">
-                  <a:buClr>
-                    <a:schemeClr val="tx1"/>
-                  </a:buClr>
-                </a:pPr>
-                <a14:m>
-                  <m:oMath xmlns:m="http://schemas.openxmlformats.org/officeDocument/2006/math">
-                    <m:r>
-                      <a:rPr lang="en-US" sz="3200" b="0" i="1" smtClean="0">
-                        <a:solidFill>
-                          <a:srgbClr val="C00000"/>
-                        </a:solidFill>
-                        <a:latin typeface="Cambria Math" panose="02040503050406030204" pitchFamily="18" charset="0"/>
-                      </a:rPr>
-                      <m:t>𝑎</m:t>
-                    </m:r>
-                  </m:oMath>
-                </a14:m>
-                <a:r>
-                  <a:rPr lang="en-US" sz="3200" dirty="0"/>
-                  <a:t> mutual acquaintances</a:t>
-                </a:r>
-              </a:p>
-              <a:p>
-                <a:pPr lvl="1">
-                  <a:buClr>
-                    <a:schemeClr val="tx1"/>
-                  </a:buClr>
-                </a:pPr>
-                <a14:m>
-                  <m:oMath xmlns:m="http://schemas.openxmlformats.org/officeDocument/2006/math">
-                    <m:r>
-                      <a:rPr lang="en-US" sz="3200" b="0" i="1" smtClean="0">
-                        <a:solidFill>
-                          <a:srgbClr val="C00000"/>
-                        </a:solidFill>
-                        <a:latin typeface="Cambria Math" panose="02040503050406030204" pitchFamily="18" charset="0"/>
-                      </a:rPr>
-                      <m:t>𝑏</m:t>
-                    </m:r>
-                  </m:oMath>
-                </a14:m>
-                <a:r>
-                  <a:rPr lang="en-US" sz="3200" dirty="0"/>
-                  <a:t> mutual strangers</a:t>
-                </a:r>
-              </a:p>
-              <a:p>
-                <a:pPr lvl="1">
-                  <a:buClr>
-                    <a:schemeClr val="tx1"/>
-                  </a:buClr>
-                </a:pPr>
-                <a:endParaRPr lang="en-US" sz="2800" dirty="0"/>
-              </a:p>
-              <a:p>
-                <a:pPr>
-                  <a:buClr>
-                    <a:schemeClr val="tx1"/>
-                  </a:buClr>
-                </a:pPr>
-                <a:r>
-                  <a:rPr lang="en-US" sz="3200" dirty="0"/>
-                  <a:t> </a:t>
-                </a:r>
-                <a14:m>
-                  <m:oMath xmlns:m="http://schemas.openxmlformats.org/officeDocument/2006/math">
-                    <m:r>
-                      <a:rPr lang="en-US" sz="3200" b="0" i="1" smtClean="0">
-                        <a:solidFill>
-                          <a:srgbClr val="C00000"/>
-                        </a:solidFill>
-                        <a:latin typeface="Cambria Math" panose="02040503050406030204" pitchFamily="18" charset="0"/>
-                      </a:rPr>
-                      <m:t>𝑅</m:t>
-                    </m:r>
-                    <m:r>
-                      <a:rPr lang="en-US" sz="3200" b="0" i="1" smtClean="0">
-                        <a:solidFill>
-                          <a:srgbClr val="C00000"/>
-                        </a:solidFill>
-                        <a:latin typeface="Cambria Math" panose="02040503050406030204" pitchFamily="18" charset="0"/>
-                      </a:rPr>
-                      <m:t>(</m:t>
-                    </m:r>
-                    <m:r>
-                      <a:rPr lang="en-US" sz="3200" b="0" i="1" smtClean="0">
-                        <a:solidFill>
-                          <a:srgbClr val="C00000"/>
-                        </a:solidFill>
-                        <a:latin typeface="Cambria Math" panose="02040503050406030204" pitchFamily="18" charset="0"/>
-                      </a:rPr>
-                      <m:t>𝑎</m:t>
-                    </m:r>
-                    <m:r>
-                      <a:rPr lang="en-US" sz="3200" b="0" i="1" smtClean="0">
-                        <a:solidFill>
-                          <a:srgbClr val="C00000"/>
-                        </a:solidFill>
-                        <a:latin typeface="Cambria Math" panose="02040503050406030204" pitchFamily="18" charset="0"/>
-                      </a:rPr>
-                      <m:t>,</m:t>
-                    </m:r>
-                    <m:r>
-                      <a:rPr lang="en-US" sz="3200" b="0" i="1" smtClean="0">
-                        <a:solidFill>
-                          <a:srgbClr val="C00000"/>
-                        </a:solidFill>
-                        <a:latin typeface="Cambria Math" panose="02040503050406030204" pitchFamily="18" charset="0"/>
-                      </a:rPr>
-                      <m:t>𝑏</m:t>
-                    </m:r>
-                    <m:r>
-                      <a:rPr lang="en-US" sz="3200" b="0" i="1" smtClean="0">
-                        <a:solidFill>
-                          <a:srgbClr val="C00000"/>
-                        </a:solidFill>
-                        <a:latin typeface="Cambria Math" panose="02040503050406030204" pitchFamily="18" charset="0"/>
-                      </a:rPr>
-                      <m:t>)</m:t>
-                    </m:r>
-                  </m:oMath>
-                </a14:m>
-                <a:r>
-                  <a:rPr lang="en-US" sz="3200" dirty="0"/>
-                  <a:t> are the Ramsey numbers</a:t>
-                </a:r>
-              </a:p>
-            </p:txBody>
-          </p:sp>
-        </mc:Choice>
-        <mc:Fallback>
-          <p:sp>
-            <p:nvSpPr>
-              <p:cNvPr id="3" name="Content Placeholder 2">
-                <a:extLst>
-                  <a:ext uri="{FF2B5EF4-FFF2-40B4-BE49-F238E27FC236}">
-                    <a16:creationId xmlns:a16="http://schemas.microsoft.com/office/drawing/2014/main" id="{4C4AF9DF-7763-2638-1728-DBD0CACD2E3D}"/>
-                  </a:ext>
-                </a:extLst>
-              </p:cNvPr>
-              <p:cNvSpPr>
-                <a:spLocks noGrp="1" noRot="1" noChangeAspect="1" noMove="1" noResize="1" noEditPoints="1" noAdjustHandles="1" noChangeArrowheads="1" noChangeShapeType="1" noTextEdit="1"/>
-              </p:cNvSpPr>
-              <p:nvPr>
-                <p:ph idx="1"/>
-              </p:nvPr>
-            </p:nvSpPr>
-            <p:spPr>
-              <a:xfrm>
-                <a:off x="838200" y="1825624"/>
-                <a:ext cx="10515600" cy="4422775"/>
-              </a:xfrm>
-              <a:blipFill>
-                <a:blip r:embed="rId2"/>
-                <a:stretch>
-                  <a:fillRect l="-1333" t="-2755"/>
-                </a:stretch>
-              </a:blipFill>
-            </p:spPr>
-            <p:txBody>
-              <a:bodyPr/>
-              <a:lstStyle/>
-              <a:p>
-                <a:r>
-                  <a:rPr lang="en-US">
-                    <a:noFill/>
-                  </a:rPr>
-                  <a:t> </a:t>
-                </a:r>
-              </a:p>
-            </p:txBody>
-          </p:sp>
-        </mc:Fallback>
-      </mc:AlternateContent>
-    </p:spTree>
-    <p:extLst>
-      <p:ext uri="{BB962C8B-B14F-4D97-AF65-F5344CB8AC3E}">
-        <p14:creationId xmlns:p14="http://schemas.microsoft.com/office/powerpoint/2010/main" val="174375115"/>
-      </p:ext>
-    </p:extLst>
-  </p:cSld>
-  <p:clrMapOvr>
-    <a:masterClrMapping/>
-  </p:clrMapOvr>
-</p:sld>
-</file>
-
-<file path=ppt/slides/slide30.xml><?xml version="1.0" encoding="utf-8"?>
+<file path=ppt/slides/slide32.xml><?xml version="1.0" encoding="utf-8"?>
 <p:sld xmlns:a="http://schemas.openxmlformats.org/drawingml/2006/main" xmlns:r="http://schemas.openxmlformats.org/officeDocument/2006/relationships" xmlns:p="http://schemas.openxmlformats.org/presentationml/2006/main">
   <p:cSld>
     <p:spTree>
@@ -22612,8 +24178,8 @@
           </a:p>
         </p:txBody>
       </p:sp>
-      <mc:AlternateContent xmlns:mc="http://schemas.openxmlformats.org/markup-compatibility/2006">
-        <mc:Choice xmlns:a14="http://schemas.microsoft.com/office/drawing/2010/main" Requires="a14">
+      <mc:AlternateContent xmlns:mc="http://schemas.openxmlformats.org/markup-compatibility/2006" xmlns:a14="http://schemas.microsoft.com/office/drawing/2010/main">
+        <mc:Choice Requires="a14">
           <p:sp>
             <p:nvSpPr>
               <p:cNvPr id="3" name="Content Placeholder 2">
@@ -23178,7 +24744,7 @@
             </p:txBody>
           </p:sp>
         </mc:Choice>
-        <mc:Fallback>
+        <mc:Fallback xmlns="">
           <p:sp>
             <p:nvSpPr>
               <p:cNvPr id="3" name="Content Placeholder 2">
@@ -23235,7 +24801,7 @@
 </p:sld>
 </file>
 
-<file path=ppt/slides/slide31.xml><?xml version="1.0" encoding="utf-8"?>
+<file path=ppt/slides/slide33.xml><?xml version="1.0" encoding="utf-8"?>
 <p:sld xmlns:a="http://schemas.openxmlformats.org/drawingml/2006/main" xmlns:r="http://schemas.openxmlformats.org/officeDocument/2006/relationships" xmlns:p="http://schemas.openxmlformats.org/presentationml/2006/main">
   <p:cSld>
     <p:spTree>
@@ -23300,8 +24866,8 @@
           </a:p>
         </p:txBody>
       </p:sp>
-      <mc:AlternateContent xmlns:mc="http://schemas.openxmlformats.org/markup-compatibility/2006">
-        <mc:Choice xmlns:a14="http://schemas.microsoft.com/office/drawing/2010/main" Requires="a14">
+      <mc:AlternateContent xmlns:mc="http://schemas.openxmlformats.org/markup-compatibility/2006" xmlns:a14="http://schemas.microsoft.com/office/drawing/2010/main">
+        <mc:Choice Requires="a14">
           <p:sp>
             <p:nvSpPr>
               <p:cNvPr id="3" name="Content Placeholder 2">
@@ -24013,7 +25579,7 @@
             </p:txBody>
           </p:sp>
         </mc:Choice>
-        <mc:Fallback>
+        <mc:Fallback xmlns="">
           <p:sp>
             <p:nvSpPr>
               <p:cNvPr id="3" name="Content Placeholder 2">
@@ -24070,7 +25636,7 @@
 </p:sld>
 </file>
 
-<file path=ppt/slides/slide32.xml><?xml version="1.0" encoding="utf-8"?>
+<file path=ppt/slides/slide34.xml><?xml version="1.0" encoding="utf-8"?>
 <p:sld xmlns:a="http://schemas.openxmlformats.org/drawingml/2006/main" xmlns:r="http://schemas.openxmlformats.org/officeDocument/2006/relationships" xmlns:p="http://schemas.openxmlformats.org/presentationml/2006/main">
   <p:cSld>
     <p:spTree>
@@ -24135,8 +25701,8 @@
           </a:p>
         </p:txBody>
       </p:sp>
-      <mc:AlternateContent xmlns:mc="http://schemas.openxmlformats.org/markup-compatibility/2006">
-        <mc:Choice xmlns:a14="http://schemas.microsoft.com/office/drawing/2010/main" Requires="a14">
+      <mc:AlternateContent xmlns:mc="http://schemas.openxmlformats.org/markup-compatibility/2006" xmlns:a14="http://schemas.microsoft.com/office/drawing/2010/main">
+        <mc:Choice Requires="a14">
           <p:sp>
             <p:nvSpPr>
               <p:cNvPr id="3" name="Content Placeholder 2">
@@ -24683,7 +26249,7 @@
             </p:txBody>
           </p:sp>
         </mc:Choice>
-        <mc:Fallback>
+        <mc:Fallback xmlns="">
           <p:sp>
             <p:nvSpPr>
               <p:cNvPr id="3" name="Content Placeholder 2">
@@ -24800,8 +26366,8 @@
           </a:p>
         </p:txBody>
       </p:sp>
-      <mc:AlternateContent xmlns:mc="http://schemas.openxmlformats.org/markup-compatibility/2006">
-        <mc:Choice xmlns:a14="http://schemas.microsoft.com/office/drawing/2010/main" Requires="a14">
+      <mc:AlternateContent xmlns:mc="http://schemas.openxmlformats.org/markup-compatibility/2006" xmlns:a14="http://schemas.microsoft.com/office/drawing/2010/main">
+        <mc:Choice Requires="a14">
           <p:sp>
             <p:nvSpPr>
               <p:cNvPr id="3" name="Content Placeholder 2">
@@ -25132,7 +26698,7 @@
                     <m:sSub>
                       <m:sSubPr>
                         <m:ctrlPr>
-                          <a:rPr lang="en-US" sz="3200" b="0" i="0" smtClean="0">
+                          <a:rPr lang="en-US" sz="3200" b="0" i="1" smtClean="0">
                             <a:solidFill>
                               <a:srgbClr val="C00000"/>
                             </a:solidFill>
@@ -25236,7 +26802,7 @@
             </p:txBody>
           </p:sp>
         </mc:Choice>
-        <mc:Fallback>
+        <mc:Fallback xmlns="">
           <p:sp>
             <p:nvSpPr>
               <p:cNvPr id="3" name="Content Placeholder 2">
@@ -25353,8 +26919,8 @@
           </a:p>
         </p:txBody>
       </p:sp>
-      <mc:AlternateContent xmlns:mc="http://schemas.openxmlformats.org/markup-compatibility/2006">
-        <mc:Choice xmlns:a14="http://schemas.microsoft.com/office/drawing/2010/main" Requires="a14">
+      <mc:AlternateContent xmlns:mc="http://schemas.openxmlformats.org/markup-compatibility/2006" xmlns:a14="http://schemas.microsoft.com/office/drawing/2010/main">
+        <mc:Choice Requires="a14">
           <p:sp>
             <p:nvSpPr>
               <p:cNvPr id="3" name="Content Placeholder 2">
@@ -25538,7 +27104,7 @@
             </p:txBody>
           </p:sp>
         </mc:Choice>
-        <mc:Fallback>
+        <mc:Fallback xmlns="">
           <p:sp>
             <p:nvSpPr>
               <p:cNvPr id="3" name="Content Placeholder 2">
@@ -25867,8 +27433,8 @@
           </a:p>
         </p:txBody>
       </p:sp>
-      <mc:AlternateContent xmlns:mc="http://schemas.openxmlformats.org/markup-compatibility/2006">
-        <mc:Choice xmlns:a14="http://schemas.microsoft.com/office/drawing/2010/main" Requires="a14">
+      <mc:AlternateContent xmlns:mc="http://schemas.openxmlformats.org/markup-compatibility/2006" xmlns:a14="http://schemas.microsoft.com/office/drawing/2010/main">
+        <mc:Choice Requires="a14">
           <p:sp>
             <p:nvSpPr>
               <p:cNvPr id="9" name="TextBox 8">
@@ -25921,7 +27487,7 @@
             </p:txBody>
           </p:sp>
         </mc:Choice>
-        <mc:Fallback>
+        <mc:Fallback xmlns="">
           <p:sp>
             <p:nvSpPr>
               <p:cNvPr id="9" name="TextBox 8">
@@ -25966,8 +27532,8 @@
           </p:sp>
         </mc:Fallback>
       </mc:AlternateContent>
-      <mc:AlternateContent xmlns:mc="http://schemas.openxmlformats.org/markup-compatibility/2006">
-        <mc:Choice xmlns:a14="http://schemas.microsoft.com/office/drawing/2010/main" Requires="a14">
+      <mc:AlternateContent xmlns:mc="http://schemas.openxmlformats.org/markup-compatibility/2006" xmlns:a14="http://schemas.microsoft.com/office/drawing/2010/main">
+        <mc:Choice Requires="a14">
           <p:sp>
             <p:nvSpPr>
               <p:cNvPr id="10" name="TextBox 9">
@@ -26020,7 +27586,7 @@
             </p:txBody>
           </p:sp>
         </mc:Choice>
-        <mc:Fallback>
+        <mc:Fallback xmlns="">
           <p:sp>
             <p:nvSpPr>
               <p:cNvPr id="10" name="TextBox 9">
@@ -26065,8 +27631,8 @@
           </p:sp>
         </mc:Fallback>
       </mc:AlternateContent>
-      <mc:AlternateContent xmlns:mc="http://schemas.openxmlformats.org/markup-compatibility/2006">
-        <mc:Choice xmlns:a14="http://schemas.microsoft.com/office/drawing/2010/main" Requires="a14">
+      <mc:AlternateContent xmlns:mc="http://schemas.openxmlformats.org/markup-compatibility/2006" xmlns:a14="http://schemas.microsoft.com/office/drawing/2010/main">
+        <mc:Choice Requires="a14">
           <p:sp>
             <p:nvSpPr>
               <p:cNvPr id="11" name="TextBox 10">
@@ -26119,7 +27685,7 @@
             </p:txBody>
           </p:sp>
         </mc:Choice>
-        <mc:Fallback>
+        <mc:Fallback xmlns="">
           <p:sp>
             <p:nvSpPr>
               <p:cNvPr id="11" name="TextBox 10">
@@ -26164,8 +27730,8 @@
           </p:sp>
         </mc:Fallback>
       </mc:AlternateContent>
-      <mc:AlternateContent xmlns:mc="http://schemas.openxmlformats.org/markup-compatibility/2006">
-        <mc:Choice xmlns:a14="http://schemas.microsoft.com/office/drawing/2010/main" Requires="a14">
+      <mc:AlternateContent xmlns:mc="http://schemas.openxmlformats.org/markup-compatibility/2006" xmlns:a14="http://schemas.microsoft.com/office/drawing/2010/main">
+        <mc:Choice Requires="a14">
           <p:sp>
             <p:nvSpPr>
               <p:cNvPr id="12" name="TextBox 11">
@@ -26218,7 +27784,7 @@
             </p:txBody>
           </p:sp>
         </mc:Choice>
-        <mc:Fallback>
+        <mc:Fallback xmlns="">
           <p:sp>
             <p:nvSpPr>
               <p:cNvPr id="12" name="TextBox 11">
@@ -26263,8 +27829,8 @@
           </p:sp>
         </mc:Fallback>
       </mc:AlternateContent>
-      <mc:AlternateContent xmlns:mc="http://schemas.openxmlformats.org/markup-compatibility/2006">
-        <mc:Choice xmlns:a14="http://schemas.microsoft.com/office/drawing/2010/main" Requires="a14">
+      <mc:AlternateContent xmlns:mc="http://schemas.openxmlformats.org/markup-compatibility/2006" xmlns:a14="http://schemas.microsoft.com/office/drawing/2010/main">
+        <mc:Choice Requires="a14">
           <p:sp>
             <p:nvSpPr>
               <p:cNvPr id="13" name="TextBox 12">
@@ -26317,7 +27883,7 @@
             </p:txBody>
           </p:sp>
         </mc:Choice>
-        <mc:Fallback>
+        <mc:Fallback xmlns="">
           <p:sp>
             <p:nvSpPr>
               <p:cNvPr id="13" name="TextBox 12">
@@ -26865,8 +28431,8 @@
           </a:p>
         </p:txBody>
       </p:sp>
-      <mc:AlternateContent xmlns:mc="http://schemas.openxmlformats.org/markup-compatibility/2006">
-        <mc:Choice xmlns:a14="http://schemas.microsoft.com/office/drawing/2010/main" Requires="a14">
+      <mc:AlternateContent xmlns:mc="http://schemas.openxmlformats.org/markup-compatibility/2006" xmlns:a14="http://schemas.microsoft.com/office/drawing/2010/main">
+        <mc:Choice Requires="a14">
           <p:sp>
             <p:nvSpPr>
               <p:cNvPr id="3" name="Content Placeholder 2">
@@ -26930,16 +28496,7 @@
                             </a:solidFill>
                             <a:latin typeface="Cambria Math" panose="02040503050406030204" pitchFamily="18" charset="0"/>
                           </a:rPr>
-                          <m:t>3</m:t>
-                        </m:r>
-                        <m:r>
-                          <a:rPr lang="en-US" sz="3200" b="0" i="1" smtClean="0">
-                            <a:solidFill>
-                              <a:srgbClr val="C00000"/>
-                            </a:solidFill>
-                            <a:latin typeface="Cambria Math" panose="02040503050406030204" pitchFamily="18" charset="0"/>
-                          </a:rPr>
-                          <m:t>,3</m:t>
+                          <m:t>3,3</m:t>
                         </m:r>
                       </m:e>
                     </m:d>
@@ -27024,7 +28581,7 @@
             </p:txBody>
           </p:sp>
         </mc:Choice>
-        <mc:Fallback>
+        <mc:Fallback xmlns="">
           <p:sp>
             <p:nvSpPr>
               <p:cNvPr id="3" name="Content Placeholder 2">
@@ -27353,8 +28910,8 @@
           </a:p>
         </p:txBody>
       </p:sp>
-      <mc:AlternateContent xmlns:mc="http://schemas.openxmlformats.org/markup-compatibility/2006">
-        <mc:Choice xmlns:a14="http://schemas.microsoft.com/office/drawing/2010/main" Requires="a14">
+      <mc:AlternateContent xmlns:mc="http://schemas.openxmlformats.org/markup-compatibility/2006" xmlns:a14="http://schemas.microsoft.com/office/drawing/2010/main">
+        <mc:Choice Requires="a14">
           <p:sp>
             <p:nvSpPr>
               <p:cNvPr id="9" name="TextBox 8">
@@ -27407,7 +28964,7 @@
             </p:txBody>
           </p:sp>
         </mc:Choice>
-        <mc:Fallback>
+        <mc:Fallback xmlns="">
           <p:sp>
             <p:nvSpPr>
               <p:cNvPr id="9" name="TextBox 8">
@@ -27452,8 +29009,8 @@
           </p:sp>
         </mc:Fallback>
       </mc:AlternateContent>
-      <mc:AlternateContent xmlns:mc="http://schemas.openxmlformats.org/markup-compatibility/2006">
-        <mc:Choice xmlns:a14="http://schemas.microsoft.com/office/drawing/2010/main" Requires="a14">
+      <mc:AlternateContent xmlns:mc="http://schemas.openxmlformats.org/markup-compatibility/2006" xmlns:a14="http://schemas.microsoft.com/office/drawing/2010/main">
+        <mc:Choice Requires="a14">
           <p:sp>
             <p:nvSpPr>
               <p:cNvPr id="10" name="TextBox 9">
@@ -27506,7 +29063,7 @@
             </p:txBody>
           </p:sp>
         </mc:Choice>
-        <mc:Fallback>
+        <mc:Fallback xmlns="">
           <p:sp>
             <p:nvSpPr>
               <p:cNvPr id="10" name="TextBox 9">
@@ -27551,8 +29108,8 @@
           </p:sp>
         </mc:Fallback>
       </mc:AlternateContent>
-      <mc:AlternateContent xmlns:mc="http://schemas.openxmlformats.org/markup-compatibility/2006">
-        <mc:Choice xmlns:a14="http://schemas.microsoft.com/office/drawing/2010/main" Requires="a14">
+      <mc:AlternateContent xmlns:mc="http://schemas.openxmlformats.org/markup-compatibility/2006" xmlns:a14="http://schemas.microsoft.com/office/drawing/2010/main">
+        <mc:Choice Requires="a14">
           <p:sp>
             <p:nvSpPr>
               <p:cNvPr id="11" name="TextBox 10">
@@ -27605,7 +29162,7 @@
             </p:txBody>
           </p:sp>
         </mc:Choice>
-        <mc:Fallback>
+        <mc:Fallback xmlns="">
           <p:sp>
             <p:nvSpPr>
               <p:cNvPr id="11" name="TextBox 10">
@@ -27650,8 +29207,8 @@
           </p:sp>
         </mc:Fallback>
       </mc:AlternateContent>
-      <mc:AlternateContent xmlns:mc="http://schemas.openxmlformats.org/markup-compatibility/2006">
-        <mc:Choice xmlns:a14="http://schemas.microsoft.com/office/drawing/2010/main" Requires="a14">
+      <mc:AlternateContent xmlns:mc="http://schemas.openxmlformats.org/markup-compatibility/2006" xmlns:a14="http://schemas.microsoft.com/office/drawing/2010/main">
+        <mc:Choice Requires="a14">
           <p:sp>
             <p:nvSpPr>
               <p:cNvPr id="12" name="TextBox 11">
@@ -27704,7 +29261,7 @@
             </p:txBody>
           </p:sp>
         </mc:Choice>
-        <mc:Fallback>
+        <mc:Fallback xmlns="">
           <p:sp>
             <p:nvSpPr>
               <p:cNvPr id="12" name="TextBox 11">
@@ -27749,8 +29306,8 @@
           </p:sp>
         </mc:Fallback>
       </mc:AlternateContent>
-      <mc:AlternateContent xmlns:mc="http://schemas.openxmlformats.org/markup-compatibility/2006">
-        <mc:Choice xmlns:a14="http://schemas.microsoft.com/office/drawing/2010/main" Requires="a14">
+      <mc:AlternateContent xmlns:mc="http://schemas.openxmlformats.org/markup-compatibility/2006" xmlns:a14="http://schemas.microsoft.com/office/drawing/2010/main">
+        <mc:Choice Requires="a14">
           <p:sp>
             <p:nvSpPr>
               <p:cNvPr id="13" name="TextBox 12">
@@ -27803,7 +29360,7 @@
             </p:txBody>
           </p:sp>
         </mc:Choice>
-        <mc:Fallback>
+        <mc:Fallback xmlns="">
           <p:sp>
             <p:nvSpPr>
               <p:cNvPr id="13" name="TextBox 12">
@@ -28351,8 +29908,8 @@
           </a:p>
         </p:txBody>
       </p:sp>
-      <mc:AlternateContent xmlns:mc="http://schemas.openxmlformats.org/markup-compatibility/2006">
-        <mc:Choice xmlns:a14="http://schemas.microsoft.com/office/drawing/2010/main" Requires="a14">
+      <mc:AlternateContent xmlns:mc="http://schemas.openxmlformats.org/markup-compatibility/2006" xmlns:a14="http://schemas.microsoft.com/office/drawing/2010/main">
+        <mc:Choice Requires="a14">
           <p:sp>
             <p:nvSpPr>
               <p:cNvPr id="3" name="Content Placeholder 2">
@@ -28538,25 +30095,7 @@
                             </a:solidFill>
                             <a:latin typeface="Cambria Math" panose="02040503050406030204" pitchFamily="18" charset="0"/>
                           </a:rPr>
-                          <m:t>4</m:t>
-                        </m:r>
-                        <m:r>
-                          <a:rPr lang="en-US" sz="3200" b="0" i="1" smtClean="0">
-                            <a:solidFill>
-                              <a:srgbClr val="C00000"/>
-                            </a:solidFill>
-                            <a:latin typeface="Cambria Math" panose="02040503050406030204" pitchFamily="18" charset="0"/>
-                          </a:rPr>
-                          <m:t>,</m:t>
-                        </m:r>
-                        <m:r>
-                          <a:rPr lang="en-US" sz="3200" b="0" i="1" smtClean="0">
-                            <a:solidFill>
-                              <a:srgbClr val="C00000"/>
-                            </a:solidFill>
-                            <a:latin typeface="Cambria Math" panose="02040503050406030204" pitchFamily="18" charset="0"/>
-                          </a:rPr>
-                          <m:t>4</m:t>
+                          <m:t>4,4</m:t>
                         </m:r>
                       </m:e>
                     </m:d>
@@ -28567,16 +30106,7 @@
                         </a:solidFill>
                         <a:latin typeface="Cambria Math" panose="02040503050406030204" pitchFamily="18" charset="0"/>
                       </a:rPr>
-                      <m:t>=</m:t>
-                    </m:r>
-                    <m:r>
-                      <a:rPr lang="en-US" sz="3200" b="0" i="1" smtClean="0">
-                        <a:solidFill>
-                          <a:srgbClr val="C00000"/>
-                        </a:solidFill>
-                        <a:latin typeface="Cambria Math" panose="02040503050406030204" pitchFamily="18" charset="0"/>
-                      </a:rPr>
-                      <m:t>18</m:t>
+                      <m:t>=18</m:t>
                     </m:r>
                   </m:oMath>
                 </a14:m>
@@ -28631,25 +30161,7 @@
                             </a:solidFill>
                             <a:latin typeface="Cambria Math" panose="02040503050406030204" pitchFamily="18" charset="0"/>
                           </a:rPr>
-                          <m:t>5</m:t>
-                        </m:r>
-                        <m:r>
-                          <a:rPr lang="en-US" sz="3200" b="0" i="1" smtClean="0">
-                            <a:solidFill>
-                              <a:srgbClr val="C00000"/>
-                            </a:solidFill>
-                            <a:latin typeface="Cambria Math" panose="02040503050406030204" pitchFamily="18" charset="0"/>
-                          </a:rPr>
-                          <m:t>,</m:t>
-                        </m:r>
-                        <m:r>
-                          <a:rPr lang="en-US" sz="3200" b="0" i="1" smtClean="0">
-                            <a:solidFill>
-                              <a:srgbClr val="C00000"/>
-                            </a:solidFill>
-                            <a:latin typeface="Cambria Math" panose="02040503050406030204" pitchFamily="18" charset="0"/>
-                          </a:rPr>
-                          <m:t>5</m:t>
+                          <m:t>5,5</m:t>
                         </m:r>
                       </m:e>
                     </m:d>
@@ -28711,25 +30223,7 @@
                             </a:solidFill>
                             <a:latin typeface="Cambria Math" panose="02040503050406030204" pitchFamily="18" charset="0"/>
                           </a:rPr>
-                          <m:t>6</m:t>
-                        </m:r>
-                        <m:r>
-                          <a:rPr lang="en-US" sz="3200" b="0" i="1" smtClean="0">
-                            <a:solidFill>
-                              <a:srgbClr val="C00000"/>
-                            </a:solidFill>
-                            <a:latin typeface="Cambria Math" panose="02040503050406030204" pitchFamily="18" charset="0"/>
-                          </a:rPr>
-                          <m:t>,</m:t>
-                        </m:r>
-                        <m:r>
-                          <a:rPr lang="en-US" sz="3200" b="0" i="1" smtClean="0">
-                            <a:solidFill>
-                              <a:srgbClr val="C00000"/>
-                            </a:solidFill>
-                            <a:latin typeface="Cambria Math" panose="02040503050406030204" pitchFamily="18" charset="0"/>
-                          </a:rPr>
-                          <m:t>6</m:t>
+                          <m:t>6,6</m:t>
                         </m:r>
                       </m:e>
                     </m:d>
@@ -28740,16 +30234,7 @@
                         </a:solidFill>
                         <a:latin typeface="Cambria Math" panose="02040503050406030204" pitchFamily="18" charset="0"/>
                       </a:rPr>
-                      <m:t>≤</m:t>
-                    </m:r>
-                    <m:r>
-                      <a:rPr lang="en-US" sz="3200" b="0" i="1" smtClean="0">
-                        <a:solidFill>
-                          <a:srgbClr val="C00000"/>
-                        </a:solidFill>
-                        <a:latin typeface="Cambria Math" panose="02040503050406030204" pitchFamily="18" charset="0"/>
-                      </a:rPr>
-                      <m:t>161</m:t>
+                      <m:t>≤161</m:t>
                     </m:r>
                   </m:oMath>
                 </a14:m>
@@ -28779,16 +30264,7 @@
                         </a:solidFill>
                         <a:latin typeface="Cambria Math" panose="02040503050406030204" pitchFamily="18" charset="0"/>
                       </a:rPr>
-                      <m:t>05</m:t>
-                    </m:r>
-                    <m:r>
-                      <a:rPr lang="en-US" sz="3200" b="0" i="1" smtClean="0">
-                        <a:solidFill>
-                          <a:srgbClr val="C00000"/>
-                        </a:solidFill>
-                        <a:latin typeface="Cambria Math" panose="02040503050406030204" pitchFamily="18" charset="0"/>
-                      </a:rPr>
-                      <m:t>≤</m:t>
+                      <m:t>05≤</m:t>
                     </m:r>
                     <m:r>
                       <a:rPr lang="en-US" sz="3200" b="0" i="1" smtClean="0">
@@ -28818,25 +30294,7 @@
                             </a:solidFill>
                             <a:latin typeface="Cambria Math" panose="02040503050406030204" pitchFamily="18" charset="0"/>
                           </a:rPr>
-                          <m:t>7</m:t>
-                        </m:r>
-                        <m:r>
-                          <a:rPr lang="en-US" sz="3200" b="0" i="1" smtClean="0">
-                            <a:solidFill>
-                              <a:srgbClr val="C00000"/>
-                            </a:solidFill>
-                            <a:latin typeface="Cambria Math" panose="02040503050406030204" pitchFamily="18" charset="0"/>
-                          </a:rPr>
-                          <m:t>,</m:t>
-                        </m:r>
-                        <m:r>
-                          <a:rPr lang="en-US" sz="3200" b="0" i="1" smtClean="0">
-                            <a:solidFill>
-                              <a:srgbClr val="C00000"/>
-                            </a:solidFill>
-                            <a:latin typeface="Cambria Math" panose="02040503050406030204" pitchFamily="18" charset="0"/>
-                          </a:rPr>
-                          <m:t>7</m:t>
+                          <m:t>7,7</m:t>
                         </m:r>
                       </m:e>
                     </m:d>
@@ -28847,16 +30305,7 @@
                         </a:solidFill>
                         <a:latin typeface="Cambria Math" panose="02040503050406030204" pitchFamily="18" charset="0"/>
                       </a:rPr>
-                      <m:t>≤</m:t>
-                    </m:r>
-                    <m:r>
-                      <a:rPr lang="en-US" sz="3200" b="0" i="1" smtClean="0">
-                        <a:solidFill>
-                          <a:srgbClr val="C00000"/>
-                        </a:solidFill>
-                        <a:latin typeface="Cambria Math" panose="02040503050406030204" pitchFamily="18" charset="0"/>
-                      </a:rPr>
-                      <m:t>497</m:t>
+                      <m:t>≤497</m:t>
                     </m:r>
                   </m:oMath>
                 </a14:m>
@@ -28873,7 +30322,7 @@
             </p:txBody>
           </p:sp>
         </mc:Choice>
-        <mc:Fallback>
+        <mc:Fallback xmlns="">
           <p:sp>
             <p:nvSpPr>
               <p:cNvPr id="3" name="Content Placeholder 2">
@@ -29265,7 +30714,7 @@
                 </a:r>
                 <a:r>
                   <a:rPr lang="en-US" sz="3200" dirty="0" err="1"/>
-                  <a:t>Erdos</a:t>
+                  <a:t>Erdös</a:t>
                 </a:r>
                 <a:r>
                   <a:rPr lang="en-US" sz="3200" dirty="0"/>
@@ -29957,7 +31406,7 @@
             <p:spPr>
               <a:xfrm>
                 <a:off x="838200" y="1825624"/>
-                <a:ext cx="10515600" cy="4422775"/>
+                <a:ext cx="10780058" cy="4422775"/>
               </a:xfrm>
             </p:spPr>
             <p:txBody>
@@ -30362,12 +31811,12 @@
             <p:spPr>
               <a:xfrm>
                 <a:off x="838200" y="1825624"/>
-                <a:ext cx="10515600" cy="4422775"/>
+                <a:ext cx="10780058" cy="4422775"/>
               </a:xfrm>
               <a:blipFill>
                 <a:blip r:embed="rId2"/>
                 <a:stretch>
-                  <a:fillRect l="-1333" t="-2755"/>
+                  <a:fillRect l="-1301" t="-2755" r="-566"/>
                 </a:stretch>
               </a:blipFill>
             </p:spPr>

--- a/CSCE658-S24/L14.pptx
+++ b/CSCE658-S24/L14.pptx
@@ -6114,8 +6114,8 @@
           </p:sp>
         </mc:Fallback>
       </mc:AlternateContent>
-      <mc:AlternateContent xmlns:mc="http://schemas.openxmlformats.org/markup-compatibility/2006">
-        <mc:Choice xmlns:a14="http://schemas.microsoft.com/office/drawing/2010/main" Requires="a14">
+      <mc:AlternateContent xmlns:mc="http://schemas.openxmlformats.org/markup-compatibility/2006" xmlns:a14="http://schemas.microsoft.com/office/drawing/2010/main">
+        <mc:Choice Requires="a14">
           <p:sp>
             <p:nvSpPr>
               <p:cNvPr id="3" name="Content Placeholder 2">
@@ -6474,7 +6474,7 @@
             </p:txBody>
           </p:sp>
         </mc:Choice>
-        <mc:Fallback>
+        <mc:Fallback xmlns="">
           <p:sp>
             <p:nvSpPr>
               <p:cNvPr id="3" name="Content Placeholder 2">
@@ -6518,8 +6518,8 @@
           </p:sp>
         </mc:Fallback>
       </mc:AlternateContent>
-      <mc:AlternateContent xmlns:mc="http://schemas.openxmlformats.org/markup-compatibility/2006">
-        <mc:Choice xmlns:a14="http://schemas.microsoft.com/office/drawing/2010/main" Requires="a14">
+      <mc:AlternateContent xmlns:mc="http://schemas.openxmlformats.org/markup-compatibility/2006" xmlns:a14="http://schemas.microsoft.com/office/drawing/2010/main">
+        <mc:Choice Requires="a14">
           <p:sp>
             <p:nvSpPr>
               <p:cNvPr id="5" name="TextBox 4">
@@ -6921,7 +6921,7 @@
             </p:txBody>
           </p:sp>
         </mc:Choice>
-        <mc:Fallback>
+        <mc:Fallback xmlns="">
           <p:sp>
             <p:nvSpPr>
               <p:cNvPr id="5" name="TextBox 4">
@@ -7002,8 +7002,8 @@
           <a:chExt cx="0" cy="0"/>
         </a:xfrm>
       </p:grpSpPr>
-      <mc:AlternateContent xmlns:mc="http://schemas.openxmlformats.org/markup-compatibility/2006">
-        <mc:Choice xmlns:a14="http://schemas.microsoft.com/office/drawing/2010/main" Requires="a14">
+      <mc:AlternateContent xmlns:mc="http://schemas.openxmlformats.org/markup-compatibility/2006" xmlns:a14="http://schemas.microsoft.com/office/drawing/2010/main">
+        <mc:Choice Requires="a14">
           <p:sp>
             <p:nvSpPr>
               <p:cNvPr id="2" name="Title 1">
@@ -7063,7 +7063,7 @@
             </p:txBody>
           </p:sp>
         </mc:Choice>
-        <mc:Fallback>
+        <mc:Fallback xmlns="">
           <p:sp>
             <p:nvSpPr>
               <p:cNvPr id="2" name="Title 1">
@@ -7107,8 +7107,8 @@
           </p:sp>
         </mc:Fallback>
       </mc:AlternateContent>
-      <mc:AlternateContent xmlns:mc="http://schemas.openxmlformats.org/markup-compatibility/2006">
-        <mc:Choice xmlns:a14="http://schemas.microsoft.com/office/drawing/2010/main" Requires="a14">
+      <mc:AlternateContent xmlns:mc="http://schemas.openxmlformats.org/markup-compatibility/2006" xmlns:a14="http://schemas.microsoft.com/office/drawing/2010/main">
+        <mc:Choice Requires="a14">
           <p:sp>
             <p:nvSpPr>
               <p:cNvPr id="3" name="Content Placeholder 2">
@@ -7227,7 +7227,7 @@
             </p:txBody>
           </p:sp>
         </mc:Choice>
-        <mc:Fallback>
+        <mc:Fallback xmlns="">
           <p:sp>
             <p:nvSpPr>
               <p:cNvPr id="3" name="Content Placeholder 2">
@@ -7412,8 +7412,8 @@
           </p:sp>
         </mc:Fallback>
       </mc:AlternateContent>
-      <mc:AlternateContent xmlns:mc="http://schemas.openxmlformats.org/markup-compatibility/2006">
-        <mc:Choice xmlns:a14="http://schemas.microsoft.com/office/drawing/2010/main" Requires="a14">
+      <mc:AlternateContent xmlns:mc="http://schemas.openxmlformats.org/markup-compatibility/2006" xmlns:a14="http://schemas.microsoft.com/office/drawing/2010/main">
+        <mc:Choice Requires="a14">
           <p:sp>
             <p:nvSpPr>
               <p:cNvPr id="3" name="Content Placeholder 2">
@@ -8211,7 +8211,7 @@
             </p:txBody>
           </p:sp>
         </mc:Choice>
-        <mc:Fallback>
+        <mc:Fallback xmlns="">
           <p:sp>
             <p:nvSpPr>
               <p:cNvPr id="3" name="Content Placeholder 2">
@@ -9147,8 +9147,8 @@
           </a:p>
         </p:txBody>
       </p:sp>
-      <mc:AlternateContent xmlns:mc="http://schemas.openxmlformats.org/markup-compatibility/2006">
-        <mc:Choice xmlns:a14="http://schemas.microsoft.com/office/drawing/2010/main" Requires="a14">
+      <mc:AlternateContent xmlns:mc="http://schemas.openxmlformats.org/markup-compatibility/2006" xmlns:a14="http://schemas.microsoft.com/office/drawing/2010/main">
+        <mc:Choice Requires="a14">
           <p:sp>
             <p:nvSpPr>
               <p:cNvPr id="3" name="Content Placeholder 2">
@@ -9723,7 +9723,7 @@
             </p:txBody>
           </p:sp>
         </mc:Choice>
-        <mc:Fallback>
+        <mc:Fallback xmlns="">
           <p:sp>
             <p:nvSpPr>
               <p:cNvPr id="3" name="Content Placeholder 2">
@@ -9853,8 +9853,8 @@
           </a:p>
         </p:txBody>
       </p:sp>
-      <mc:AlternateContent xmlns:mc="http://schemas.openxmlformats.org/markup-compatibility/2006" xmlns:a14="http://schemas.microsoft.com/office/drawing/2010/main">
-        <mc:Choice Requires="a14">
+      <mc:AlternateContent xmlns:mc="http://schemas.openxmlformats.org/markup-compatibility/2006">
+        <mc:Choice xmlns:a14="http://schemas.microsoft.com/office/drawing/2010/main" Requires="a14">
           <p:sp>
             <p:nvSpPr>
               <p:cNvPr id="3" name="Content Placeholder 2">
@@ -10085,7 +10085,7 @@
                     <m:func>
                       <m:funcPr>
                         <m:ctrlPr>
-                          <a:rPr lang="en-US" sz="3200" b="0" i="1" smtClean="0">
+                          <a:rPr lang="en-US" sz="3200" i="1">
                             <a:solidFill>
                               <a:srgbClr val="C00000"/>
                             </a:solidFill>
@@ -10098,7 +10098,7 @@
                           <m:rPr>
                             <m:sty m:val="p"/>
                           </m:rPr>
-                          <a:rPr lang="en-US" sz="3200" b="0" i="0" smtClean="0">
+                          <a:rPr lang="en-US" sz="3200">
                             <a:solidFill>
                               <a:srgbClr val="C00000"/>
                             </a:solidFill>
@@ -10113,7 +10113,7 @@
                             <m:begChr m:val="["/>
                             <m:endChr m:val="]"/>
                             <m:ctrlPr>
-                              <a:rPr lang="en-US" sz="3200" b="0" i="1" smtClean="0">
+                              <a:rPr lang="en-US" sz="3200" i="1">
                                 <a:solidFill>
                                   <a:srgbClr val="C00000"/>
                                 </a:solidFill>
@@ -10125,7 +10125,7 @@
                             <m:sSubSup>
                               <m:sSubSupPr>
                                 <m:ctrlPr>
-                                  <a:rPr lang="en-US" sz="3200" b="0" i="1" smtClean="0">
+                                  <a:rPr lang="en-US" sz="3200" i="1">
                                     <a:solidFill>
                                       <a:srgbClr val="C00000"/>
                                     </a:solidFill>
@@ -10135,7 +10135,7 @@
                               </m:sSubSupPr>
                               <m:e>
                                 <m:r>
-                                  <a:rPr lang="en-US" sz="3200" b="0" i="1" smtClean="0">
+                                  <a:rPr lang="en-US" sz="3200" i="1">
                                     <a:solidFill>
                                       <a:srgbClr val="C00000"/>
                                     </a:solidFill>
@@ -10146,7 +10146,7 @@
                               </m:e>
                               <m:sub>
                                 <m:r>
-                                  <a:rPr lang="en-US" sz="3200" b="0" i="1" smtClean="0">
+                                  <a:rPr lang="en-US" sz="3200" i="1">
                                     <a:solidFill>
                                       <a:srgbClr val="C00000"/>
                                     </a:solidFill>
@@ -10157,7 +10157,7 @@
                               </m:sub>
                               <m:sup>
                                 <m:r>
-                                  <a:rPr lang="en-US" sz="3200" b="0" i="1" smtClean="0">
+                                  <a:rPr lang="en-US" sz="3200" i="1">
                                     <a:solidFill>
                                       <a:srgbClr val="C00000"/>
                                     </a:solidFill>
@@ -10168,7 +10168,7 @@
                               </m:sup>
                             </m:sSubSup>
                             <m:r>
-                              <a:rPr lang="en-US" sz="3200" b="0" i="1" smtClean="0">
+                              <a:rPr lang="en-US" sz="3200" i="1">
                                 <a:solidFill>
                                   <a:srgbClr val="C00000"/>
                                 </a:solidFill>
@@ -10179,7 +10179,7 @@
                             <m:sSubSup>
                               <m:sSubSupPr>
                                 <m:ctrlPr>
-                                  <a:rPr lang="en-US" sz="3200" b="0" i="1" smtClean="0">
+                                  <a:rPr lang="en-US" sz="3200" i="1">
                                     <a:solidFill>
                                       <a:srgbClr val="C00000"/>
                                     </a:solidFill>
@@ -10189,7 +10189,7 @@
                               </m:sSubSupPr>
                               <m:e>
                                 <m:r>
-                                  <a:rPr lang="en-US" sz="3200" b="0" i="1" smtClean="0">
+                                  <a:rPr lang="en-US" sz="3200" i="1">
                                     <a:solidFill>
                                       <a:srgbClr val="C00000"/>
                                     </a:solidFill>
@@ -10200,7 +10200,7 @@
                               </m:e>
                               <m:sub>
                                 <m:r>
-                                  <a:rPr lang="en-US" sz="3200" b="0" i="1" smtClean="0">
+                                  <a:rPr lang="en-US" sz="3200" i="1">
                                     <a:solidFill>
                                       <a:srgbClr val="C00000"/>
                                     </a:solidFill>
@@ -10211,18 +10211,18 @@
                               </m:sub>
                               <m:sup>
                                 <m:r>
-                                  <a:rPr lang="en-US" sz="3200" b="0" i="1" smtClean="0">
+                                  <a:rPr lang="en-US" sz="3200" i="1">
                                     <a:solidFill>
                                       <a:srgbClr val="C00000"/>
                                     </a:solidFill>
                                     <a:latin typeface="Cambria Math" panose="02040503050406030204" pitchFamily="18" charset="0"/>
                                   </a:rPr>
-                                  <m:t>𝑐</m:t>
+                                  <m:t>𝐶</m:t>
                                 </m:r>
                               </m:sup>
                             </m:sSubSup>
                             <m:r>
-                              <a:rPr lang="en-US" sz="3200" b="0" i="1" smtClean="0">
+                              <a:rPr lang="en-US" sz="3200" i="1">
                                 <a:solidFill>
                                   <a:srgbClr val="C00000"/>
                                 </a:solidFill>
@@ -10233,7 +10233,7 @@
                             <m:sSubSup>
                               <m:sSubSupPr>
                                 <m:ctrlPr>
-                                  <a:rPr lang="en-US" sz="3200" b="0" i="1" smtClean="0">
+                                  <a:rPr lang="en-US" sz="3200" i="1">
                                     <a:solidFill>
                                       <a:srgbClr val="C00000"/>
                                     </a:solidFill>
@@ -10243,7 +10243,7 @@
                               </m:sSubSupPr>
                               <m:e>
                                 <m:r>
-                                  <a:rPr lang="en-US" sz="3200" b="0" i="1" smtClean="0">
+                                  <a:rPr lang="en-US" sz="3200" i="1">
                                     <a:solidFill>
                                       <a:srgbClr val="C00000"/>
                                     </a:solidFill>
@@ -10254,7 +10254,7 @@
                               </m:e>
                               <m:sub>
                                 <m:r>
-                                  <a:rPr lang="en-US" sz="3200" b="0" i="1" smtClean="0">
+                                  <a:rPr lang="en-US" sz="3200" i="1">
                                     <a:solidFill>
                                       <a:srgbClr val="C00000"/>
                                     </a:solidFill>
@@ -10265,13 +10265,13 @@
                               </m:sub>
                               <m:sup>
                                 <m:r>
-                                  <a:rPr lang="en-US" sz="3200" b="0" i="1" smtClean="0">
+                                  <a:rPr lang="en-US" sz="3200" i="1">
                                     <a:solidFill>
                                       <a:srgbClr val="C00000"/>
                                     </a:solidFill>
                                     <a:latin typeface="Cambria Math" panose="02040503050406030204" pitchFamily="18" charset="0"/>
                                   </a:rPr>
-                                  <m:t>𝑐</m:t>
+                                  <m:t>𝐶</m:t>
                                 </m:r>
                               </m:sup>
                             </m:sSubSup>
@@ -10390,7 +10390,7 @@
             </p:txBody>
           </p:sp>
         </mc:Choice>
-        <mc:Fallback xmlns="">
+        <mc:Fallback>
           <p:sp>
             <p:nvSpPr>
               <p:cNvPr id="3" name="Content Placeholder 2">
@@ -11141,7 +11141,7 @@
                                     </a:solidFill>
                                     <a:latin typeface="Cambria Math" panose="02040503050406030204" pitchFamily="18" charset="0"/>
                                   </a:rPr>
-                                  <m:t>𝑐</m:t>
+                                  <m:t>𝐶</m:t>
                                 </m:r>
                               </m:sup>
                             </m:sSubSup>
@@ -11195,7 +11195,7 @@
                                     </a:solidFill>
                                     <a:latin typeface="Cambria Math" panose="02040503050406030204" pitchFamily="18" charset="0"/>
                                   </a:rPr>
-                                  <m:t>𝑐</m:t>
+                                  <m:t>𝐶</m:t>
                                 </m:r>
                               </m:sup>
                             </m:sSubSup>
@@ -11398,7 +11398,7 @@
                                     </a:solidFill>
                                     <a:latin typeface="Cambria Math" panose="02040503050406030204" pitchFamily="18" charset="0"/>
                                   </a:rPr>
-                                  <m:t>𝑐</m:t>
+                                  <m:t>𝐶</m:t>
                                 </m:r>
                               </m:sup>
                             </m:sSubSup>
@@ -11461,7 +11461,7 @@
                                     </a:solidFill>
                                     <a:latin typeface="Cambria Math" panose="02040503050406030204" pitchFamily="18" charset="0"/>
                                   </a:rPr>
-                                  <m:t>𝑐</m:t>
+                                  <m:t>𝐶</m:t>
                                 </m:r>
                               </m:sup>
                             </m:sSubSup>
@@ -11678,8 +11678,8 @@
           </a:p>
         </p:txBody>
       </p:sp>
-      <mc:AlternateContent xmlns:mc="http://schemas.openxmlformats.org/markup-compatibility/2006" xmlns:a14="http://schemas.microsoft.com/office/drawing/2010/main">
-        <mc:Choice Requires="a14">
+      <mc:AlternateContent xmlns:mc="http://schemas.openxmlformats.org/markup-compatibility/2006">
+        <mc:Choice xmlns:a14="http://schemas.microsoft.com/office/drawing/2010/main" Requires="a14">
           <p:sp>
             <p:nvSpPr>
               <p:cNvPr id="3" name="Content Placeholder 2">
@@ -11854,7 +11854,7 @@
                                     </a:solidFill>
                                     <a:latin typeface="Cambria Math" panose="02040503050406030204" pitchFamily="18" charset="0"/>
                                   </a:rPr>
-                                  <m:t>𝑐</m:t>
+                                  <m:t>𝐶</m:t>
                                 </m:r>
                               </m:sup>
                             </m:sSubSup>
@@ -11908,7 +11908,7 @@
                                     </a:solidFill>
                                     <a:latin typeface="Cambria Math" panose="02040503050406030204" pitchFamily="18" charset="0"/>
                                   </a:rPr>
-                                  <m:t>𝑐</m:t>
+                                  <m:t>𝐶</m:t>
                                 </m:r>
                               </m:sup>
                             </m:sSubSup>
@@ -12111,7 +12111,7 @@
                                     </a:solidFill>
                                     <a:latin typeface="Cambria Math" panose="02040503050406030204" pitchFamily="18" charset="0"/>
                                   </a:rPr>
-                                  <m:t>𝑐</m:t>
+                                  <m:t>𝐶</m:t>
                                 </m:r>
                               </m:sup>
                             </m:sSubSup>
@@ -12174,7 +12174,7 @@
                                     </a:solidFill>
                                     <a:latin typeface="Cambria Math" panose="02040503050406030204" pitchFamily="18" charset="0"/>
                                   </a:rPr>
-                                  <m:t>𝑐</m:t>
+                                  <m:t>𝐶</m:t>
                                 </m:r>
                               </m:sup>
                             </m:sSubSup>
@@ -12280,7 +12280,7 @@
             </p:txBody>
           </p:sp>
         </mc:Choice>
-        <mc:Fallback xmlns="">
+        <mc:Fallback>
           <p:sp>
             <p:nvSpPr>
               <p:cNvPr id="3" name="Content Placeholder 2">
@@ -12324,8 +12324,8 @@
           </p:sp>
         </mc:Fallback>
       </mc:AlternateContent>
-      <mc:AlternateContent xmlns:mc="http://schemas.openxmlformats.org/markup-compatibility/2006" xmlns:a14="http://schemas.microsoft.com/office/drawing/2010/main">
-        <mc:Choice Requires="a14">
+      <mc:AlternateContent xmlns:mc="http://schemas.openxmlformats.org/markup-compatibility/2006">
+        <mc:Choice xmlns:a14="http://schemas.microsoft.com/office/drawing/2010/main" Requires="a14">
           <p:sp>
             <p:nvSpPr>
               <p:cNvPr id="6" name="TextBox 5">
@@ -12496,7 +12496,7 @@
                                       </a:solidFill>
                                       <a:latin typeface="Cambria Math" panose="02040503050406030204" pitchFamily="18" charset="0"/>
                                     </a:rPr>
-                                    <m:t>𝑐</m:t>
+                                    <m:t>𝐶</m:t>
                                   </m:r>
                                 </m:sup>
                               </m:sSubSup>
@@ -12550,7 +12550,7 @@
                                       </a:solidFill>
                                       <a:latin typeface="Cambria Math" panose="02040503050406030204" pitchFamily="18" charset="0"/>
                                     </a:rPr>
-                                    <m:t>𝑐</m:t>
+                                    <m:t>𝐶</m:t>
                                   </m:r>
                                 </m:sup>
                               </m:sSubSup>
@@ -12664,8 +12664,8 @@
                               </m:ctrlPr>
                             </m:dPr>
                             <m:e>
-                              <m:sSub>
-                                <m:sSubPr>
+                              <m:sSubSup>
+                                <m:sSubSupPr>
                                   <m:ctrlPr>
                                     <a:rPr lang="en-US" sz="3200" b="0" i="1" smtClean="0">
                                       <a:solidFill>
@@ -12674,7 +12674,7 @@
                                       <a:latin typeface="Cambria Math" panose="02040503050406030204" pitchFamily="18" charset="0"/>
                                     </a:rPr>
                                   </m:ctrlPr>
-                                </m:sSubPr>
+                                </m:sSubSupPr>
                                 <m:e>
                                   <m:r>
                                     <a:rPr lang="en-US" sz="3200" b="0" i="1" smtClean="0">
@@ -12697,7 +12697,18 @@
                                     <m:t>𝑖</m:t>
                                   </m:r>
                                 </m:sub>
-                              </m:sSub>
+                                <m:sup>
+                                  <m:r>
+                                    <a:rPr lang="en-US" sz="3200" b="0" i="1" smtClean="0">
+                                      <a:solidFill>
+                                        <a:srgbClr val="C00000"/>
+                                      </a:solidFill>
+                                      <a:latin typeface="Cambria Math" panose="02040503050406030204" pitchFamily="18" charset="0"/>
+                                    </a:rPr>
+                                    <m:t>𝐶</m:t>
+                                  </m:r>
+                                </m:sup>
+                              </m:sSubSup>
                               <m:r>
                                 <a:rPr lang="en-US" sz="3200" b="0" i="1" smtClean="0">
                                   <a:solidFill>
@@ -12802,7 +12813,7 @@
                                       </a:solidFill>
                                       <a:latin typeface="Cambria Math" panose="02040503050406030204" pitchFamily="18" charset="0"/>
                                     </a:rPr>
-                                    <m:t>𝑐</m:t>
+                                    <m:t>𝐶</m:t>
                                   </m:r>
                                 </m:sup>
                               </m:sSubSup>
@@ -12865,7 +12876,7 @@
                                       </a:solidFill>
                                       <a:latin typeface="Cambria Math" panose="02040503050406030204" pitchFamily="18" charset="0"/>
                                     </a:rPr>
-                                    <m:t>𝑐</m:t>
+                                    <m:t>𝐶</m:t>
                                   </m:r>
                                 </m:sup>
                               </m:sSubSup>
@@ -12881,7 +12892,7 @@
             </p:txBody>
           </p:sp>
         </mc:Choice>
-        <mc:Fallback xmlns="">
+        <mc:Fallback>
           <p:sp>
             <p:nvSpPr>
               <p:cNvPr id="6" name="TextBox 5">
@@ -13209,8 +13220,8 @@
           </a:p>
         </p:txBody>
       </p:sp>
-      <mc:AlternateContent xmlns:mc="http://schemas.openxmlformats.org/markup-compatibility/2006" xmlns:a14="http://schemas.microsoft.com/office/drawing/2010/main">
-        <mc:Choice Requires="a14">
+      <mc:AlternateContent xmlns:mc="http://schemas.openxmlformats.org/markup-compatibility/2006">
+        <mc:Choice xmlns:a14="http://schemas.microsoft.com/office/drawing/2010/main" Requires="a14">
           <p:sp>
             <p:nvSpPr>
               <p:cNvPr id="3" name="Content Placeholder 2">
@@ -13428,7 +13439,7 @@
                                     </a:solidFill>
                                     <a:latin typeface="Cambria Math" panose="02040503050406030204" pitchFamily="18" charset="0"/>
                                   </a:rPr>
-                                  <m:t>𝑐</m:t>
+                                  <m:t>𝐶</m:t>
                                 </m:r>
                               </m:sup>
                             </m:sSubSup>
@@ -13491,7 +13502,7 @@
                                     </a:solidFill>
                                     <a:latin typeface="Cambria Math" panose="02040503050406030204" pitchFamily="18" charset="0"/>
                                   </a:rPr>
-                                  <m:t>𝑐</m:t>
+                                  <m:t>𝐶</m:t>
                                 </m:r>
                               </m:sup>
                             </m:sSubSup>
@@ -13974,7 +13985,7 @@
             </p:txBody>
           </p:sp>
         </mc:Choice>
-        <mc:Fallback xmlns="">
+        <mc:Fallback>
           <p:sp>
             <p:nvSpPr>
               <p:cNvPr id="3" name="Content Placeholder 2">
@@ -14412,8 +14423,8 @@
           </a:p>
         </p:txBody>
       </p:sp>
-      <mc:AlternateContent xmlns:mc="http://schemas.openxmlformats.org/markup-compatibility/2006">
-        <mc:Choice xmlns:a14="http://schemas.microsoft.com/office/drawing/2010/main" Requires="a14">
+      <mc:AlternateContent xmlns:mc="http://schemas.openxmlformats.org/markup-compatibility/2006" xmlns:a14="http://schemas.microsoft.com/office/drawing/2010/main">
+        <mc:Choice Requires="a14">
           <p:sp>
             <p:nvSpPr>
               <p:cNvPr id="3" name="Content Placeholder 2">
@@ -14821,7 +14832,7 @@
             </p:txBody>
           </p:sp>
         </mc:Choice>
-        <mc:Fallback>
+        <mc:Fallback xmlns="">
           <p:sp>
             <p:nvSpPr>
               <p:cNvPr id="3" name="Content Placeholder 2">
@@ -20574,8 +20585,8 @@
           </a:p>
         </p:txBody>
       </p:sp>
-      <mc:AlternateContent xmlns:mc="http://schemas.openxmlformats.org/markup-compatibility/2006" xmlns:a14="http://schemas.microsoft.com/office/drawing/2010/main">
-        <mc:Choice Requires="a14">
+      <mc:AlternateContent xmlns:mc="http://schemas.openxmlformats.org/markup-compatibility/2006">
+        <mc:Choice xmlns:a14="http://schemas.microsoft.com/office/drawing/2010/main" Requires="a14">
           <p:sp>
             <p:nvSpPr>
               <p:cNvPr id="3" name="Content Placeholder 2">
@@ -20938,7 +20949,7 @@
                                     </a:solidFill>
                                     <a:latin typeface="Cambria Math" panose="02040503050406030204" pitchFamily="18" charset="0"/>
                                   </a:rPr>
-                                  <m:t>𝑐</m:t>
+                                  <m:t>𝐶</m:t>
                                 </m:r>
                               </m:sup>
                             </m:sSubSup>
@@ -20992,7 +21003,7 @@
                                     </a:solidFill>
                                     <a:latin typeface="Cambria Math" panose="02040503050406030204" pitchFamily="18" charset="0"/>
                                   </a:rPr>
-                                  <m:t>𝑐</m:t>
+                                  <m:t>𝐶</m:t>
                                 </m:r>
                               </m:sup>
                             </m:sSubSup>
@@ -21111,7 +21122,7 @@
             </p:txBody>
           </p:sp>
         </mc:Choice>
-        <mc:Fallback xmlns="">
+        <mc:Fallback>
           <p:sp>
             <p:nvSpPr>
               <p:cNvPr id="3" name="Content Placeholder 2">
@@ -23222,8 +23233,8 @@
           </p:sp>
         </mc:Fallback>
       </mc:AlternateContent>
-      <mc:AlternateContent xmlns:mc="http://schemas.openxmlformats.org/markup-compatibility/2006" xmlns:a14="http://schemas.microsoft.com/office/drawing/2010/main">
-        <mc:Choice Requires="a14">
+      <mc:AlternateContent xmlns:mc="http://schemas.openxmlformats.org/markup-compatibility/2006">
+        <mc:Choice xmlns:a14="http://schemas.microsoft.com/office/drawing/2010/main" Requires="a14">
           <p:sp>
             <p:nvSpPr>
               <p:cNvPr id="3" name="Content Placeholder 2">
@@ -23301,7 +23312,31 @@
                 </a14:m>
                 <a:r>
                   <a:rPr lang="en-US" sz="3200" dirty="0"/>
-                  <a:t> a separate random TRUE/FALSE value</a:t>
+                  <a:t> a separate random </a:t>
+                </a:r>
+                <a:r>
+                  <a:rPr lang="en-US" sz="3200" dirty="0">
+                    <a:solidFill>
+                      <a:srgbClr val="00B050"/>
+                    </a:solidFill>
+                  </a:rPr>
+                  <a:t>TRUE</a:t>
+                </a:r>
+                <a:r>
+                  <a:rPr lang="en-US" sz="3200" dirty="0"/>
+                  <a:t>/</a:t>
+                </a:r>
+                <a:r>
+                  <a:rPr lang="en-US" sz="3200" dirty="0">
+                    <a:solidFill>
+                      <a:srgbClr val="FF0000"/>
+                    </a:solidFill>
+                  </a:rPr>
+                  <a:t>FALSE</a:t>
+                </a:r>
+                <a:r>
+                  <a:rPr lang="en-US" sz="3200" dirty="0"/>
+                  <a:t> value</a:t>
                 </a:r>
               </a:p>
               <a:p>
@@ -23645,7 +23680,7 @@
             </p:txBody>
           </p:sp>
         </mc:Choice>
-        <mc:Fallback xmlns="">
+        <mc:Fallback>
           <p:sp>
             <p:nvSpPr>
               <p:cNvPr id="3" name="Content Placeholder 2">
@@ -23830,8 +23865,8 @@
           </p:sp>
         </mc:Fallback>
       </mc:AlternateContent>
-      <mc:AlternateContent xmlns:mc="http://schemas.openxmlformats.org/markup-compatibility/2006" xmlns:a14="http://schemas.microsoft.com/office/drawing/2010/main">
-        <mc:Choice Requires="a14">
+      <mc:AlternateContent xmlns:mc="http://schemas.openxmlformats.org/markup-compatibility/2006">
+        <mc:Choice xmlns:a14="http://schemas.microsoft.com/office/drawing/2010/main" Requires="a14">
           <p:sp>
             <p:nvSpPr>
               <p:cNvPr id="3" name="Content Placeholder 2">
@@ -23874,7 +23909,7 @@
                     <m:sSub>
                       <m:sSubPr>
                         <m:ctrlPr>
-                          <a:rPr lang="en-US" sz="3200" b="0" i="1" smtClean="0">
+                          <a:rPr lang="en-US" sz="3200" i="1">
                             <a:solidFill>
                               <a:srgbClr val="C00000"/>
                             </a:solidFill>
@@ -23884,7 +23919,7 @@
                       </m:sSubPr>
                       <m:e>
                         <m:r>
-                          <a:rPr lang="en-US" sz="3200" b="0" i="1" smtClean="0">
+                          <a:rPr lang="en-US" sz="3200" i="1">
                             <a:solidFill>
                               <a:srgbClr val="C00000"/>
                             </a:solidFill>
@@ -23895,7 +23930,7 @@
                       </m:e>
                       <m:sub>
                         <m:r>
-                          <a:rPr lang="en-US" sz="3200" b="0" i="1" smtClean="0">
+                          <a:rPr lang="en-US" sz="3200" i="1">
                             <a:solidFill>
                               <a:srgbClr val="C00000"/>
                             </a:solidFill>
@@ -23909,7 +23944,31 @@
                 </a14:m>
                 <a:r>
                   <a:rPr lang="en-US" sz="3200" dirty="0"/>
-                  <a:t> a separate random TRUE/FALSE value</a:t>
+                  <a:t> a separate random </a:t>
+                </a:r>
+                <a:r>
+                  <a:rPr lang="en-US" sz="3200" dirty="0">
+                    <a:solidFill>
+                      <a:srgbClr val="00B050"/>
+                    </a:solidFill>
+                  </a:rPr>
+                  <a:t>TRUE</a:t>
+                </a:r>
+                <a:r>
+                  <a:rPr lang="en-US" sz="3200" dirty="0"/>
+                  <a:t>/</a:t>
+                </a:r>
+                <a:r>
+                  <a:rPr lang="en-US" sz="3200" dirty="0">
+                    <a:solidFill>
+                      <a:srgbClr val="FF0000"/>
+                    </a:solidFill>
+                  </a:rPr>
+                  <a:t>FALSE</a:t>
+                </a:r>
+                <a:r>
+                  <a:rPr lang="en-US" sz="3200" dirty="0"/>
+                  <a:t> value</a:t>
                 </a:r>
               </a:p>
               <a:p>
@@ -24056,7 +24115,7 @@
             </p:txBody>
           </p:sp>
         </mc:Choice>
-        <mc:Fallback xmlns="">
+        <mc:Fallback>
           <p:sp>
             <p:nvSpPr>
               <p:cNvPr id="3" name="Content Placeholder 2">
@@ -30946,7 +31005,7 @@
                 </a14:m>
                 <a:r>
                   <a:rPr lang="en-US" sz="3200" dirty="0"/>
-                  <a:t> is monotonic is </a:t>
+                  <a:t> is monochromatic is </a:t>
                 </a:r>
                 <a14:m>
                   <m:oMath xmlns:m="http://schemas.openxmlformats.org/officeDocument/2006/math">
@@ -31650,7 +31709,7 @@
                             </a:solidFill>
                             <a:latin typeface="Cambria Math" panose="02040503050406030204" pitchFamily="18" charset="0"/>
                           </a:rPr>
-                          <m:t>𝑛</m:t>
+                          <m:t>𝑘</m:t>
                         </m:r>
                       </m:sub>
                     </m:sSub>
@@ -31700,7 +31759,7 @@
                             </a:solidFill>
                             <a:latin typeface="Cambria Math" panose="02040503050406030204" pitchFamily="18" charset="0"/>
                           </a:rPr>
-                          <m:t>𝑛</m:t>
+                          <m:t>𝑘</m:t>
                         </m:r>
                       </m:sub>
                     </m:sSub>

--- a/CSCE658-S24/L14.pptx
+++ b/CSCE658-S24/L14.pptx
@@ -953,7 +953,7 @@
           <a:p>
             <a:fld id="{BD513F5A-74D4-4F0D-9C58-A5322C13E101}" type="datetimeFigureOut">
               <a:rPr lang="en-US" smtClean="0"/>
-              <a:t>3/7/2024</a:t>
+              <a:t>3/19/2024</a:t>
             </a:fld>
             <a:endParaRPr lang="en-US"/>
           </a:p>
@@ -1151,7 +1151,7 @@
           <a:p>
             <a:fld id="{BD513F5A-74D4-4F0D-9C58-A5322C13E101}" type="datetimeFigureOut">
               <a:rPr lang="en-US" smtClean="0"/>
-              <a:t>3/7/2024</a:t>
+              <a:t>3/19/2024</a:t>
             </a:fld>
             <a:endParaRPr lang="en-US"/>
           </a:p>
@@ -1359,7 +1359,7 @@
           <a:p>
             <a:fld id="{BD513F5A-74D4-4F0D-9C58-A5322C13E101}" type="datetimeFigureOut">
               <a:rPr lang="en-US" smtClean="0"/>
-              <a:t>3/7/2024</a:t>
+              <a:t>3/19/2024</a:t>
             </a:fld>
             <a:endParaRPr lang="en-US"/>
           </a:p>
@@ -1557,7 +1557,7 @@
           <a:p>
             <a:fld id="{BD513F5A-74D4-4F0D-9C58-A5322C13E101}" type="datetimeFigureOut">
               <a:rPr lang="en-US" smtClean="0"/>
-              <a:t>3/7/2024</a:t>
+              <a:t>3/19/2024</a:t>
             </a:fld>
             <a:endParaRPr lang="en-US"/>
           </a:p>
@@ -1832,7 +1832,7 @@
           <a:p>
             <a:fld id="{BD513F5A-74D4-4F0D-9C58-A5322C13E101}" type="datetimeFigureOut">
               <a:rPr lang="en-US" smtClean="0"/>
-              <a:t>3/7/2024</a:t>
+              <a:t>3/19/2024</a:t>
             </a:fld>
             <a:endParaRPr lang="en-US"/>
           </a:p>
@@ -2097,7 +2097,7 @@
           <a:p>
             <a:fld id="{BD513F5A-74D4-4F0D-9C58-A5322C13E101}" type="datetimeFigureOut">
               <a:rPr lang="en-US" smtClean="0"/>
-              <a:t>3/7/2024</a:t>
+              <a:t>3/19/2024</a:t>
             </a:fld>
             <a:endParaRPr lang="en-US"/>
           </a:p>
@@ -2509,7 +2509,7 @@
           <a:p>
             <a:fld id="{BD513F5A-74D4-4F0D-9C58-A5322C13E101}" type="datetimeFigureOut">
               <a:rPr lang="en-US" smtClean="0"/>
-              <a:t>3/7/2024</a:t>
+              <a:t>3/19/2024</a:t>
             </a:fld>
             <a:endParaRPr lang="en-US"/>
           </a:p>
@@ -2650,7 +2650,7 @@
           <a:p>
             <a:fld id="{BD513F5A-74D4-4F0D-9C58-A5322C13E101}" type="datetimeFigureOut">
               <a:rPr lang="en-US" smtClean="0"/>
-              <a:t>3/7/2024</a:t>
+              <a:t>3/19/2024</a:t>
             </a:fld>
             <a:endParaRPr lang="en-US"/>
           </a:p>
@@ -2763,7 +2763,7 @@
           <a:p>
             <a:fld id="{BD513F5A-74D4-4F0D-9C58-A5322C13E101}" type="datetimeFigureOut">
               <a:rPr lang="en-US" smtClean="0"/>
-              <a:t>3/7/2024</a:t>
+              <a:t>3/19/2024</a:t>
             </a:fld>
             <a:endParaRPr lang="en-US"/>
           </a:p>
@@ -3074,7 +3074,7 @@
           <a:p>
             <a:fld id="{BD513F5A-74D4-4F0D-9C58-A5322C13E101}" type="datetimeFigureOut">
               <a:rPr lang="en-US" smtClean="0"/>
-              <a:t>3/7/2024</a:t>
+              <a:t>3/19/2024</a:t>
             </a:fld>
             <a:endParaRPr lang="en-US"/>
           </a:p>
@@ -3362,7 +3362,7 @@
           <a:p>
             <a:fld id="{BD513F5A-74D4-4F0D-9C58-A5322C13E101}" type="datetimeFigureOut">
               <a:rPr lang="en-US" smtClean="0"/>
-              <a:t>3/7/2024</a:t>
+              <a:t>3/19/2024</a:t>
             </a:fld>
             <a:endParaRPr lang="en-US"/>
           </a:p>
@@ -3603,7 +3603,7 @@
           <a:p>
             <a:fld id="{BD513F5A-74D4-4F0D-9C58-A5322C13E101}" type="datetimeFigureOut">
               <a:rPr lang="en-US" smtClean="0"/>
-              <a:t>3/7/2024</a:t>
+              <a:t>3/19/2024</a:t>
             </a:fld>
             <a:endParaRPr lang="en-US"/>
           </a:p>
@@ -9853,8 +9853,8 @@
           </a:p>
         </p:txBody>
       </p:sp>
-      <mc:AlternateContent xmlns:mc="http://schemas.openxmlformats.org/markup-compatibility/2006">
-        <mc:Choice xmlns:a14="http://schemas.microsoft.com/office/drawing/2010/main" Requires="a14">
+      <mc:AlternateContent xmlns:mc="http://schemas.openxmlformats.org/markup-compatibility/2006" xmlns:a14="http://schemas.microsoft.com/office/drawing/2010/main">
+        <mc:Choice Requires="a14">
           <p:sp>
             <p:nvSpPr>
               <p:cNvPr id="3" name="Content Placeholder 2">
@@ -10390,7 +10390,7 @@
             </p:txBody>
           </p:sp>
         </mc:Choice>
-        <mc:Fallback>
+        <mc:Fallback xmlns="">
           <p:sp>
             <p:nvSpPr>
               <p:cNvPr id="3" name="Content Placeholder 2">
@@ -10965,8 +10965,8 @@
           </a:p>
         </p:txBody>
       </p:sp>
-      <mc:AlternateContent xmlns:mc="http://schemas.openxmlformats.org/markup-compatibility/2006">
-        <mc:Choice xmlns:a14="http://schemas.microsoft.com/office/drawing/2010/main" Requires="a14">
+      <mc:AlternateContent xmlns:mc="http://schemas.openxmlformats.org/markup-compatibility/2006" xmlns:a14="http://schemas.microsoft.com/office/drawing/2010/main">
+        <mc:Choice Requires="a14">
           <p:sp>
             <p:nvSpPr>
               <p:cNvPr id="3" name="Content Placeholder 2">
@@ -11548,7 +11548,7 @@
             </p:txBody>
           </p:sp>
         </mc:Choice>
-        <mc:Fallback>
+        <mc:Fallback xmlns="">
           <p:sp>
             <p:nvSpPr>
               <p:cNvPr id="3" name="Content Placeholder 2">
@@ -11678,8 +11678,8 @@
           </a:p>
         </p:txBody>
       </p:sp>
-      <mc:AlternateContent xmlns:mc="http://schemas.openxmlformats.org/markup-compatibility/2006">
-        <mc:Choice xmlns:a14="http://schemas.microsoft.com/office/drawing/2010/main" Requires="a14">
+      <mc:AlternateContent xmlns:mc="http://schemas.openxmlformats.org/markup-compatibility/2006" xmlns:a14="http://schemas.microsoft.com/office/drawing/2010/main">
+        <mc:Choice Requires="a14">
           <p:sp>
             <p:nvSpPr>
               <p:cNvPr id="3" name="Content Placeholder 2">
@@ -12280,7 +12280,7 @@
             </p:txBody>
           </p:sp>
         </mc:Choice>
-        <mc:Fallback>
+        <mc:Fallback xmlns="">
           <p:sp>
             <p:nvSpPr>
               <p:cNvPr id="3" name="Content Placeholder 2">
@@ -12324,8 +12324,8 @@
           </p:sp>
         </mc:Fallback>
       </mc:AlternateContent>
-      <mc:AlternateContent xmlns:mc="http://schemas.openxmlformats.org/markup-compatibility/2006">
-        <mc:Choice xmlns:a14="http://schemas.microsoft.com/office/drawing/2010/main" Requires="a14">
+      <mc:AlternateContent xmlns:mc="http://schemas.openxmlformats.org/markup-compatibility/2006" xmlns:a14="http://schemas.microsoft.com/office/drawing/2010/main">
+        <mc:Choice Requires="a14">
           <p:sp>
             <p:nvSpPr>
               <p:cNvPr id="6" name="TextBox 5">
@@ -12892,7 +12892,7 @@
             </p:txBody>
           </p:sp>
         </mc:Choice>
-        <mc:Fallback>
+        <mc:Fallback xmlns="">
           <p:sp>
             <p:nvSpPr>
               <p:cNvPr id="6" name="TextBox 5">
@@ -13220,8 +13220,8 @@
           </a:p>
         </p:txBody>
       </p:sp>
-      <mc:AlternateContent xmlns:mc="http://schemas.openxmlformats.org/markup-compatibility/2006">
-        <mc:Choice xmlns:a14="http://schemas.microsoft.com/office/drawing/2010/main" Requires="a14">
+      <mc:AlternateContent xmlns:mc="http://schemas.openxmlformats.org/markup-compatibility/2006" xmlns:a14="http://schemas.microsoft.com/office/drawing/2010/main">
+        <mc:Choice Requires="a14">
           <p:sp>
             <p:nvSpPr>
               <p:cNvPr id="3" name="Content Placeholder 2">
@@ -13985,7 +13985,7 @@
             </p:txBody>
           </p:sp>
         </mc:Choice>
-        <mc:Fallback>
+        <mc:Fallback xmlns="">
           <p:sp>
             <p:nvSpPr>
               <p:cNvPr id="3" name="Content Placeholder 2">
@@ -20585,8 +20585,8 @@
           </a:p>
         </p:txBody>
       </p:sp>
-      <mc:AlternateContent xmlns:mc="http://schemas.openxmlformats.org/markup-compatibility/2006">
-        <mc:Choice xmlns:a14="http://schemas.microsoft.com/office/drawing/2010/main" Requires="a14">
+      <mc:AlternateContent xmlns:mc="http://schemas.openxmlformats.org/markup-compatibility/2006" xmlns:a14="http://schemas.microsoft.com/office/drawing/2010/main">
+        <mc:Choice Requires="a14">
           <p:sp>
             <p:nvSpPr>
               <p:cNvPr id="3" name="Content Placeholder 2">
@@ -21122,7 +21122,7 @@
             </p:txBody>
           </p:sp>
         </mc:Choice>
-        <mc:Fallback>
+        <mc:Fallback xmlns="">
           <p:sp>
             <p:nvSpPr>
               <p:cNvPr id="3" name="Content Placeholder 2">
@@ -23233,8 +23233,8 @@
           </p:sp>
         </mc:Fallback>
       </mc:AlternateContent>
-      <mc:AlternateContent xmlns:mc="http://schemas.openxmlformats.org/markup-compatibility/2006">
-        <mc:Choice xmlns:a14="http://schemas.microsoft.com/office/drawing/2010/main" Requires="a14">
+      <mc:AlternateContent xmlns:mc="http://schemas.openxmlformats.org/markup-compatibility/2006" xmlns:a14="http://schemas.microsoft.com/office/drawing/2010/main">
+        <mc:Choice Requires="a14">
           <p:sp>
             <p:nvSpPr>
               <p:cNvPr id="3" name="Content Placeholder 2">
@@ -23680,7 +23680,7 @@
             </p:txBody>
           </p:sp>
         </mc:Choice>
-        <mc:Fallback>
+        <mc:Fallback xmlns="">
           <p:sp>
             <p:nvSpPr>
               <p:cNvPr id="3" name="Content Placeholder 2">
@@ -23865,8 +23865,8 @@
           </p:sp>
         </mc:Fallback>
       </mc:AlternateContent>
-      <mc:AlternateContent xmlns:mc="http://schemas.openxmlformats.org/markup-compatibility/2006">
-        <mc:Choice xmlns:a14="http://schemas.microsoft.com/office/drawing/2010/main" Requires="a14">
+      <mc:AlternateContent xmlns:mc="http://schemas.openxmlformats.org/markup-compatibility/2006" xmlns:a14="http://schemas.microsoft.com/office/drawing/2010/main">
+        <mc:Choice Requires="a14">
           <p:sp>
             <p:nvSpPr>
               <p:cNvPr id="3" name="Content Placeholder 2">
@@ -24115,7 +24115,7 @@
             </p:txBody>
           </p:sp>
         </mc:Choice>
-        <mc:Fallback>
+        <mc:Fallback xmlns="">
           <p:sp>
             <p:nvSpPr>
               <p:cNvPr id="3" name="Content Placeholder 2">
@@ -30498,8 +30498,8 @@
           </a:p>
         </p:txBody>
       </p:sp>
-      <mc:AlternateContent xmlns:mc="http://schemas.openxmlformats.org/markup-compatibility/2006">
-        <mc:Choice xmlns:a14="http://schemas.microsoft.com/office/drawing/2010/main" Requires="a14">
+      <mc:AlternateContent xmlns:mc="http://schemas.openxmlformats.org/markup-compatibility/2006" xmlns:a14="http://schemas.microsoft.com/office/drawing/2010/main">
+        <mc:Choice Requires="a14">
           <p:sp>
             <p:nvSpPr>
               <p:cNvPr id="3" name="Content Placeholder 2">
@@ -31327,7 +31327,7 @@
             </p:txBody>
           </p:sp>
         </mc:Choice>
-        <mc:Fallback>
+        <mc:Fallback xmlns="">
           <p:sp>
             <p:nvSpPr>
               <p:cNvPr id="3" name="Content Placeholder 2">
@@ -31444,8 +31444,8 @@
           </a:p>
         </p:txBody>
       </p:sp>
-      <mc:AlternateContent xmlns:mc="http://schemas.openxmlformats.org/markup-compatibility/2006">
-        <mc:Choice xmlns:a14="http://schemas.microsoft.com/office/drawing/2010/main" Requires="a14">
+      <mc:AlternateContent xmlns:mc="http://schemas.openxmlformats.org/markup-compatibility/2006" xmlns:a14="http://schemas.microsoft.com/office/drawing/2010/main">
+        <mc:Choice Requires="a14">
           <p:sp>
             <p:nvSpPr>
               <p:cNvPr id="3" name="Content Placeholder 2">
@@ -31850,7 +31850,7 @@
             </p:txBody>
           </p:sp>
         </mc:Choice>
-        <mc:Fallback>
+        <mc:Fallback xmlns="">
           <p:sp>
             <p:nvSpPr>
               <p:cNvPr id="3" name="Content Placeholder 2">
